--- a/Lecture_JS_TS.pptx
+++ b/Lecture_JS_TS.pptx
@@ -26,11 +26,18 @@
     <p:sldId id="681" r:id="rId20"/>
     <p:sldId id="685" r:id="rId21"/>
     <p:sldId id="686" r:id="rId22"/>
-    <p:sldId id="682" r:id="rId23"/>
-    <p:sldId id="666" r:id="rId24"/>
-    <p:sldId id="667" r:id="rId25"/>
-    <p:sldId id="687" r:id="rId26"/>
-    <p:sldId id="684" r:id="rId27"/>
+    <p:sldId id="688" r:id="rId23"/>
+    <p:sldId id="689" r:id="rId24"/>
+    <p:sldId id="690" r:id="rId25"/>
+    <p:sldId id="692" r:id="rId26"/>
+    <p:sldId id="682" r:id="rId27"/>
+    <p:sldId id="666" r:id="rId28"/>
+    <p:sldId id="667" r:id="rId29"/>
+    <p:sldId id="687" r:id="rId30"/>
+    <p:sldId id="693" r:id="rId31"/>
+    <p:sldId id="694" r:id="rId32"/>
+    <p:sldId id="684" r:id="rId33"/>
+    <p:sldId id="691" r:id="rId34"/>
   </p:sldIdLst>
   <p:sldSz cx="20104100" cy="11309350"/>
   <p:notesSz cx="20104100" cy="11309350"/>
@@ -8607,7 +8614,7 @@
           <a:p>
             <a:fld id="{1D8BD707-D9CF-40AE-B4C6-C98DA3205C09}" type="datetimeFigureOut">
               <a:rPr lang="en-US"/>
-              <a:t>1/22/24</a:t>
+              <a:t>1/25/24</a:t>
             </a:fld>
             <a:endParaRPr lang="en-US"/>
           </a:p>
@@ -8784,7 +8791,7 @@
           <a:p>
             <a:fld id="{1D8BD707-D9CF-40AE-B4C6-C98DA3205C09}" type="datetimeFigureOut">
               <a:rPr lang="en-US"/>
-              <a:t>1/22/24</a:t>
+              <a:t>1/25/24</a:t>
             </a:fld>
             <a:endParaRPr lang="en-US"/>
           </a:p>
@@ -9002,7 +9009,7 @@
           <a:p>
             <a:fld id="{1D8BD707-D9CF-40AE-B4C6-C98DA3205C09}" type="datetimeFigureOut">
               <a:rPr lang="en-US"/>
-              <a:t>1/22/24</a:t>
+              <a:t>1/25/24</a:t>
             </a:fld>
             <a:endParaRPr lang="en-US"/>
           </a:p>
@@ -9230,7 +9237,7 @@
           <a:p>
             <a:fld id="{1D8BD707-D9CF-40AE-B4C6-C98DA3205C09}" type="datetimeFigureOut">
               <a:rPr lang="en-US"/>
-              <a:t>1/22/24</a:t>
+              <a:t>1/25/24</a:t>
             </a:fld>
             <a:endParaRPr lang="en-US"/>
           </a:p>
@@ -9349,7 +9356,7 @@
           <a:p>
             <a:fld id="{1D8BD707-D9CF-40AE-B4C6-C98DA3205C09}" type="datetimeFigureOut">
               <a:rPr lang="en-US"/>
-              <a:t>1/22/24</a:t>
+              <a:t>1/25/24</a:t>
             </a:fld>
             <a:endParaRPr lang="en-US"/>
           </a:p>
@@ -9624,7 +9631,7 @@
           <a:p>
             <a:fld id="{1D8BD707-D9CF-40AE-B4C6-C98DA3205C09}" type="datetimeFigureOut">
               <a:rPr lang="en-US"/>
-              <a:t>1/22/24</a:t>
+              <a:t>1/25/24</a:t>
             </a:fld>
             <a:endParaRPr lang="en-US"/>
           </a:p>
@@ -13029,12 +13036,161 @@
           </a:p>
         </p:txBody>
       </p:sp>
+      <p:sp>
+        <p:nvSpPr>
+          <p:cNvPr id="8" name="TextBox 7">
+            <a:extLst>
+              <a:ext uri="{FF2B5EF4-FFF2-40B4-BE49-F238E27FC236}">
+                <a16:creationId xmlns:a16="http://schemas.microsoft.com/office/drawing/2014/main" id="{93D3E631-D213-7A83-A91D-AD1816095099}"/>
+              </a:ext>
+            </a:extLst>
+          </p:cNvPr>
+          <p:cNvSpPr txBox="1"/>
+          <p:nvPr/>
+        </p:nvSpPr>
+        <p:spPr>
+          <a:xfrm>
+            <a:off x="527050" y="1888140"/>
+            <a:ext cx="19202400" cy="4403450"/>
+          </a:xfrm>
+          <a:prstGeom prst="rect">
+            <a:avLst/>
+          </a:prstGeom>
+          <a:noFill/>
+        </p:spPr>
+        <p:txBody>
+          <a:bodyPr wrap="square">
+            <a:spAutoFit/>
+          </a:bodyPr>
+          <a:lstStyle/>
+          <a:p>
+            <a:pPr marL="457200" lvl="1" indent="-457200" algn="just">
+              <a:lnSpc>
+                <a:spcPct val="200000"/>
+              </a:lnSpc>
+              <a:buClr>
+                <a:srgbClr val="FFC000"/>
+              </a:buClr>
+              <a:buFont typeface="Wingdings" pitchFamily="2" charset="2"/>
+              <a:buChar char="Ø"/>
+            </a:pPr>
+            <a:r>
+              <a:rPr lang="en-GB" sz="2400" b="1" dirty="0">
+                <a:solidFill>
+                  <a:schemeClr val="tx1">
+                    <a:lumMod val="85000"/>
+                    <a:lumOff val="15000"/>
+                  </a:schemeClr>
+                </a:solidFill>
+                <a:latin typeface="Verdana" panose="020B0604030504040204" pitchFamily="34" charset="0"/>
+                <a:ea typeface="Verdana" panose="020B0604030504040204" pitchFamily="34" charset="0"/>
+                <a:cs typeface="Verdana" panose="020B0604030504040204" pitchFamily="34" charset="0"/>
+              </a:rPr>
+              <a:t>initialization</a:t>
+            </a:r>
+            <a:r>
+              <a:rPr lang="en-GB" sz="2400" dirty="0">
+                <a:solidFill>
+                  <a:schemeClr val="tx1">
+                    <a:lumMod val="85000"/>
+                    <a:lumOff val="15000"/>
+                  </a:schemeClr>
+                </a:solidFill>
+                <a:latin typeface="Verdana" panose="020B0604030504040204" pitchFamily="34" charset="0"/>
+                <a:ea typeface="Verdana" panose="020B0604030504040204" pitchFamily="34" charset="0"/>
+                <a:cs typeface="Verdana" panose="020B0604030504040204" pitchFamily="34" charset="0"/>
+              </a:rPr>
+              <a:t> - This expression runs before the execution of the first loop and is usually used to create a counter.</a:t>
+            </a:r>
+          </a:p>
+          <a:p>
+            <a:pPr marL="457200" lvl="1" indent="-457200" algn="just">
+              <a:lnSpc>
+                <a:spcPct val="200000"/>
+              </a:lnSpc>
+              <a:buClr>
+                <a:srgbClr val="FFC000"/>
+              </a:buClr>
+              <a:buFont typeface="Wingdings" pitchFamily="2" charset="2"/>
+              <a:buChar char="Ø"/>
+            </a:pPr>
+            <a:r>
+              <a:rPr lang="en-GB" sz="2400" b="1" dirty="0">
+                <a:solidFill>
+                  <a:schemeClr val="tx1">
+                    <a:lumMod val="85000"/>
+                    <a:lumOff val="15000"/>
+                  </a:schemeClr>
+                </a:solidFill>
+                <a:latin typeface="Verdana" panose="020B0604030504040204" pitchFamily="34" charset="0"/>
+                <a:ea typeface="Verdana" panose="020B0604030504040204" pitchFamily="34" charset="0"/>
+                <a:cs typeface="Verdana" panose="020B0604030504040204" pitchFamily="34" charset="0"/>
+              </a:rPr>
+              <a:t>condition</a:t>
+            </a:r>
+            <a:r>
+              <a:rPr lang="en-GB" sz="2400" dirty="0">
+                <a:solidFill>
+                  <a:schemeClr val="tx1">
+                    <a:lumMod val="85000"/>
+                    <a:lumOff val="15000"/>
+                  </a:schemeClr>
+                </a:solidFill>
+                <a:latin typeface="Verdana" panose="020B0604030504040204" pitchFamily="34" charset="0"/>
+                <a:ea typeface="Verdana" panose="020B0604030504040204" pitchFamily="34" charset="0"/>
+                <a:cs typeface="Verdana" panose="020B0604030504040204" pitchFamily="34" charset="0"/>
+              </a:rPr>
+              <a:t> - This expression is checked each time before the loop runs. If it evaluates to true, the statement or code in the loop is executed. If it evaluates to false, the loop stops. And if this expression is omitted, it automatically evaluates to true. </a:t>
+            </a:r>
+          </a:p>
+          <a:p>
+            <a:pPr marL="457200" lvl="1" indent="-457200" algn="just">
+              <a:lnSpc>
+                <a:spcPct val="200000"/>
+              </a:lnSpc>
+              <a:buClr>
+                <a:srgbClr val="FFC000"/>
+              </a:buClr>
+              <a:buFont typeface="Wingdings" pitchFamily="2" charset="2"/>
+              <a:buChar char="Ø"/>
+            </a:pPr>
+            <a:r>
+              <a:rPr lang="en-GB" sz="2400" b="1" dirty="0">
+                <a:solidFill>
+                  <a:schemeClr val="tx1">
+                    <a:lumMod val="85000"/>
+                    <a:lumOff val="15000"/>
+                  </a:schemeClr>
+                </a:solidFill>
+                <a:latin typeface="Verdana" panose="020B0604030504040204" pitchFamily="34" charset="0"/>
+                <a:ea typeface="Verdana" panose="020B0604030504040204" pitchFamily="34" charset="0"/>
+                <a:cs typeface="Verdana" panose="020B0604030504040204" pitchFamily="34" charset="0"/>
+              </a:rPr>
+              <a:t>finalExpression</a:t>
+            </a:r>
+            <a:r>
+              <a:rPr lang="en-GB" sz="2400" dirty="0">
+                <a:solidFill>
+                  <a:schemeClr val="tx1">
+                    <a:lumMod val="85000"/>
+                    <a:lumOff val="15000"/>
+                  </a:schemeClr>
+                </a:solidFill>
+                <a:latin typeface="Verdana" panose="020B0604030504040204" pitchFamily="34" charset="0"/>
+                <a:ea typeface="Verdana" panose="020B0604030504040204" pitchFamily="34" charset="0"/>
+                <a:cs typeface="Verdana" panose="020B0604030504040204" pitchFamily="34" charset="0"/>
+              </a:rPr>
+              <a:t> - This expression is executed after each iteration of the loop. This is usually used to increment a counter but can be used to decrement a counter instead.</a:t>
+            </a:r>
+          </a:p>
+        </p:txBody>
+      </p:sp>
       <p:pic>
         <p:nvPicPr>
-          <p:cNvPr id="7" name="Picture 6" descr="A yellow and black sign with black letters&#10;&#10;Description automatically generated">
+          <p:cNvPr id="2" name="Picture 1" descr="A yellow and black sign with black letters&#10;&#10;Description automatically generated">
             <a:extLst>
               <a:ext uri="{FF2B5EF4-FFF2-40B4-BE49-F238E27FC236}">
-                <a16:creationId xmlns:a16="http://schemas.microsoft.com/office/drawing/2014/main" id="{B62EC03C-E533-6081-54A5-4909E90A5707}"/>
+                <a16:creationId xmlns:a16="http://schemas.microsoft.com/office/drawing/2014/main" id="{DE62B251-2C4D-CC8B-45AC-AAF8CC74462A}"/>
               </a:ext>
             </a:extLst>
           </p:cNvPr>
@@ -13065,76 +13221,12 @@
           </a:prstGeom>
         </p:spPr>
       </p:pic>
-      <p:sp>
-        <p:nvSpPr>
-          <p:cNvPr id="3" name="TextBox 2">
+      <p:pic>
+        <p:nvPicPr>
+          <p:cNvPr id="3" name="Picture 2">
             <a:extLst>
               <a:ext uri="{FF2B5EF4-FFF2-40B4-BE49-F238E27FC236}">
-                <a16:creationId xmlns:a16="http://schemas.microsoft.com/office/drawing/2014/main" id="{908C77FB-1529-D9E1-5AF2-3D1D1E8615A8}"/>
-              </a:ext>
-            </a:extLst>
-          </p:cNvPr>
-          <p:cNvSpPr txBox="1"/>
-          <p:nvPr/>
-        </p:nvSpPr>
-        <p:spPr>
-          <a:xfrm>
-            <a:off x="15233650" y="2530475"/>
-            <a:ext cx="1852457" cy="916085"/>
-          </a:xfrm>
-          <a:prstGeom prst="rect">
-            <a:avLst/>
-          </a:prstGeom>
-          <a:noFill/>
-        </p:spPr>
-        <p:txBody>
-          <a:bodyPr wrap="square">
-            <a:spAutoFit/>
-          </a:bodyPr>
-          <a:lstStyle/>
-          <a:p>
-            <a:pPr lvl="1" algn="ctr">
-              <a:lnSpc>
-                <a:spcPct val="200000"/>
-              </a:lnSpc>
-              <a:buClr>
-                <a:srgbClr val="FFC000"/>
-              </a:buClr>
-            </a:pPr>
-            <a:r>
-              <a:rPr lang="en-GB" sz="3200" b="1" dirty="0">
-                <a:solidFill>
-                  <a:schemeClr val="tx1">
-                    <a:lumMod val="85000"/>
-                    <a:lumOff val="15000"/>
-                  </a:schemeClr>
-                </a:solidFill>
-                <a:latin typeface="Verdana" panose="020B0604030504040204" pitchFamily="34" charset="0"/>
-                <a:ea typeface="Verdana" panose="020B0604030504040204" pitchFamily="34" charset="0"/>
-                <a:cs typeface="Verdana" panose="020B0604030504040204" pitchFamily="34" charset="0"/>
-              </a:rPr>
-              <a:t>Syntax</a:t>
-            </a:r>
-            <a:endParaRPr lang="en-GB" sz="2800" b="1" dirty="0">
-              <a:solidFill>
-                <a:schemeClr val="tx1">
-                  <a:lumMod val="85000"/>
-                  <a:lumOff val="15000"/>
-                </a:schemeClr>
-              </a:solidFill>
-              <a:latin typeface="Verdana" panose="020B0604030504040204" pitchFamily="34" charset="0"/>
-              <a:ea typeface="Verdana" panose="020B0604030504040204" pitchFamily="34" charset="0"/>
-              <a:cs typeface="Verdana" panose="020B0604030504040204" pitchFamily="34" charset="0"/>
-            </a:endParaRPr>
-          </a:p>
-        </p:txBody>
-      </p:sp>
-      <p:pic>
-        <p:nvPicPr>
-          <p:cNvPr id="4" name="Picture 3">
-            <a:extLst>
-              <a:ext uri="{FF2B5EF4-FFF2-40B4-BE49-F238E27FC236}">
-                <a16:creationId xmlns:a16="http://schemas.microsoft.com/office/drawing/2014/main" id="{74528865-0BAC-2874-DC83-C71D020331E9}"/>
+                <a16:creationId xmlns:a16="http://schemas.microsoft.com/office/drawing/2014/main" id="{E1F7845E-E43D-04BC-5675-68319F9D7767}"/>
               </a:ext>
             </a:extLst>
           </p:cNvPr>
@@ -13151,163 +13243,14 @@
         </p:blipFill>
         <p:spPr>
           <a:xfrm>
-            <a:off x="12578588" y="3997624"/>
-            <a:ext cx="7167811" cy="2499716"/>
+            <a:off x="4413250" y="7642412"/>
+            <a:ext cx="9040418" cy="2049465"/>
           </a:xfrm>
           <a:prstGeom prst="rect">
             <a:avLst/>
           </a:prstGeom>
         </p:spPr>
       </p:pic>
-      <p:sp>
-        <p:nvSpPr>
-          <p:cNvPr id="8" name="TextBox 7">
-            <a:extLst>
-              <a:ext uri="{FF2B5EF4-FFF2-40B4-BE49-F238E27FC236}">
-                <a16:creationId xmlns:a16="http://schemas.microsoft.com/office/drawing/2014/main" id="{93D3E631-D213-7A83-A91D-AD1816095099}"/>
-              </a:ext>
-            </a:extLst>
-          </p:cNvPr>
-          <p:cNvSpPr txBox="1"/>
-          <p:nvPr/>
-        </p:nvSpPr>
-        <p:spPr>
-          <a:xfrm>
-            <a:off x="527050" y="1888140"/>
-            <a:ext cx="11734800" cy="8569077"/>
-          </a:xfrm>
-          <a:prstGeom prst="rect">
-            <a:avLst/>
-          </a:prstGeom>
-          <a:noFill/>
-        </p:spPr>
-        <p:txBody>
-          <a:bodyPr wrap="square">
-            <a:spAutoFit/>
-          </a:bodyPr>
-          <a:lstStyle/>
-          <a:p>
-            <a:pPr marL="457200" lvl="1" indent="-457200" algn="just">
-              <a:lnSpc>
-                <a:spcPct val="200000"/>
-              </a:lnSpc>
-              <a:buClr>
-                <a:srgbClr val="FFC000"/>
-              </a:buClr>
-              <a:buFont typeface="Wingdings" pitchFamily="2" charset="2"/>
-              <a:buChar char="Ø"/>
-            </a:pPr>
-            <a:r>
-              <a:rPr lang="en-GB" sz="2800" b="1" dirty="0">
-                <a:solidFill>
-                  <a:schemeClr val="tx1">
-                    <a:lumMod val="85000"/>
-                    <a:lumOff val="15000"/>
-                  </a:schemeClr>
-                </a:solidFill>
-                <a:latin typeface="Verdana" panose="020B0604030504040204" pitchFamily="34" charset="0"/>
-                <a:ea typeface="Verdana" panose="020B0604030504040204" pitchFamily="34" charset="0"/>
-                <a:cs typeface="Verdana" panose="020B0604030504040204" pitchFamily="34" charset="0"/>
-              </a:rPr>
-              <a:t>initialization</a:t>
-            </a:r>
-            <a:r>
-              <a:rPr lang="en-GB" sz="2800" dirty="0">
-                <a:solidFill>
-                  <a:schemeClr val="tx1">
-                    <a:lumMod val="85000"/>
-                    <a:lumOff val="15000"/>
-                  </a:schemeClr>
-                </a:solidFill>
-                <a:latin typeface="Verdana" panose="020B0604030504040204" pitchFamily="34" charset="0"/>
-                <a:ea typeface="Verdana" panose="020B0604030504040204" pitchFamily="34" charset="0"/>
-                <a:cs typeface="Verdana" panose="020B0604030504040204" pitchFamily="34" charset="0"/>
-              </a:rPr>
-              <a:t> - This expression runs before the execution of the first loop and is usually used to create a counter.</a:t>
-            </a:r>
-          </a:p>
-          <a:p>
-            <a:pPr marL="457200" lvl="1" indent="-457200" algn="just">
-              <a:lnSpc>
-                <a:spcPct val="200000"/>
-              </a:lnSpc>
-              <a:buClr>
-                <a:srgbClr val="FFC000"/>
-              </a:buClr>
-              <a:buFont typeface="Wingdings" pitchFamily="2" charset="2"/>
-              <a:buChar char="Ø"/>
-            </a:pPr>
-            <a:r>
-              <a:rPr lang="en-GB" sz="2800" b="1" dirty="0">
-                <a:solidFill>
-                  <a:schemeClr val="tx1">
-                    <a:lumMod val="85000"/>
-                    <a:lumOff val="15000"/>
-                  </a:schemeClr>
-                </a:solidFill>
-                <a:latin typeface="Verdana" panose="020B0604030504040204" pitchFamily="34" charset="0"/>
-                <a:ea typeface="Verdana" panose="020B0604030504040204" pitchFamily="34" charset="0"/>
-                <a:cs typeface="Verdana" panose="020B0604030504040204" pitchFamily="34" charset="0"/>
-              </a:rPr>
-              <a:t>condition</a:t>
-            </a:r>
-            <a:r>
-              <a:rPr lang="en-GB" sz="2800" dirty="0">
-                <a:solidFill>
-                  <a:schemeClr val="tx1">
-                    <a:lumMod val="85000"/>
-                    <a:lumOff val="15000"/>
-                  </a:schemeClr>
-                </a:solidFill>
-                <a:latin typeface="Verdana" panose="020B0604030504040204" pitchFamily="34" charset="0"/>
-                <a:ea typeface="Verdana" panose="020B0604030504040204" pitchFamily="34" charset="0"/>
-                <a:cs typeface="Verdana" panose="020B0604030504040204" pitchFamily="34" charset="0"/>
-              </a:rPr>
-              <a:t> - This expression is checked each time before the loop runs. If it evaluates to true, the statement or code in the loop is executed. If it evaluates to false, the loop stops. And if this expression is omitted, it automatically evaluates to true. </a:t>
-            </a:r>
-          </a:p>
-          <a:p>
-            <a:pPr marL="457200" lvl="1" indent="-457200" algn="just">
-              <a:lnSpc>
-                <a:spcPct val="200000"/>
-              </a:lnSpc>
-              <a:buClr>
-                <a:srgbClr val="FFC000"/>
-              </a:buClr>
-              <a:buFont typeface="Wingdings" pitchFamily="2" charset="2"/>
-              <a:buChar char="Ø"/>
-            </a:pPr>
-            <a:r>
-              <a:rPr lang="en-GB" sz="2800" b="1" dirty="0">
-                <a:solidFill>
-                  <a:schemeClr val="tx1">
-                    <a:lumMod val="85000"/>
-                    <a:lumOff val="15000"/>
-                  </a:schemeClr>
-                </a:solidFill>
-                <a:latin typeface="Verdana" panose="020B0604030504040204" pitchFamily="34" charset="0"/>
-                <a:ea typeface="Verdana" panose="020B0604030504040204" pitchFamily="34" charset="0"/>
-                <a:cs typeface="Verdana" panose="020B0604030504040204" pitchFamily="34" charset="0"/>
-              </a:rPr>
-              <a:t>finalExpression</a:t>
-            </a:r>
-            <a:r>
-              <a:rPr lang="en-GB" sz="2800" dirty="0">
-                <a:solidFill>
-                  <a:schemeClr val="tx1">
-                    <a:lumMod val="85000"/>
-                    <a:lumOff val="15000"/>
-                  </a:schemeClr>
-                </a:solidFill>
-                <a:latin typeface="Verdana" panose="020B0604030504040204" pitchFamily="34" charset="0"/>
-                <a:ea typeface="Verdana" panose="020B0604030504040204" pitchFamily="34" charset="0"/>
-                <a:cs typeface="Verdana" panose="020B0604030504040204" pitchFamily="34" charset="0"/>
-              </a:rPr>
-              <a:t> - This expression is executed after each iteration of the loop. This is usually used to increment a counter but can be used to decrement a counter instead.</a:t>
-            </a:r>
-          </a:p>
-        </p:txBody>
-      </p:sp>
     </p:spTree>
     <p:extLst>
       <p:ext uri="{BB962C8B-B14F-4D97-AF65-F5344CB8AC3E}">
@@ -13612,10 +13555,10 @@
       </p:sp>
       <p:pic>
         <p:nvPicPr>
-          <p:cNvPr id="2" name="Picture 1">
+          <p:cNvPr id="3" name="Picture 2">
             <a:extLst>
               <a:ext uri="{FF2B5EF4-FFF2-40B4-BE49-F238E27FC236}">
-                <a16:creationId xmlns:a16="http://schemas.microsoft.com/office/drawing/2014/main" id="{BADFC4C8-B06D-C281-6CB9-5CBA2B29AD08}"/>
+                <a16:creationId xmlns:a16="http://schemas.microsoft.com/office/drawing/2014/main" id="{AF71931A-808F-7DF2-98EE-8B2BA86A2423}"/>
               </a:ext>
             </a:extLst>
           </p:cNvPr>
@@ -13632,8 +13575,8 @@
         </p:blipFill>
         <p:spPr>
           <a:xfrm>
-            <a:off x="5632450" y="4892675"/>
-            <a:ext cx="7772400" cy="4446372"/>
+            <a:off x="4870450" y="5083538"/>
+            <a:ext cx="9563001" cy="4050212"/>
           </a:xfrm>
           <a:prstGeom prst="rect">
             <a:avLst/>
@@ -13654,6 +13597,1402 @@
 </file>
 
 <file path=ppt/slides/slide22.xml><?xml version="1.0" encoding="utf-8"?>
+<p:sld xmlns:a="http://schemas.openxmlformats.org/drawingml/2006/main" xmlns:r="http://schemas.openxmlformats.org/officeDocument/2006/relationships" xmlns:p="http://schemas.openxmlformats.org/presentationml/2006/main">
+  <p:cSld>
+    <p:spTree>
+      <p:nvGrpSpPr>
+        <p:cNvPr id="1" name="">
+          <a:extLst>
+            <a:ext uri="{FF2B5EF4-FFF2-40B4-BE49-F238E27FC236}">
+              <a16:creationId xmlns:a16="http://schemas.microsoft.com/office/drawing/2014/main" id="{8DA8DB01-1335-C54B-7955-B8042A6DDFC3}"/>
+            </a:ext>
+          </a:extLst>
+        </p:cNvPr>
+        <p:cNvGrpSpPr/>
+        <p:nvPr/>
+      </p:nvGrpSpPr>
+      <p:grpSpPr>
+        <a:xfrm>
+          <a:off x="0" y="0"/>
+          <a:ext cx="0" cy="0"/>
+          <a:chOff x="0" y="0"/>
+          <a:chExt cx="0" cy="0"/>
+        </a:xfrm>
+      </p:grpSpPr>
+      <p:pic>
+        <p:nvPicPr>
+          <p:cNvPr id="5" name="object 7">
+            <a:extLst>
+              <a:ext uri="{FF2B5EF4-FFF2-40B4-BE49-F238E27FC236}">
+                <a16:creationId xmlns:a16="http://schemas.microsoft.com/office/drawing/2014/main" id="{4EEEB8A3-BEA4-B914-592D-E50826967F36}"/>
+              </a:ext>
+            </a:extLst>
+          </p:cNvPr>
+          <p:cNvPicPr/>
+          <p:nvPr/>
+        </p:nvPicPr>
+        <p:blipFill>
+          <a:blip r:embed="rId2" cstate="print"/>
+          <a:stretch>
+            <a:fillRect/>
+          </a:stretch>
+        </p:blipFill>
+        <p:spPr>
+          <a:xfrm>
+            <a:off x="0" y="0"/>
+            <a:ext cx="20104099" cy="1361215"/>
+          </a:xfrm>
+          <a:prstGeom prst="rect">
+            <a:avLst/>
+          </a:prstGeom>
+        </p:spPr>
+      </p:pic>
+      <p:sp>
+        <p:nvSpPr>
+          <p:cNvPr id="6" name="object 8">
+            <a:extLst>
+              <a:ext uri="{FF2B5EF4-FFF2-40B4-BE49-F238E27FC236}">
+                <a16:creationId xmlns:a16="http://schemas.microsoft.com/office/drawing/2014/main" id="{4C5888E5-1FA3-970E-E920-E9CAFB04CE14}"/>
+              </a:ext>
+            </a:extLst>
+          </p:cNvPr>
+          <p:cNvSpPr txBox="1">
+            <a:spLocks noGrp="1"/>
+          </p:cNvSpPr>
+          <p:nvPr>
+            <p:ph type="title"/>
+          </p:nvPr>
+        </p:nvSpPr>
+        <p:spPr>
+          <a:xfrm>
+            <a:off x="858511" y="335457"/>
+            <a:ext cx="3859539" cy="678815"/>
+          </a:xfrm>
+          <a:prstGeom prst="rect">
+            <a:avLst/>
+          </a:prstGeom>
+        </p:spPr>
+        <p:txBody>
+          <a:bodyPr vert="horz" wrap="square" lIns="0" tIns="17145" rIns="0" bIns="0" rtlCol="0">
+            <a:spAutoFit/>
+          </a:bodyPr>
+          <a:lstStyle/>
+          <a:p>
+            <a:pPr algn="l" fontAlgn="base"/>
+            <a:r>
+              <a:rPr lang="en-US" b="1" dirty="0">
+                <a:latin typeface="-apple-system"/>
+              </a:rPr>
+              <a:t>f</a:t>
+            </a:r>
+            <a:r>
+              <a:rPr lang="en-US" b="1" i="0" dirty="0">
+                <a:effectLst/>
+                <a:latin typeface="-apple-system"/>
+              </a:rPr>
+              <a:t>or</a:t>
+            </a:r>
+            <a:r>
+              <a:rPr lang="en-US" b="1" dirty="0">
+                <a:latin typeface="-apple-system"/>
+              </a:rPr>
+              <a:t> </a:t>
+            </a:r>
+            <a:r>
+              <a:rPr lang="en-US" b="1" i="0" dirty="0">
+                <a:effectLst/>
+                <a:latin typeface="-apple-system"/>
+              </a:rPr>
+              <a:t>in </a:t>
+            </a:r>
+            <a:r>
+              <a:rPr lang="en-US" i="0" dirty="0">
+                <a:effectLst/>
+                <a:latin typeface="-apple-system"/>
+              </a:rPr>
+              <a:t>Loop</a:t>
+            </a:r>
+          </a:p>
+        </p:txBody>
+      </p:sp>
+      <p:pic>
+        <p:nvPicPr>
+          <p:cNvPr id="7" name="Picture 6" descr="A yellow and black sign with black letters&#10;&#10;Description automatically generated">
+            <a:extLst>
+              <a:ext uri="{FF2B5EF4-FFF2-40B4-BE49-F238E27FC236}">
+                <a16:creationId xmlns:a16="http://schemas.microsoft.com/office/drawing/2014/main" id="{5E6E81D1-6B76-B75F-A1E2-1E6E3D2FA187}"/>
+              </a:ext>
+            </a:extLst>
+          </p:cNvPr>
+          <p:cNvPicPr>
+            <a:picLocks noChangeAspect="1"/>
+          </p:cNvPicPr>
+          <p:nvPr/>
+        </p:nvPicPr>
+        <p:blipFill>
+          <a:blip r:embed="rId3">
+            <a:extLst>
+              <a:ext uri="{28A0092B-C50C-407E-A947-70E740481C1C}">
+                <a14:useLocalDpi xmlns:a14="http://schemas.microsoft.com/office/drawing/2010/main" val="0"/>
+              </a:ext>
+            </a:extLst>
+          </a:blip>
+          <a:stretch>
+            <a:fillRect/>
+          </a:stretch>
+        </p:blipFill>
+        <p:spPr>
+          <a:xfrm>
+            <a:off x="17443450" y="9133750"/>
+            <a:ext cx="1295400" cy="1295400"/>
+          </a:xfrm>
+          <a:prstGeom prst="rect">
+            <a:avLst/>
+          </a:prstGeom>
+        </p:spPr>
+      </p:pic>
+      <p:pic>
+        <p:nvPicPr>
+          <p:cNvPr id="3" name="Picture 2">
+            <a:extLst>
+              <a:ext uri="{FF2B5EF4-FFF2-40B4-BE49-F238E27FC236}">
+                <a16:creationId xmlns:a16="http://schemas.microsoft.com/office/drawing/2014/main" id="{D25288E7-1928-1A55-3781-5AE18794E8EA}"/>
+              </a:ext>
+            </a:extLst>
+          </p:cNvPr>
+          <p:cNvPicPr>
+            <a:picLocks noChangeAspect="1"/>
+          </p:cNvPicPr>
+          <p:nvPr/>
+        </p:nvPicPr>
+        <p:blipFill>
+          <a:blip r:embed="rId4"/>
+          <a:stretch>
+            <a:fillRect/>
+          </a:stretch>
+        </p:blipFill>
+        <p:spPr>
+          <a:xfrm>
+            <a:off x="5175249" y="2689053"/>
+            <a:ext cx="9753600" cy="5931243"/>
+          </a:xfrm>
+          <a:prstGeom prst="rect">
+            <a:avLst/>
+          </a:prstGeom>
+        </p:spPr>
+      </p:pic>
+      <p:sp>
+        <p:nvSpPr>
+          <p:cNvPr id="4" name="object 33">
+            <a:extLst>
+              <a:ext uri="{FF2B5EF4-FFF2-40B4-BE49-F238E27FC236}">
+                <a16:creationId xmlns:a16="http://schemas.microsoft.com/office/drawing/2014/main" id="{26542CFD-A992-B871-05C9-2DADA84D43E8}"/>
+              </a:ext>
+            </a:extLst>
+          </p:cNvPr>
+          <p:cNvSpPr txBox="1"/>
+          <p:nvPr/>
+        </p:nvSpPr>
+        <p:spPr>
+          <a:xfrm>
+            <a:off x="10082759" y="9211509"/>
+            <a:ext cx="3654108" cy="417422"/>
+          </a:xfrm>
+          <a:prstGeom prst="rect">
+            <a:avLst/>
+          </a:prstGeom>
+        </p:spPr>
+        <p:txBody>
+          <a:bodyPr vert="horz" wrap="square" lIns="0" tIns="17145" rIns="0" bIns="0" rtlCol="0">
+            <a:spAutoFit/>
+          </a:bodyPr>
+          <a:lstStyle/>
+          <a:p>
+            <a:pPr marL="12700" algn="ctr">
+              <a:lnSpc>
+                <a:spcPct val="100000"/>
+              </a:lnSpc>
+              <a:spcBef>
+                <a:spcPts val="135"/>
+              </a:spcBef>
+            </a:pPr>
+            <a:r>
+              <a:rPr lang="en-US" sz="2600" spc="-20" dirty="0">
+                <a:solidFill>
+                  <a:srgbClr val="F2425D"/>
+                </a:solidFill>
+                <a:latin typeface="Arial"/>
+                <a:cs typeface="Arial"/>
+              </a:rPr>
+              <a:t>The </a:t>
+            </a:r>
+            <a:r>
+              <a:rPr lang="en-US" sz="2600" b="1" spc="-20" dirty="0">
+                <a:solidFill>
+                  <a:srgbClr val="F2425D"/>
+                </a:solidFill>
+                <a:latin typeface="Arial"/>
+                <a:cs typeface="Arial"/>
+              </a:rPr>
+              <a:t>x </a:t>
+            </a:r>
+            <a:r>
+              <a:rPr lang="en-US" sz="2600" spc="-20" dirty="0">
+                <a:solidFill>
+                  <a:srgbClr val="F2425D"/>
+                </a:solidFill>
+                <a:latin typeface="Arial"/>
+                <a:cs typeface="Arial"/>
+              </a:rPr>
+              <a:t>returns position.</a:t>
+            </a:r>
+            <a:endParaRPr lang="en-US" sz="2600" dirty="0">
+              <a:latin typeface="Arial"/>
+              <a:cs typeface="Arial"/>
+            </a:endParaRPr>
+          </a:p>
+        </p:txBody>
+      </p:sp>
+      <p:sp>
+        <p:nvSpPr>
+          <p:cNvPr id="8" name="Right Arrow 7">
+            <a:extLst>
+              <a:ext uri="{FF2B5EF4-FFF2-40B4-BE49-F238E27FC236}">
+                <a16:creationId xmlns:a16="http://schemas.microsoft.com/office/drawing/2014/main" id="{9AE50ACC-557B-A3C7-E0F8-0F81185FE2AF}"/>
+              </a:ext>
+            </a:extLst>
+          </p:cNvPr>
+          <p:cNvSpPr/>
+          <p:nvPr/>
+        </p:nvSpPr>
+        <p:spPr>
+          <a:xfrm rot="13758009">
+            <a:off x="10049095" y="7979997"/>
+            <a:ext cx="1868115" cy="294837"/>
+          </a:xfrm>
+          <a:prstGeom prst="rightArrow">
+            <a:avLst>
+              <a:gd name="adj1" fmla="val 27965"/>
+              <a:gd name="adj2" fmla="val 80708"/>
+            </a:avLst>
+          </a:prstGeom>
+          <a:solidFill>
+            <a:srgbClr val="F2425D"/>
+          </a:solidFill>
+          <a:ln>
+            <a:noFill/>
+          </a:ln>
+        </p:spPr>
+        <p:style>
+          <a:lnRef idx="2">
+            <a:schemeClr val="accent1">
+              <a:shade val="15000"/>
+            </a:schemeClr>
+          </a:lnRef>
+          <a:fillRef idx="1">
+            <a:schemeClr val="accent1"/>
+          </a:fillRef>
+          <a:effectRef idx="0">
+            <a:schemeClr val="accent1"/>
+          </a:effectRef>
+          <a:fontRef idx="minor">
+            <a:schemeClr val="lt1"/>
+          </a:fontRef>
+        </p:style>
+        <p:txBody>
+          <a:bodyPr rtlCol="0" anchor="ctr"/>
+          <a:lstStyle/>
+          <a:p>
+            <a:pPr algn="ctr"/>
+            <a:endParaRPr lang="en-BR" dirty="0"/>
+          </a:p>
+        </p:txBody>
+      </p:sp>
+    </p:spTree>
+    <p:extLst>
+      <p:ext uri="{BB962C8B-B14F-4D97-AF65-F5344CB8AC3E}">
+        <p14:creationId xmlns:p14="http://schemas.microsoft.com/office/powerpoint/2010/main" val="3343274916"/>
+      </p:ext>
+    </p:extLst>
+  </p:cSld>
+  <p:clrMapOvr>
+    <a:masterClrMapping/>
+  </p:clrMapOvr>
+</p:sld>
+</file>
+
+<file path=ppt/slides/slide23.xml><?xml version="1.0" encoding="utf-8"?>
+<p:sld xmlns:a="http://schemas.openxmlformats.org/drawingml/2006/main" xmlns:r="http://schemas.openxmlformats.org/officeDocument/2006/relationships" xmlns:p="http://schemas.openxmlformats.org/presentationml/2006/main">
+  <p:cSld>
+    <p:spTree>
+      <p:nvGrpSpPr>
+        <p:cNvPr id="1" name="">
+          <a:extLst>
+            <a:ext uri="{FF2B5EF4-FFF2-40B4-BE49-F238E27FC236}">
+              <a16:creationId xmlns:a16="http://schemas.microsoft.com/office/drawing/2014/main" id="{683B628D-02EC-F676-0BDB-D4597EDDBA81}"/>
+            </a:ext>
+          </a:extLst>
+        </p:cNvPr>
+        <p:cNvGrpSpPr/>
+        <p:nvPr/>
+      </p:nvGrpSpPr>
+      <p:grpSpPr>
+        <a:xfrm>
+          <a:off x="0" y="0"/>
+          <a:ext cx="0" cy="0"/>
+          <a:chOff x="0" y="0"/>
+          <a:chExt cx="0" cy="0"/>
+        </a:xfrm>
+      </p:grpSpPr>
+      <p:pic>
+        <p:nvPicPr>
+          <p:cNvPr id="5" name="object 7">
+            <a:extLst>
+              <a:ext uri="{FF2B5EF4-FFF2-40B4-BE49-F238E27FC236}">
+                <a16:creationId xmlns:a16="http://schemas.microsoft.com/office/drawing/2014/main" id="{1EAE0CF0-D02A-2D69-2EB2-A7DCA0DB2429}"/>
+              </a:ext>
+            </a:extLst>
+          </p:cNvPr>
+          <p:cNvPicPr/>
+          <p:nvPr/>
+        </p:nvPicPr>
+        <p:blipFill>
+          <a:blip r:embed="rId2" cstate="print"/>
+          <a:stretch>
+            <a:fillRect/>
+          </a:stretch>
+        </p:blipFill>
+        <p:spPr>
+          <a:xfrm>
+            <a:off x="0" y="0"/>
+            <a:ext cx="20104099" cy="1361215"/>
+          </a:xfrm>
+          <a:prstGeom prst="rect">
+            <a:avLst/>
+          </a:prstGeom>
+        </p:spPr>
+      </p:pic>
+      <p:sp>
+        <p:nvSpPr>
+          <p:cNvPr id="6" name="object 8">
+            <a:extLst>
+              <a:ext uri="{FF2B5EF4-FFF2-40B4-BE49-F238E27FC236}">
+                <a16:creationId xmlns:a16="http://schemas.microsoft.com/office/drawing/2014/main" id="{A1BD7B01-B22B-BDA8-11C6-DB504FA194CC}"/>
+              </a:ext>
+            </a:extLst>
+          </p:cNvPr>
+          <p:cNvSpPr txBox="1">
+            <a:spLocks noGrp="1"/>
+          </p:cNvSpPr>
+          <p:nvPr>
+            <p:ph type="title"/>
+          </p:nvPr>
+        </p:nvSpPr>
+        <p:spPr>
+          <a:xfrm>
+            <a:off x="858511" y="335457"/>
+            <a:ext cx="3859539" cy="678815"/>
+          </a:xfrm>
+          <a:prstGeom prst="rect">
+            <a:avLst/>
+          </a:prstGeom>
+        </p:spPr>
+        <p:txBody>
+          <a:bodyPr vert="horz" wrap="square" lIns="0" tIns="17145" rIns="0" bIns="0" rtlCol="0">
+            <a:spAutoFit/>
+          </a:bodyPr>
+          <a:lstStyle/>
+          <a:p>
+            <a:pPr algn="l" fontAlgn="base"/>
+            <a:r>
+              <a:rPr lang="en-US" b="1" i="0" dirty="0">
+                <a:effectLst/>
+                <a:latin typeface="-apple-system"/>
+              </a:rPr>
+              <a:t>for</a:t>
+            </a:r>
+            <a:r>
+              <a:rPr lang="en-US" b="1" dirty="0">
+                <a:latin typeface="-apple-system"/>
+              </a:rPr>
+              <a:t> of</a:t>
+            </a:r>
+            <a:r>
+              <a:rPr lang="en-US" b="1" i="0" dirty="0">
+                <a:effectLst/>
+                <a:latin typeface="-apple-system"/>
+              </a:rPr>
+              <a:t> </a:t>
+            </a:r>
+            <a:r>
+              <a:rPr lang="en-US" i="0" dirty="0">
+                <a:effectLst/>
+                <a:latin typeface="-apple-system"/>
+              </a:rPr>
+              <a:t>Loop</a:t>
+            </a:r>
+          </a:p>
+        </p:txBody>
+      </p:sp>
+      <p:pic>
+        <p:nvPicPr>
+          <p:cNvPr id="7" name="Picture 6" descr="A yellow and black sign with black letters&#10;&#10;Description automatically generated">
+            <a:extLst>
+              <a:ext uri="{FF2B5EF4-FFF2-40B4-BE49-F238E27FC236}">
+                <a16:creationId xmlns:a16="http://schemas.microsoft.com/office/drawing/2014/main" id="{947FB0F0-220E-72F9-56E7-CCB05461311A}"/>
+              </a:ext>
+            </a:extLst>
+          </p:cNvPr>
+          <p:cNvPicPr>
+            <a:picLocks noChangeAspect="1"/>
+          </p:cNvPicPr>
+          <p:nvPr/>
+        </p:nvPicPr>
+        <p:blipFill>
+          <a:blip r:embed="rId3">
+            <a:extLst>
+              <a:ext uri="{28A0092B-C50C-407E-A947-70E740481C1C}">
+                <a14:useLocalDpi xmlns:a14="http://schemas.microsoft.com/office/drawing/2010/main" val="0"/>
+              </a:ext>
+            </a:extLst>
+          </a:blip>
+          <a:stretch>
+            <a:fillRect/>
+          </a:stretch>
+        </p:blipFill>
+        <p:spPr>
+          <a:xfrm>
+            <a:off x="17443450" y="9133750"/>
+            <a:ext cx="1295400" cy="1295400"/>
+          </a:xfrm>
+          <a:prstGeom prst="rect">
+            <a:avLst/>
+          </a:prstGeom>
+        </p:spPr>
+      </p:pic>
+      <p:pic>
+        <p:nvPicPr>
+          <p:cNvPr id="4" name="Picture 3">
+            <a:extLst>
+              <a:ext uri="{FF2B5EF4-FFF2-40B4-BE49-F238E27FC236}">
+                <a16:creationId xmlns:a16="http://schemas.microsoft.com/office/drawing/2014/main" id="{F4467169-CC68-4B5B-EA95-59B87BA7EEA0}"/>
+              </a:ext>
+            </a:extLst>
+          </p:cNvPr>
+          <p:cNvPicPr>
+            <a:picLocks noChangeAspect="1"/>
+          </p:cNvPicPr>
+          <p:nvPr/>
+        </p:nvPicPr>
+        <p:blipFill>
+          <a:blip r:embed="rId4"/>
+          <a:stretch>
+            <a:fillRect/>
+          </a:stretch>
+        </p:blipFill>
+        <p:spPr>
+          <a:xfrm>
+            <a:off x="5594350" y="2943911"/>
+            <a:ext cx="8915400" cy="5421527"/>
+          </a:xfrm>
+          <a:prstGeom prst="rect">
+            <a:avLst/>
+          </a:prstGeom>
+        </p:spPr>
+      </p:pic>
+      <p:sp>
+        <p:nvSpPr>
+          <p:cNvPr id="8" name="object 33">
+            <a:extLst>
+              <a:ext uri="{FF2B5EF4-FFF2-40B4-BE49-F238E27FC236}">
+                <a16:creationId xmlns:a16="http://schemas.microsoft.com/office/drawing/2014/main" id="{A1BE49BC-7E4E-14FF-1643-95FF488C2FBD}"/>
+              </a:ext>
+            </a:extLst>
+          </p:cNvPr>
+          <p:cNvSpPr txBox="1"/>
+          <p:nvPr/>
+        </p:nvSpPr>
+        <p:spPr>
+          <a:xfrm>
+            <a:off x="10082759" y="9211509"/>
+            <a:ext cx="3654108" cy="417422"/>
+          </a:xfrm>
+          <a:prstGeom prst="rect">
+            <a:avLst/>
+          </a:prstGeom>
+        </p:spPr>
+        <p:txBody>
+          <a:bodyPr vert="horz" wrap="square" lIns="0" tIns="17145" rIns="0" bIns="0" rtlCol="0">
+            <a:spAutoFit/>
+          </a:bodyPr>
+          <a:lstStyle/>
+          <a:p>
+            <a:pPr marL="12700" algn="ctr">
+              <a:lnSpc>
+                <a:spcPct val="100000"/>
+              </a:lnSpc>
+              <a:spcBef>
+                <a:spcPts val="135"/>
+              </a:spcBef>
+            </a:pPr>
+            <a:r>
+              <a:rPr lang="en-US" sz="2600" spc="-20" dirty="0">
+                <a:solidFill>
+                  <a:srgbClr val="F2425D"/>
+                </a:solidFill>
+                <a:latin typeface="Arial"/>
+                <a:cs typeface="Arial"/>
+              </a:rPr>
+              <a:t>The </a:t>
+            </a:r>
+            <a:r>
+              <a:rPr lang="en-US" sz="2600" b="1" spc="-20" dirty="0">
+                <a:solidFill>
+                  <a:srgbClr val="F2425D"/>
+                </a:solidFill>
+                <a:latin typeface="Arial"/>
+                <a:cs typeface="Arial"/>
+              </a:rPr>
+              <a:t>x </a:t>
+            </a:r>
+            <a:r>
+              <a:rPr lang="en-US" sz="2600" spc="-20" dirty="0">
+                <a:solidFill>
+                  <a:srgbClr val="F2425D"/>
+                </a:solidFill>
+                <a:latin typeface="Arial"/>
+                <a:cs typeface="Arial"/>
+              </a:rPr>
+              <a:t>returns value.</a:t>
+            </a:r>
+            <a:endParaRPr lang="en-US" sz="2600" dirty="0">
+              <a:latin typeface="Arial"/>
+              <a:cs typeface="Arial"/>
+            </a:endParaRPr>
+          </a:p>
+        </p:txBody>
+      </p:sp>
+      <p:sp>
+        <p:nvSpPr>
+          <p:cNvPr id="9" name="Right Arrow 8">
+            <a:extLst>
+              <a:ext uri="{FF2B5EF4-FFF2-40B4-BE49-F238E27FC236}">
+                <a16:creationId xmlns:a16="http://schemas.microsoft.com/office/drawing/2014/main" id="{E13DF37B-B098-2C61-5231-5F6CFEB7CEBB}"/>
+              </a:ext>
+            </a:extLst>
+          </p:cNvPr>
+          <p:cNvSpPr/>
+          <p:nvPr/>
+        </p:nvSpPr>
+        <p:spPr>
+          <a:xfrm rot="13758009">
+            <a:off x="10049095" y="7979997"/>
+            <a:ext cx="1868115" cy="294837"/>
+          </a:xfrm>
+          <a:prstGeom prst="rightArrow">
+            <a:avLst>
+              <a:gd name="adj1" fmla="val 27965"/>
+              <a:gd name="adj2" fmla="val 80708"/>
+            </a:avLst>
+          </a:prstGeom>
+          <a:solidFill>
+            <a:srgbClr val="F2425D"/>
+          </a:solidFill>
+          <a:ln>
+            <a:noFill/>
+          </a:ln>
+        </p:spPr>
+        <p:style>
+          <a:lnRef idx="2">
+            <a:schemeClr val="accent1">
+              <a:shade val="15000"/>
+            </a:schemeClr>
+          </a:lnRef>
+          <a:fillRef idx="1">
+            <a:schemeClr val="accent1"/>
+          </a:fillRef>
+          <a:effectRef idx="0">
+            <a:schemeClr val="accent1"/>
+          </a:effectRef>
+          <a:fontRef idx="minor">
+            <a:schemeClr val="lt1"/>
+          </a:fontRef>
+        </p:style>
+        <p:txBody>
+          <a:bodyPr rtlCol="0" anchor="ctr"/>
+          <a:lstStyle/>
+          <a:p>
+            <a:pPr algn="ctr"/>
+            <a:endParaRPr lang="en-BR" dirty="0"/>
+          </a:p>
+        </p:txBody>
+      </p:sp>
+    </p:spTree>
+    <p:extLst>
+      <p:ext uri="{BB962C8B-B14F-4D97-AF65-F5344CB8AC3E}">
+        <p14:creationId xmlns:p14="http://schemas.microsoft.com/office/powerpoint/2010/main" val="2303164587"/>
+      </p:ext>
+    </p:extLst>
+  </p:cSld>
+  <p:clrMapOvr>
+    <a:masterClrMapping/>
+  </p:clrMapOvr>
+</p:sld>
+</file>
+
+<file path=ppt/slides/slide24.xml><?xml version="1.0" encoding="utf-8"?>
+<p:sld xmlns:a="http://schemas.openxmlformats.org/drawingml/2006/main" xmlns:r="http://schemas.openxmlformats.org/officeDocument/2006/relationships" xmlns:p="http://schemas.openxmlformats.org/presentationml/2006/main">
+  <p:cSld>
+    <p:spTree>
+      <p:nvGrpSpPr>
+        <p:cNvPr id="1" name="">
+          <a:extLst>
+            <a:ext uri="{FF2B5EF4-FFF2-40B4-BE49-F238E27FC236}">
+              <a16:creationId xmlns:a16="http://schemas.microsoft.com/office/drawing/2014/main" id="{285E3E4C-4B9C-7CB3-23EA-541F07A40FE8}"/>
+            </a:ext>
+          </a:extLst>
+        </p:cNvPr>
+        <p:cNvGrpSpPr/>
+        <p:nvPr/>
+      </p:nvGrpSpPr>
+      <p:grpSpPr>
+        <a:xfrm>
+          <a:off x="0" y="0"/>
+          <a:ext cx="0" cy="0"/>
+          <a:chOff x="0" y="0"/>
+          <a:chExt cx="0" cy="0"/>
+        </a:xfrm>
+      </p:grpSpPr>
+      <p:pic>
+        <p:nvPicPr>
+          <p:cNvPr id="5" name="object 7">
+            <a:extLst>
+              <a:ext uri="{FF2B5EF4-FFF2-40B4-BE49-F238E27FC236}">
+                <a16:creationId xmlns:a16="http://schemas.microsoft.com/office/drawing/2014/main" id="{1F8630CE-312D-96C3-F555-14DB55AF733A}"/>
+              </a:ext>
+            </a:extLst>
+          </p:cNvPr>
+          <p:cNvPicPr/>
+          <p:nvPr/>
+        </p:nvPicPr>
+        <p:blipFill>
+          <a:blip r:embed="rId2" cstate="print"/>
+          <a:stretch>
+            <a:fillRect/>
+          </a:stretch>
+        </p:blipFill>
+        <p:spPr>
+          <a:xfrm>
+            <a:off x="0" y="0"/>
+            <a:ext cx="20104099" cy="1361215"/>
+          </a:xfrm>
+          <a:prstGeom prst="rect">
+            <a:avLst/>
+          </a:prstGeom>
+        </p:spPr>
+      </p:pic>
+      <p:sp>
+        <p:nvSpPr>
+          <p:cNvPr id="6" name="object 8">
+            <a:extLst>
+              <a:ext uri="{FF2B5EF4-FFF2-40B4-BE49-F238E27FC236}">
+                <a16:creationId xmlns:a16="http://schemas.microsoft.com/office/drawing/2014/main" id="{46502A04-390E-5649-F7B1-8684F7868858}"/>
+              </a:ext>
+            </a:extLst>
+          </p:cNvPr>
+          <p:cNvSpPr txBox="1">
+            <a:spLocks noGrp="1"/>
+          </p:cNvSpPr>
+          <p:nvPr>
+            <p:ph type="title"/>
+          </p:nvPr>
+        </p:nvSpPr>
+        <p:spPr>
+          <a:xfrm>
+            <a:off x="858511" y="335457"/>
+            <a:ext cx="5764539" cy="671338"/>
+          </a:xfrm>
+          <a:prstGeom prst="rect">
+            <a:avLst/>
+          </a:prstGeom>
+        </p:spPr>
+        <p:txBody>
+          <a:bodyPr vert="horz" wrap="square" lIns="0" tIns="17145" rIns="0" bIns="0" rtlCol="0">
+            <a:spAutoFit/>
+          </a:bodyPr>
+          <a:lstStyle/>
+          <a:p>
+            <a:pPr algn="l" fontAlgn="base"/>
+            <a:r>
+              <a:rPr lang="en-US" b="1" i="0" dirty="0">
+                <a:effectLst/>
+                <a:latin typeface="-apple-system"/>
+              </a:rPr>
+              <a:t>while &amp; do</a:t>
+            </a:r>
+            <a:r>
+              <a:rPr lang="en-US" b="1" dirty="0">
+                <a:latin typeface="-apple-system"/>
+              </a:rPr>
+              <a:t> </a:t>
+            </a:r>
+            <a:r>
+              <a:rPr lang="en-US" b="1" i="0" dirty="0">
+                <a:effectLst/>
+                <a:latin typeface="-apple-system"/>
+              </a:rPr>
+              <a:t>while   </a:t>
+            </a:r>
+            <a:r>
+              <a:rPr lang="en-US" i="0" dirty="0">
+                <a:effectLst/>
+                <a:latin typeface="-apple-system"/>
+              </a:rPr>
+              <a:t>Loop</a:t>
+            </a:r>
+          </a:p>
+        </p:txBody>
+      </p:sp>
+      <p:pic>
+        <p:nvPicPr>
+          <p:cNvPr id="7" name="Picture 6" descr="A yellow and black sign with black letters&#10;&#10;Description automatically generated">
+            <a:extLst>
+              <a:ext uri="{FF2B5EF4-FFF2-40B4-BE49-F238E27FC236}">
+                <a16:creationId xmlns:a16="http://schemas.microsoft.com/office/drawing/2014/main" id="{054CCCEB-8AAC-69F4-ED4C-187C72C462B4}"/>
+              </a:ext>
+            </a:extLst>
+          </p:cNvPr>
+          <p:cNvPicPr>
+            <a:picLocks noChangeAspect="1"/>
+          </p:cNvPicPr>
+          <p:nvPr/>
+        </p:nvPicPr>
+        <p:blipFill>
+          <a:blip r:embed="rId3">
+            <a:extLst>
+              <a:ext uri="{28A0092B-C50C-407E-A947-70E740481C1C}">
+                <a14:useLocalDpi xmlns:a14="http://schemas.microsoft.com/office/drawing/2010/main" val="0"/>
+              </a:ext>
+            </a:extLst>
+          </a:blip>
+          <a:stretch>
+            <a:fillRect/>
+          </a:stretch>
+        </p:blipFill>
+        <p:spPr>
+          <a:xfrm>
+            <a:off x="17443450" y="9133750"/>
+            <a:ext cx="1295400" cy="1295400"/>
+          </a:xfrm>
+          <a:prstGeom prst="rect">
+            <a:avLst/>
+          </a:prstGeom>
+        </p:spPr>
+      </p:pic>
+      <p:pic>
+        <p:nvPicPr>
+          <p:cNvPr id="2" name="Picture 1">
+            <a:extLst>
+              <a:ext uri="{FF2B5EF4-FFF2-40B4-BE49-F238E27FC236}">
+                <a16:creationId xmlns:a16="http://schemas.microsoft.com/office/drawing/2014/main" id="{64D4AA6A-66B7-6A9D-D158-A131B2FB90D1}"/>
+              </a:ext>
+            </a:extLst>
+          </p:cNvPr>
+          <p:cNvPicPr>
+            <a:picLocks noChangeAspect="1"/>
+          </p:cNvPicPr>
+          <p:nvPr/>
+        </p:nvPicPr>
+        <p:blipFill>
+          <a:blip r:embed="rId4"/>
+          <a:stretch>
+            <a:fillRect/>
+          </a:stretch>
+        </p:blipFill>
+        <p:spPr>
+          <a:xfrm>
+            <a:off x="6394449" y="1844675"/>
+            <a:ext cx="7315200" cy="8370811"/>
+          </a:xfrm>
+          <a:prstGeom prst="rect">
+            <a:avLst/>
+          </a:prstGeom>
+        </p:spPr>
+      </p:pic>
+    </p:spTree>
+    <p:extLst>
+      <p:ext uri="{BB962C8B-B14F-4D97-AF65-F5344CB8AC3E}">
+        <p14:creationId xmlns:p14="http://schemas.microsoft.com/office/powerpoint/2010/main" val="1638398670"/>
+      </p:ext>
+    </p:extLst>
+  </p:cSld>
+  <p:clrMapOvr>
+    <a:masterClrMapping/>
+  </p:clrMapOvr>
+</p:sld>
+</file>
+
+<file path=ppt/slides/slide25.xml><?xml version="1.0" encoding="utf-8"?>
+<p:sld xmlns:a="http://schemas.openxmlformats.org/drawingml/2006/main" xmlns:r="http://schemas.openxmlformats.org/officeDocument/2006/relationships" xmlns:p="http://schemas.openxmlformats.org/presentationml/2006/main">
+  <p:cSld>
+    <p:spTree>
+      <p:nvGrpSpPr>
+        <p:cNvPr id="1" name="">
+          <a:extLst>
+            <a:ext uri="{FF2B5EF4-FFF2-40B4-BE49-F238E27FC236}">
+              <a16:creationId xmlns:a16="http://schemas.microsoft.com/office/drawing/2014/main" id="{CBBD726D-81C0-9654-E01D-38732D379387}"/>
+            </a:ext>
+          </a:extLst>
+        </p:cNvPr>
+        <p:cNvGrpSpPr/>
+        <p:nvPr/>
+      </p:nvGrpSpPr>
+      <p:grpSpPr>
+        <a:xfrm>
+          <a:off x="0" y="0"/>
+          <a:ext cx="0" cy="0"/>
+          <a:chOff x="0" y="0"/>
+          <a:chExt cx="0" cy="0"/>
+        </a:xfrm>
+      </p:grpSpPr>
+      <p:pic>
+        <p:nvPicPr>
+          <p:cNvPr id="5" name="object 7">
+            <a:extLst>
+              <a:ext uri="{FF2B5EF4-FFF2-40B4-BE49-F238E27FC236}">
+                <a16:creationId xmlns:a16="http://schemas.microsoft.com/office/drawing/2014/main" id="{3564193E-0549-8159-7177-0953BA5E6C64}"/>
+              </a:ext>
+            </a:extLst>
+          </p:cNvPr>
+          <p:cNvPicPr/>
+          <p:nvPr/>
+        </p:nvPicPr>
+        <p:blipFill>
+          <a:blip r:embed="rId2" cstate="print"/>
+          <a:stretch>
+            <a:fillRect/>
+          </a:stretch>
+        </p:blipFill>
+        <p:spPr>
+          <a:xfrm>
+            <a:off x="0" y="0"/>
+            <a:ext cx="20104099" cy="1361215"/>
+          </a:xfrm>
+          <a:prstGeom prst="rect">
+            <a:avLst/>
+          </a:prstGeom>
+        </p:spPr>
+      </p:pic>
+      <p:sp>
+        <p:nvSpPr>
+          <p:cNvPr id="6" name="object 8">
+            <a:extLst>
+              <a:ext uri="{FF2B5EF4-FFF2-40B4-BE49-F238E27FC236}">
+                <a16:creationId xmlns:a16="http://schemas.microsoft.com/office/drawing/2014/main" id="{93514718-8CA9-D015-51C4-837073A62F54}"/>
+              </a:ext>
+            </a:extLst>
+          </p:cNvPr>
+          <p:cNvSpPr txBox="1">
+            <a:spLocks noGrp="1"/>
+          </p:cNvSpPr>
+          <p:nvPr>
+            <p:ph type="title"/>
+          </p:nvPr>
+        </p:nvSpPr>
+        <p:spPr>
+          <a:xfrm>
+            <a:off x="858511" y="335457"/>
+            <a:ext cx="9574539" cy="671338"/>
+          </a:xfrm>
+          <a:prstGeom prst="rect">
+            <a:avLst/>
+          </a:prstGeom>
+        </p:spPr>
+        <p:txBody>
+          <a:bodyPr vert="horz" wrap="square" lIns="0" tIns="17145" rIns="0" bIns="0" rtlCol="0">
+            <a:spAutoFit/>
+          </a:bodyPr>
+          <a:lstStyle/>
+          <a:p>
+            <a:pPr algn="l" fontAlgn="base"/>
+            <a:r>
+              <a:rPr lang="en-US" b="1" i="0" dirty="0">
+                <a:effectLst/>
+                <a:latin typeface="-apple-system"/>
+              </a:rPr>
+              <a:t> Break, Continue, and Infinite </a:t>
+            </a:r>
+            <a:r>
+              <a:rPr lang="en-US" i="0" dirty="0">
+                <a:effectLst/>
+                <a:latin typeface="-apple-system"/>
+              </a:rPr>
+              <a:t>in the Loop</a:t>
+            </a:r>
+          </a:p>
+        </p:txBody>
+      </p:sp>
+      <p:pic>
+        <p:nvPicPr>
+          <p:cNvPr id="7" name="Picture 6" descr="A yellow and black sign with black letters&#10;&#10;Description automatically generated">
+            <a:extLst>
+              <a:ext uri="{FF2B5EF4-FFF2-40B4-BE49-F238E27FC236}">
+                <a16:creationId xmlns:a16="http://schemas.microsoft.com/office/drawing/2014/main" id="{FC0B3F96-03A5-B0BA-6E36-04AE78C646E7}"/>
+              </a:ext>
+            </a:extLst>
+          </p:cNvPr>
+          <p:cNvPicPr>
+            <a:picLocks noChangeAspect="1"/>
+          </p:cNvPicPr>
+          <p:nvPr/>
+        </p:nvPicPr>
+        <p:blipFill>
+          <a:blip r:embed="rId3">
+            <a:extLst>
+              <a:ext uri="{28A0092B-C50C-407E-A947-70E740481C1C}">
+                <a14:useLocalDpi xmlns:a14="http://schemas.microsoft.com/office/drawing/2010/main" val="0"/>
+              </a:ext>
+            </a:extLst>
+          </a:blip>
+          <a:stretch>
+            <a:fillRect/>
+          </a:stretch>
+        </p:blipFill>
+        <p:spPr>
+          <a:xfrm>
+            <a:off x="17443450" y="9133750"/>
+            <a:ext cx="1295400" cy="1295400"/>
+          </a:xfrm>
+          <a:prstGeom prst="rect">
+            <a:avLst/>
+          </a:prstGeom>
+        </p:spPr>
+      </p:pic>
+      <p:pic>
+        <p:nvPicPr>
+          <p:cNvPr id="15" name="Picture 14">
+            <a:extLst>
+              <a:ext uri="{FF2B5EF4-FFF2-40B4-BE49-F238E27FC236}">
+                <a16:creationId xmlns:a16="http://schemas.microsoft.com/office/drawing/2014/main" id="{FFBD88AC-910F-25E0-7251-2CF805B11532}"/>
+              </a:ext>
+            </a:extLst>
+          </p:cNvPr>
+          <p:cNvPicPr>
+            <a:picLocks noChangeAspect="1"/>
+          </p:cNvPicPr>
+          <p:nvPr/>
+        </p:nvPicPr>
+        <p:blipFill>
+          <a:blip r:embed="rId4"/>
+          <a:stretch>
+            <a:fillRect/>
+          </a:stretch>
+        </p:blipFill>
+        <p:spPr>
+          <a:xfrm>
+            <a:off x="1593850" y="2667239"/>
+            <a:ext cx="4597400" cy="3200400"/>
+          </a:xfrm>
+          <a:prstGeom prst="rect">
+            <a:avLst/>
+          </a:prstGeom>
+        </p:spPr>
+      </p:pic>
+      <p:sp>
+        <p:nvSpPr>
+          <p:cNvPr id="19" name="object 33">
+            <a:extLst>
+              <a:ext uri="{FF2B5EF4-FFF2-40B4-BE49-F238E27FC236}">
+                <a16:creationId xmlns:a16="http://schemas.microsoft.com/office/drawing/2014/main" id="{4430BEAB-FFFD-5083-79A3-9B7DDDEFF743}"/>
+              </a:ext>
+            </a:extLst>
+          </p:cNvPr>
+          <p:cNvSpPr txBox="1"/>
+          <p:nvPr/>
+        </p:nvSpPr>
+        <p:spPr>
+          <a:xfrm>
+            <a:off x="1822450" y="7173663"/>
+            <a:ext cx="3654108" cy="1217641"/>
+          </a:xfrm>
+          <a:prstGeom prst="rect">
+            <a:avLst/>
+          </a:prstGeom>
+        </p:spPr>
+        <p:txBody>
+          <a:bodyPr vert="horz" wrap="square" lIns="0" tIns="17145" rIns="0" bIns="0" rtlCol="0">
+            <a:spAutoFit/>
+          </a:bodyPr>
+          <a:lstStyle/>
+          <a:p>
+            <a:pPr marL="12700" algn="ctr">
+              <a:lnSpc>
+                <a:spcPct val="100000"/>
+              </a:lnSpc>
+              <a:spcBef>
+                <a:spcPts val="135"/>
+              </a:spcBef>
+            </a:pPr>
+            <a:r>
+              <a:rPr lang="en-US" sz="2600" spc="-20" dirty="0">
+                <a:solidFill>
+                  <a:srgbClr val="F2425D"/>
+                </a:solidFill>
+                <a:latin typeface="Arial"/>
+                <a:cs typeface="Arial"/>
+              </a:rPr>
+              <a:t>Without this expression, the loop goes into infinity.</a:t>
+            </a:r>
+            <a:endParaRPr lang="en-US" sz="2600" dirty="0">
+              <a:latin typeface="Arial"/>
+              <a:cs typeface="Arial"/>
+            </a:endParaRPr>
+          </a:p>
+        </p:txBody>
+      </p:sp>
+      <p:sp>
+        <p:nvSpPr>
+          <p:cNvPr id="20" name="Right Arrow 19">
+            <a:extLst>
+              <a:ext uri="{FF2B5EF4-FFF2-40B4-BE49-F238E27FC236}">
+                <a16:creationId xmlns:a16="http://schemas.microsoft.com/office/drawing/2014/main" id="{B972D6BE-218D-9185-0433-12E343565AAB}"/>
+              </a:ext>
+            </a:extLst>
+          </p:cNvPr>
+          <p:cNvSpPr/>
+          <p:nvPr/>
+        </p:nvSpPr>
+        <p:spPr>
+          <a:xfrm rot="16200000">
+            <a:off x="2715447" y="5750402"/>
+            <a:ext cx="1868115" cy="327780"/>
+          </a:xfrm>
+          <a:prstGeom prst="rightArrow">
+            <a:avLst>
+              <a:gd name="adj1" fmla="val 27965"/>
+              <a:gd name="adj2" fmla="val 80708"/>
+            </a:avLst>
+          </a:prstGeom>
+          <a:solidFill>
+            <a:srgbClr val="F2425D"/>
+          </a:solidFill>
+          <a:ln>
+            <a:noFill/>
+          </a:ln>
+        </p:spPr>
+        <p:style>
+          <a:lnRef idx="2">
+            <a:schemeClr val="accent1">
+              <a:shade val="15000"/>
+            </a:schemeClr>
+          </a:lnRef>
+          <a:fillRef idx="1">
+            <a:schemeClr val="accent1"/>
+          </a:fillRef>
+          <a:effectRef idx="0">
+            <a:schemeClr val="accent1"/>
+          </a:effectRef>
+          <a:fontRef idx="minor">
+            <a:schemeClr val="lt1"/>
+          </a:fontRef>
+        </p:style>
+        <p:txBody>
+          <a:bodyPr rtlCol="0" anchor="ctr"/>
+          <a:lstStyle/>
+          <a:p>
+            <a:pPr algn="ctr"/>
+            <a:endParaRPr lang="en-BR" dirty="0"/>
+          </a:p>
+        </p:txBody>
+      </p:sp>
+      <p:pic>
+        <p:nvPicPr>
+          <p:cNvPr id="23" name="Picture 22">
+            <a:extLst>
+              <a:ext uri="{FF2B5EF4-FFF2-40B4-BE49-F238E27FC236}">
+                <a16:creationId xmlns:a16="http://schemas.microsoft.com/office/drawing/2014/main" id="{E2D11EA3-1B07-5328-7C05-C4E3834A0BEE}"/>
+              </a:ext>
+            </a:extLst>
+          </p:cNvPr>
+          <p:cNvPicPr>
+            <a:picLocks noChangeAspect="1"/>
+          </p:cNvPicPr>
+          <p:nvPr/>
+        </p:nvPicPr>
+        <p:blipFill>
+          <a:blip r:embed="rId5"/>
+          <a:stretch>
+            <a:fillRect/>
+          </a:stretch>
+        </p:blipFill>
+        <p:spPr>
+          <a:xfrm>
+            <a:off x="7745132" y="1589881"/>
+            <a:ext cx="4953000" cy="3657600"/>
+          </a:xfrm>
+          <a:prstGeom prst="rect">
+            <a:avLst/>
+          </a:prstGeom>
+        </p:spPr>
+      </p:pic>
+      <p:sp>
+        <p:nvSpPr>
+          <p:cNvPr id="24" name="object 33">
+            <a:extLst>
+              <a:ext uri="{FF2B5EF4-FFF2-40B4-BE49-F238E27FC236}">
+                <a16:creationId xmlns:a16="http://schemas.microsoft.com/office/drawing/2014/main" id="{E0555012-AE38-082D-2A36-B03BBB00F35C}"/>
+              </a:ext>
+            </a:extLst>
+          </p:cNvPr>
+          <p:cNvSpPr txBox="1"/>
+          <p:nvPr/>
+        </p:nvSpPr>
+        <p:spPr>
+          <a:xfrm>
+            <a:off x="14053765" y="3001259"/>
+            <a:ext cx="3654108" cy="417422"/>
+          </a:xfrm>
+          <a:prstGeom prst="rect">
+            <a:avLst/>
+          </a:prstGeom>
+        </p:spPr>
+        <p:txBody>
+          <a:bodyPr vert="horz" wrap="square" lIns="0" tIns="17145" rIns="0" bIns="0" rtlCol="0">
+            <a:spAutoFit/>
+          </a:bodyPr>
+          <a:lstStyle/>
+          <a:p>
+            <a:pPr marL="12700" algn="ctr">
+              <a:lnSpc>
+                <a:spcPct val="100000"/>
+              </a:lnSpc>
+              <a:spcBef>
+                <a:spcPts val="135"/>
+              </a:spcBef>
+            </a:pPr>
+            <a:r>
+              <a:rPr lang="en-US" sz="2600" spc="-20" dirty="0">
+                <a:solidFill>
+                  <a:srgbClr val="F2425D"/>
+                </a:solidFill>
+                <a:latin typeface="Arial"/>
+                <a:cs typeface="Arial"/>
+              </a:rPr>
+              <a:t>this to break the loop.</a:t>
+            </a:r>
+            <a:endParaRPr lang="en-US" sz="2600" dirty="0">
+              <a:latin typeface="Arial"/>
+              <a:cs typeface="Arial"/>
+            </a:endParaRPr>
+          </a:p>
+        </p:txBody>
+      </p:sp>
+      <p:sp>
+        <p:nvSpPr>
+          <p:cNvPr id="25" name="Right Arrow 24">
+            <a:extLst>
+              <a:ext uri="{FF2B5EF4-FFF2-40B4-BE49-F238E27FC236}">
+                <a16:creationId xmlns:a16="http://schemas.microsoft.com/office/drawing/2014/main" id="{8DBB9D9A-7AF0-8E39-AE01-EB2C590853BD}"/>
+              </a:ext>
+            </a:extLst>
+          </p:cNvPr>
+          <p:cNvSpPr/>
+          <p:nvPr/>
+        </p:nvSpPr>
+        <p:spPr>
+          <a:xfrm rot="10800000">
+            <a:off x="12185650" y="3018504"/>
+            <a:ext cx="1868115" cy="417421"/>
+          </a:xfrm>
+          <a:prstGeom prst="rightArrow">
+            <a:avLst>
+              <a:gd name="adj1" fmla="val 27965"/>
+              <a:gd name="adj2" fmla="val 80708"/>
+            </a:avLst>
+          </a:prstGeom>
+          <a:solidFill>
+            <a:srgbClr val="F2425D"/>
+          </a:solidFill>
+          <a:ln>
+            <a:noFill/>
+          </a:ln>
+        </p:spPr>
+        <p:style>
+          <a:lnRef idx="2">
+            <a:schemeClr val="accent1">
+              <a:shade val="15000"/>
+            </a:schemeClr>
+          </a:lnRef>
+          <a:fillRef idx="1">
+            <a:schemeClr val="accent1"/>
+          </a:fillRef>
+          <a:effectRef idx="0">
+            <a:schemeClr val="accent1"/>
+          </a:effectRef>
+          <a:fontRef idx="minor">
+            <a:schemeClr val="lt1"/>
+          </a:fontRef>
+        </p:style>
+        <p:txBody>
+          <a:bodyPr rtlCol="0" anchor="ctr"/>
+          <a:lstStyle/>
+          <a:p>
+            <a:pPr algn="ctr"/>
+            <a:endParaRPr lang="en-BR" dirty="0"/>
+          </a:p>
+        </p:txBody>
+      </p:sp>
+      <p:pic>
+        <p:nvPicPr>
+          <p:cNvPr id="26" name="Picture 25">
+            <a:extLst>
+              <a:ext uri="{FF2B5EF4-FFF2-40B4-BE49-F238E27FC236}">
+                <a16:creationId xmlns:a16="http://schemas.microsoft.com/office/drawing/2014/main" id="{20A44628-366C-8AE2-C1E9-B8F31E05D7F2}"/>
+              </a:ext>
+            </a:extLst>
+          </p:cNvPr>
+          <p:cNvPicPr>
+            <a:picLocks noChangeAspect="1"/>
+          </p:cNvPicPr>
+          <p:nvPr/>
+        </p:nvPicPr>
+        <p:blipFill>
+          <a:blip r:embed="rId6"/>
+          <a:stretch>
+            <a:fillRect/>
+          </a:stretch>
+        </p:blipFill>
+        <p:spPr>
+          <a:xfrm>
+            <a:off x="11924552" y="5654675"/>
+            <a:ext cx="4953000" cy="5029200"/>
+          </a:xfrm>
+          <a:prstGeom prst="rect">
+            <a:avLst/>
+          </a:prstGeom>
+        </p:spPr>
+      </p:pic>
+      <p:sp>
+        <p:nvSpPr>
+          <p:cNvPr id="27" name="object 33">
+            <a:extLst>
+              <a:ext uri="{FF2B5EF4-FFF2-40B4-BE49-F238E27FC236}">
+                <a16:creationId xmlns:a16="http://schemas.microsoft.com/office/drawing/2014/main" id="{31E4E01F-96BA-7F93-96AF-AA5D3543830C}"/>
+              </a:ext>
+            </a:extLst>
+          </p:cNvPr>
+          <p:cNvSpPr txBox="1"/>
+          <p:nvPr/>
+        </p:nvSpPr>
+        <p:spPr>
+          <a:xfrm>
+            <a:off x="7555752" y="7573772"/>
+            <a:ext cx="3654108" cy="1217641"/>
+          </a:xfrm>
+          <a:prstGeom prst="rect">
+            <a:avLst/>
+          </a:prstGeom>
+        </p:spPr>
+        <p:txBody>
+          <a:bodyPr vert="horz" wrap="square" lIns="0" tIns="17145" rIns="0" bIns="0" rtlCol="0">
+            <a:spAutoFit/>
+          </a:bodyPr>
+          <a:lstStyle/>
+          <a:p>
+            <a:pPr marL="12700" algn="ctr">
+              <a:lnSpc>
+                <a:spcPct val="100000"/>
+              </a:lnSpc>
+              <a:spcBef>
+                <a:spcPts val="135"/>
+              </a:spcBef>
+            </a:pPr>
+            <a:r>
+              <a:rPr lang="en-US" sz="2600" spc="-20" dirty="0">
+                <a:solidFill>
+                  <a:srgbClr val="F2425D"/>
+                </a:solidFill>
+                <a:latin typeface="Arial"/>
+                <a:cs typeface="Arial"/>
+              </a:rPr>
+              <a:t>this to break the flow and continue from the beginning.</a:t>
+            </a:r>
+            <a:endParaRPr lang="en-US" sz="2600" dirty="0">
+              <a:latin typeface="Arial"/>
+              <a:cs typeface="Arial"/>
+            </a:endParaRPr>
+          </a:p>
+        </p:txBody>
+      </p:sp>
+      <p:sp>
+        <p:nvSpPr>
+          <p:cNvPr id="28" name="Right Arrow 27">
+            <a:extLst>
+              <a:ext uri="{FF2B5EF4-FFF2-40B4-BE49-F238E27FC236}">
+                <a16:creationId xmlns:a16="http://schemas.microsoft.com/office/drawing/2014/main" id="{81A633B6-4438-8EF3-41F8-96AFBB6C4DAE}"/>
+              </a:ext>
+            </a:extLst>
+          </p:cNvPr>
+          <p:cNvSpPr/>
+          <p:nvPr/>
+        </p:nvSpPr>
+        <p:spPr>
+          <a:xfrm>
+            <a:off x="11499850" y="7973883"/>
+            <a:ext cx="1868115" cy="417421"/>
+          </a:xfrm>
+          <a:prstGeom prst="rightArrow">
+            <a:avLst>
+              <a:gd name="adj1" fmla="val 27965"/>
+              <a:gd name="adj2" fmla="val 80708"/>
+            </a:avLst>
+          </a:prstGeom>
+          <a:solidFill>
+            <a:srgbClr val="F2425D"/>
+          </a:solidFill>
+          <a:ln>
+            <a:noFill/>
+          </a:ln>
+        </p:spPr>
+        <p:style>
+          <a:lnRef idx="2">
+            <a:schemeClr val="accent1">
+              <a:shade val="15000"/>
+            </a:schemeClr>
+          </a:lnRef>
+          <a:fillRef idx="1">
+            <a:schemeClr val="accent1"/>
+          </a:fillRef>
+          <a:effectRef idx="0">
+            <a:schemeClr val="accent1"/>
+          </a:effectRef>
+          <a:fontRef idx="minor">
+            <a:schemeClr val="lt1"/>
+          </a:fontRef>
+        </p:style>
+        <p:txBody>
+          <a:bodyPr rtlCol="0" anchor="ctr"/>
+          <a:lstStyle/>
+          <a:p>
+            <a:pPr algn="ctr"/>
+            <a:endParaRPr lang="en-BR" dirty="0"/>
+          </a:p>
+        </p:txBody>
+      </p:sp>
+    </p:spTree>
+    <p:extLst>
+      <p:ext uri="{BB962C8B-B14F-4D97-AF65-F5344CB8AC3E}">
+        <p14:creationId xmlns:p14="http://schemas.microsoft.com/office/powerpoint/2010/main" val="2821313923"/>
+      </p:ext>
+    </p:extLst>
+  </p:cSld>
+  <p:clrMapOvr>
+    <a:masterClrMapping/>
+  </p:clrMapOvr>
+</p:sld>
+</file>
+
+<file path=ppt/slides/slide26.xml><?xml version="1.0" encoding="utf-8"?>
 <p:sld xmlns:a="http://schemas.openxmlformats.org/drawingml/2006/main" xmlns:r="http://schemas.openxmlformats.org/officeDocument/2006/relationships" xmlns:p="http://schemas.openxmlformats.org/presentationml/2006/main">
   <p:cSld>
     <p:spTree>
@@ -13903,7 +15242,7 @@
 </p:sld>
 </file>
 
-<file path=ppt/slides/slide23.xml><?xml version="1.0" encoding="utf-8"?>
+<file path=ppt/slides/slide27.xml><?xml version="1.0" encoding="utf-8"?>
 <p:sld xmlns:a="http://schemas.openxmlformats.org/drawingml/2006/main" xmlns:r="http://schemas.openxmlformats.org/officeDocument/2006/relationships" xmlns:p="http://schemas.openxmlformats.org/presentationml/2006/main">
   <p:cSld>
     <p:spTree>
@@ -14580,7 +15919,7 @@
               </a:rPr>
               <a:t>data</a:t>
             </a:r>
-            <a:endParaRPr sz="2600">
+            <a:endParaRPr sz="2600" dirty="0">
               <a:latin typeface="Arial"/>
               <a:cs typeface="Arial"/>
             </a:endParaRPr>
@@ -16351,7 +17690,7 @@
               </a:rPr>
               <a:t>name</a:t>
             </a:r>
-            <a:endParaRPr sz="2600">
+            <a:endParaRPr sz="2600" dirty="0">
               <a:latin typeface="Arial"/>
               <a:cs typeface="Arial"/>
             </a:endParaRPr>
@@ -16488,7 +17827,7 @@
 </p:sld>
 </file>
 
-<file path=ppt/slides/slide24.xml><?xml version="1.0" encoding="utf-8"?>
+<file path=ppt/slides/slide28.xml><?xml version="1.0" encoding="utf-8"?>
 <p:sld xmlns:a="http://schemas.openxmlformats.org/drawingml/2006/main" xmlns:r="http://schemas.openxmlformats.org/officeDocument/2006/relationships" xmlns:p="http://schemas.openxmlformats.org/presentationml/2006/main">
   <p:cSld>
     <p:spTree>
@@ -17854,7 +19193,7 @@
 </p:sld>
 </file>
 
-<file path=ppt/slides/slide25.xml><?xml version="1.0" encoding="utf-8"?>
+<file path=ppt/slides/slide29.xml><?xml version="1.0" encoding="utf-8"?>
 <p:sld xmlns:a="http://schemas.openxmlformats.org/drawingml/2006/main" xmlns:r="http://schemas.openxmlformats.org/officeDocument/2006/relationships" xmlns:p="http://schemas.openxmlformats.org/presentationml/2006/main">
   <p:cSld>
     <p:spTree>
@@ -20334,286 +21673,6 @@
       <p:bldP spid="44" grpId="0"/>
     </p:bldLst>
   </p:timing>
-</p:sld>
-</file>
-
-<file path=ppt/slides/slide26.xml><?xml version="1.0" encoding="utf-8"?>
-<p:sld xmlns:a="http://schemas.openxmlformats.org/drawingml/2006/main" xmlns:r="http://schemas.openxmlformats.org/officeDocument/2006/relationships" xmlns:p="http://schemas.openxmlformats.org/presentationml/2006/main">
-  <p:cSld>
-    <p:spTree>
-      <p:nvGrpSpPr>
-        <p:cNvPr id="1" name="">
-          <a:extLst>
-            <a:ext uri="{FF2B5EF4-FFF2-40B4-BE49-F238E27FC236}">
-              <a16:creationId xmlns:a16="http://schemas.microsoft.com/office/drawing/2014/main" id="{E2806592-1C90-9155-DDEE-410D7A76C6E5}"/>
-            </a:ext>
-          </a:extLst>
-        </p:cNvPr>
-        <p:cNvGrpSpPr/>
-        <p:nvPr/>
-      </p:nvGrpSpPr>
-      <p:grpSpPr>
-        <a:xfrm>
-          <a:off x="0" y="0"/>
-          <a:ext cx="0" cy="0"/>
-          <a:chOff x="0" y="0"/>
-          <a:chExt cx="0" cy="0"/>
-        </a:xfrm>
-      </p:grpSpPr>
-      <p:pic>
-        <p:nvPicPr>
-          <p:cNvPr id="3" name="object 3">
-            <a:extLst>
-              <a:ext uri="{FF2B5EF4-FFF2-40B4-BE49-F238E27FC236}">
-                <a16:creationId xmlns:a16="http://schemas.microsoft.com/office/drawing/2014/main" id="{919F11F6-4D56-D294-D786-A5099EE4157A}"/>
-              </a:ext>
-            </a:extLst>
-          </p:cNvPr>
-          <p:cNvPicPr/>
-          <p:nvPr/>
-        </p:nvPicPr>
-        <p:blipFill>
-          <a:blip r:embed="rId2" cstate="print"/>
-          <a:stretch>
-            <a:fillRect/>
-          </a:stretch>
-        </p:blipFill>
-        <p:spPr>
-          <a:xfrm>
-            <a:off x="9505237" y="418835"/>
-            <a:ext cx="10180027" cy="10470885"/>
-          </a:xfrm>
-          <a:prstGeom prst="rect">
-            <a:avLst/>
-          </a:prstGeom>
-        </p:spPr>
-      </p:pic>
-      <p:pic>
-        <p:nvPicPr>
-          <p:cNvPr id="7" name="Picture 6" descr="A blue square with white letters&#10;&#10;Description automatically generated">
-            <a:extLst>
-              <a:ext uri="{FF2B5EF4-FFF2-40B4-BE49-F238E27FC236}">
-                <a16:creationId xmlns:a16="http://schemas.microsoft.com/office/drawing/2014/main" id="{91E7F1AE-2AD0-6F66-5E81-44C45B5E7764}"/>
-              </a:ext>
-            </a:extLst>
-          </p:cNvPr>
-          <p:cNvPicPr>
-            <a:picLocks noChangeAspect="1"/>
-          </p:cNvPicPr>
-          <p:nvPr/>
-        </p:nvPicPr>
-        <p:blipFill>
-          <a:blip r:embed="rId3">
-            <a:extLst>
-              <a:ext uri="{28A0092B-C50C-407E-A947-70E740481C1C}">
-                <a14:useLocalDpi xmlns:a14="http://schemas.microsoft.com/office/drawing/2010/main" val="0"/>
-              </a:ext>
-            </a:extLst>
-          </a:blip>
-          <a:stretch>
-            <a:fillRect/>
-          </a:stretch>
-        </p:blipFill>
-        <p:spPr>
-          <a:xfrm>
-            <a:off x="17443450" y="9176905"/>
-            <a:ext cx="1295400" cy="1295400"/>
-          </a:xfrm>
-          <a:prstGeom prst="rect">
-            <a:avLst/>
-          </a:prstGeom>
-        </p:spPr>
-      </p:pic>
-      <p:sp>
-        <p:nvSpPr>
-          <p:cNvPr id="4" name="object 4">
-            <a:extLst>
-              <a:ext uri="{FF2B5EF4-FFF2-40B4-BE49-F238E27FC236}">
-                <a16:creationId xmlns:a16="http://schemas.microsoft.com/office/drawing/2014/main" id="{5B36BAB7-35E9-7E91-9E31-B2059700B2AA}"/>
-              </a:ext>
-            </a:extLst>
-          </p:cNvPr>
-          <p:cNvSpPr txBox="1">
-            <a:spLocks noGrp="1"/>
-          </p:cNvSpPr>
-          <p:nvPr>
-            <p:ph type="title"/>
-          </p:nvPr>
-        </p:nvSpPr>
-        <p:spPr>
-          <a:xfrm>
-            <a:off x="11327635" y="2853306"/>
-            <a:ext cx="2282825" cy="654050"/>
-          </a:xfrm>
-          <a:prstGeom prst="rect">
-            <a:avLst/>
-          </a:prstGeom>
-        </p:spPr>
-        <p:txBody>
-          <a:bodyPr vert="horz" wrap="square" lIns="0" tIns="15240" rIns="0" bIns="0" rtlCol="0">
-            <a:spAutoFit/>
-          </a:bodyPr>
-          <a:lstStyle/>
-          <a:p>
-            <a:pPr marL="12700">
-              <a:lnSpc>
-                <a:spcPct val="100000"/>
-              </a:lnSpc>
-              <a:spcBef>
-                <a:spcPts val="120"/>
-              </a:spcBef>
-            </a:pPr>
-            <a:r>
-              <a:rPr sz="4100" spc="-420" dirty="0">
-                <a:solidFill>
-                  <a:srgbClr val="444444"/>
-                </a:solidFill>
-                <a:latin typeface="Arial Black"/>
-                <a:cs typeface="Arial Black"/>
-              </a:rPr>
-              <a:t>SECTION</a:t>
-            </a:r>
-            <a:endParaRPr sz="4100">
-              <a:latin typeface="Arial Black"/>
-              <a:cs typeface="Arial Black"/>
-            </a:endParaRPr>
-          </a:p>
-        </p:txBody>
-      </p:sp>
-      <p:sp>
-        <p:nvSpPr>
-          <p:cNvPr id="5" name="object 5">
-            <a:extLst>
-              <a:ext uri="{FF2B5EF4-FFF2-40B4-BE49-F238E27FC236}">
-                <a16:creationId xmlns:a16="http://schemas.microsoft.com/office/drawing/2014/main" id="{ADF29EA6-073C-1F77-DAFB-C1B46CECB957}"/>
-              </a:ext>
-            </a:extLst>
-          </p:cNvPr>
-          <p:cNvSpPr txBox="1"/>
-          <p:nvPr/>
-        </p:nvSpPr>
-        <p:spPr>
-          <a:xfrm>
-            <a:off x="11327635" y="3659662"/>
-            <a:ext cx="6649215" cy="545021"/>
-          </a:xfrm>
-          <a:prstGeom prst="rect">
-            <a:avLst/>
-          </a:prstGeom>
-        </p:spPr>
-        <p:txBody>
-          <a:bodyPr vert="horz" wrap="square" lIns="0" tIns="13970" rIns="0" bIns="0" rtlCol="0">
-            <a:spAutoFit/>
-          </a:bodyPr>
-          <a:lstStyle/>
-          <a:p>
-            <a:pPr marL="12700">
-              <a:lnSpc>
-                <a:spcPct val="100000"/>
-              </a:lnSpc>
-              <a:spcBef>
-                <a:spcPts val="110"/>
-              </a:spcBef>
-            </a:pPr>
-            <a:r>
-              <a:rPr lang="en-US" sz="3450" spc="-20" dirty="0">
-                <a:solidFill>
-                  <a:srgbClr val="444444"/>
-                </a:solidFill>
-                <a:latin typeface="Arial"/>
-                <a:cs typeface="Arial"/>
-              </a:rPr>
-              <a:t>TYPESCRIPT FUNDAMENTALS</a:t>
-            </a:r>
-            <a:endParaRPr lang="en-US" sz="3450" dirty="0">
-              <a:latin typeface="Arial"/>
-              <a:cs typeface="Arial"/>
-            </a:endParaRPr>
-          </a:p>
-        </p:txBody>
-      </p:sp>
-      <p:sp>
-        <p:nvSpPr>
-          <p:cNvPr id="6" name="object 6">
-            <a:extLst>
-              <a:ext uri="{FF2B5EF4-FFF2-40B4-BE49-F238E27FC236}">
-                <a16:creationId xmlns:a16="http://schemas.microsoft.com/office/drawing/2014/main" id="{89792909-CB81-9240-CB36-03CEBE0C8990}"/>
-              </a:ext>
-            </a:extLst>
-          </p:cNvPr>
-          <p:cNvSpPr txBox="1"/>
-          <p:nvPr/>
-        </p:nvSpPr>
-        <p:spPr>
-          <a:xfrm>
-            <a:off x="11327634" y="6170021"/>
-            <a:ext cx="7411216" cy="1570302"/>
-          </a:xfrm>
-          <a:prstGeom prst="rect">
-            <a:avLst/>
-          </a:prstGeom>
-        </p:spPr>
-        <p:txBody>
-          <a:bodyPr vert="horz" wrap="square" lIns="0" tIns="226695" rIns="0" bIns="0" rtlCol="0">
-            <a:spAutoFit/>
-          </a:bodyPr>
-          <a:lstStyle/>
-          <a:p>
-            <a:pPr marL="12700">
-              <a:lnSpc>
-                <a:spcPct val="100000"/>
-              </a:lnSpc>
-              <a:spcBef>
-                <a:spcPts val="1785"/>
-              </a:spcBef>
-            </a:pPr>
-            <a:r>
-              <a:rPr sz="4100" spc="-465" dirty="0">
-                <a:solidFill>
-                  <a:srgbClr val="444444"/>
-                </a:solidFill>
-                <a:latin typeface="Arial Black"/>
-                <a:cs typeface="Arial Black"/>
-              </a:rPr>
-              <a:t>LECTURE</a:t>
-            </a:r>
-            <a:endParaRPr sz="4100" dirty="0">
-              <a:latin typeface="Arial Black"/>
-              <a:cs typeface="Arial Black"/>
-            </a:endParaRPr>
-          </a:p>
-          <a:p>
-            <a:pPr marL="12700">
-              <a:lnSpc>
-                <a:spcPct val="100000"/>
-              </a:lnSpc>
-              <a:spcBef>
-                <a:spcPts val="1420"/>
-              </a:spcBef>
-            </a:pPr>
-            <a:r>
-              <a:rPr lang="en-US" sz="3450" dirty="0">
-                <a:solidFill>
-                  <a:srgbClr val="444444"/>
-                </a:solidFill>
-                <a:latin typeface="Arial"/>
-                <a:cs typeface="Arial"/>
-              </a:rPr>
-              <a:t>INTRODUCTION</a:t>
-            </a:r>
-          </a:p>
-        </p:txBody>
-      </p:sp>
-    </p:spTree>
-    <p:extLst>
-      <p:ext uri="{BB962C8B-B14F-4D97-AF65-F5344CB8AC3E}">
-        <p14:creationId xmlns:p14="http://schemas.microsoft.com/office/powerpoint/2010/main" val="656766087"/>
-      </p:ext>
-    </p:extLst>
-  </p:cSld>
-  <p:clrMapOvr>
-    <a:masterClrMapping/>
-  </p:clrMapOvr>
 </p:sld>
 </file>
 
@@ -21718,6 +22777,879 @@
 </p:sld>
 </file>
 
+<file path=ppt/slides/slide30.xml><?xml version="1.0" encoding="utf-8"?>
+<p:sld xmlns:a="http://schemas.openxmlformats.org/drawingml/2006/main" xmlns:r="http://schemas.openxmlformats.org/officeDocument/2006/relationships" xmlns:p="http://schemas.openxmlformats.org/presentationml/2006/main">
+  <p:cSld>
+    <p:spTree>
+      <p:nvGrpSpPr>
+        <p:cNvPr id="1" name="">
+          <a:extLst>
+            <a:ext uri="{FF2B5EF4-FFF2-40B4-BE49-F238E27FC236}">
+              <a16:creationId xmlns:a16="http://schemas.microsoft.com/office/drawing/2014/main" id="{CAEA8747-AF0A-E280-CFD4-0722101BB659}"/>
+            </a:ext>
+          </a:extLst>
+        </p:cNvPr>
+        <p:cNvGrpSpPr/>
+        <p:nvPr/>
+      </p:nvGrpSpPr>
+      <p:grpSpPr>
+        <a:xfrm>
+          <a:off x="0" y="0"/>
+          <a:ext cx="0" cy="0"/>
+          <a:chOff x="0" y="0"/>
+          <a:chExt cx="0" cy="0"/>
+        </a:xfrm>
+      </p:grpSpPr>
+      <p:pic>
+        <p:nvPicPr>
+          <p:cNvPr id="3" name="object 3">
+            <a:extLst>
+              <a:ext uri="{FF2B5EF4-FFF2-40B4-BE49-F238E27FC236}">
+                <a16:creationId xmlns:a16="http://schemas.microsoft.com/office/drawing/2014/main" id="{30235DEE-80C4-E03B-CC4A-AD90B573406B}"/>
+              </a:ext>
+            </a:extLst>
+          </p:cNvPr>
+          <p:cNvPicPr/>
+          <p:nvPr/>
+        </p:nvPicPr>
+        <p:blipFill>
+          <a:blip r:embed="rId2" cstate="print"/>
+          <a:stretch>
+            <a:fillRect/>
+          </a:stretch>
+        </p:blipFill>
+        <p:spPr>
+          <a:xfrm>
+            <a:off x="9505237" y="418835"/>
+            <a:ext cx="10180027" cy="10470885"/>
+          </a:xfrm>
+          <a:prstGeom prst="rect">
+            <a:avLst/>
+          </a:prstGeom>
+        </p:spPr>
+      </p:pic>
+      <p:sp>
+        <p:nvSpPr>
+          <p:cNvPr id="4" name="object 4">
+            <a:extLst>
+              <a:ext uri="{FF2B5EF4-FFF2-40B4-BE49-F238E27FC236}">
+                <a16:creationId xmlns:a16="http://schemas.microsoft.com/office/drawing/2014/main" id="{B97464E5-8B26-E12B-5BA2-FF5A84D01552}"/>
+              </a:ext>
+            </a:extLst>
+          </p:cNvPr>
+          <p:cNvSpPr txBox="1">
+            <a:spLocks noGrp="1"/>
+          </p:cNvSpPr>
+          <p:nvPr>
+            <p:ph type="title"/>
+          </p:nvPr>
+        </p:nvSpPr>
+        <p:spPr>
+          <a:xfrm>
+            <a:off x="11327635" y="2853306"/>
+            <a:ext cx="2282825" cy="654050"/>
+          </a:xfrm>
+          <a:prstGeom prst="rect">
+            <a:avLst/>
+          </a:prstGeom>
+        </p:spPr>
+        <p:txBody>
+          <a:bodyPr vert="horz" wrap="square" lIns="0" tIns="15240" rIns="0" bIns="0" rtlCol="0">
+            <a:spAutoFit/>
+          </a:bodyPr>
+          <a:lstStyle/>
+          <a:p>
+            <a:pPr marL="12700">
+              <a:lnSpc>
+                <a:spcPct val="100000"/>
+              </a:lnSpc>
+              <a:spcBef>
+                <a:spcPts val="120"/>
+              </a:spcBef>
+            </a:pPr>
+            <a:r>
+              <a:rPr sz="4100" spc="-420" dirty="0">
+                <a:solidFill>
+                  <a:srgbClr val="444444"/>
+                </a:solidFill>
+                <a:latin typeface="Arial Black"/>
+                <a:cs typeface="Arial Black"/>
+              </a:rPr>
+              <a:t>SECTION</a:t>
+            </a:r>
+            <a:endParaRPr sz="4100">
+              <a:latin typeface="Arial Black"/>
+              <a:cs typeface="Arial Black"/>
+            </a:endParaRPr>
+          </a:p>
+        </p:txBody>
+      </p:sp>
+      <p:sp>
+        <p:nvSpPr>
+          <p:cNvPr id="5" name="object 5">
+            <a:extLst>
+              <a:ext uri="{FF2B5EF4-FFF2-40B4-BE49-F238E27FC236}">
+                <a16:creationId xmlns:a16="http://schemas.microsoft.com/office/drawing/2014/main" id="{86D791DC-59FF-C287-2E7C-598C309A092E}"/>
+              </a:ext>
+            </a:extLst>
+          </p:cNvPr>
+          <p:cNvSpPr txBox="1"/>
+          <p:nvPr/>
+        </p:nvSpPr>
+        <p:spPr>
+          <a:xfrm>
+            <a:off x="11327635" y="3659662"/>
+            <a:ext cx="6649215" cy="545021"/>
+          </a:xfrm>
+          <a:prstGeom prst="rect">
+            <a:avLst/>
+          </a:prstGeom>
+        </p:spPr>
+        <p:txBody>
+          <a:bodyPr vert="horz" wrap="square" lIns="0" tIns="13970" rIns="0" bIns="0" rtlCol="0">
+            <a:spAutoFit/>
+          </a:bodyPr>
+          <a:lstStyle/>
+          <a:p>
+            <a:pPr marL="12700">
+              <a:lnSpc>
+                <a:spcPct val="100000"/>
+              </a:lnSpc>
+              <a:spcBef>
+                <a:spcPts val="110"/>
+              </a:spcBef>
+            </a:pPr>
+            <a:r>
+              <a:rPr lang="en-US" sz="3450" spc="-20" dirty="0">
+                <a:solidFill>
+                  <a:srgbClr val="444444"/>
+                </a:solidFill>
+                <a:latin typeface="Arial"/>
+                <a:cs typeface="Arial"/>
+              </a:rPr>
+              <a:t>JAVASCRIPT FUNDAMENTALS</a:t>
+            </a:r>
+            <a:endParaRPr lang="en-US" sz="3450" dirty="0">
+              <a:latin typeface="Arial"/>
+              <a:cs typeface="Arial"/>
+            </a:endParaRPr>
+          </a:p>
+        </p:txBody>
+      </p:sp>
+      <p:sp>
+        <p:nvSpPr>
+          <p:cNvPr id="6" name="object 6">
+            <a:extLst>
+              <a:ext uri="{FF2B5EF4-FFF2-40B4-BE49-F238E27FC236}">
+                <a16:creationId xmlns:a16="http://schemas.microsoft.com/office/drawing/2014/main" id="{A055A465-3864-1067-8432-C7AE48E011D8}"/>
+              </a:ext>
+            </a:extLst>
+          </p:cNvPr>
+          <p:cNvSpPr txBox="1"/>
+          <p:nvPr/>
+        </p:nvSpPr>
+        <p:spPr>
+          <a:xfrm>
+            <a:off x="11327634" y="6170021"/>
+            <a:ext cx="7411216" cy="1570302"/>
+          </a:xfrm>
+          <a:prstGeom prst="rect">
+            <a:avLst/>
+          </a:prstGeom>
+        </p:spPr>
+        <p:txBody>
+          <a:bodyPr vert="horz" wrap="square" lIns="0" tIns="226695" rIns="0" bIns="0" rtlCol="0">
+            <a:spAutoFit/>
+          </a:bodyPr>
+          <a:lstStyle/>
+          <a:p>
+            <a:pPr marL="12700">
+              <a:lnSpc>
+                <a:spcPct val="100000"/>
+              </a:lnSpc>
+              <a:spcBef>
+                <a:spcPts val="1785"/>
+              </a:spcBef>
+            </a:pPr>
+            <a:r>
+              <a:rPr sz="4100" spc="-465" dirty="0">
+                <a:solidFill>
+                  <a:srgbClr val="444444"/>
+                </a:solidFill>
+                <a:latin typeface="Arial Black"/>
+                <a:cs typeface="Arial Black"/>
+              </a:rPr>
+              <a:t>LECTURE</a:t>
+            </a:r>
+            <a:endParaRPr sz="4100" dirty="0">
+              <a:latin typeface="Arial Black"/>
+              <a:cs typeface="Arial Black"/>
+            </a:endParaRPr>
+          </a:p>
+          <a:p>
+            <a:pPr marL="12700">
+              <a:lnSpc>
+                <a:spcPct val="100000"/>
+              </a:lnSpc>
+              <a:spcBef>
+                <a:spcPts val="1420"/>
+              </a:spcBef>
+            </a:pPr>
+            <a:r>
+              <a:rPr lang="en-US" sz="3450">
+                <a:solidFill>
+                  <a:srgbClr val="444444"/>
+                </a:solidFill>
+                <a:latin typeface="Arial"/>
+                <a:cs typeface="Arial"/>
+              </a:rPr>
+              <a:t>DOM DOCUMENT</a:t>
+            </a:r>
+            <a:endParaRPr lang="en-US" sz="3450" dirty="0">
+              <a:solidFill>
+                <a:srgbClr val="444444"/>
+              </a:solidFill>
+              <a:latin typeface="Arial"/>
+              <a:cs typeface="Arial"/>
+            </a:endParaRPr>
+          </a:p>
+        </p:txBody>
+      </p:sp>
+      <p:pic>
+        <p:nvPicPr>
+          <p:cNvPr id="10" name="Picture 9" descr="A yellow and black sign with black letters&#10;&#10;Description automatically generated">
+            <a:extLst>
+              <a:ext uri="{FF2B5EF4-FFF2-40B4-BE49-F238E27FC236}">
+                <a16:creationId xmlns:a16="http://schemas.microsoft.com/office/drawing/2014/main" id="{522FE7FF-2629-87A1-5257-F7CC1F68417D}"/>
+              </a:ext>
+            </a:extLst>
+          </p:cNvPr>
+          <p:cNvPicPr>
+            <a:picLocks noChangeAspect="1"/>
+          </p:cNvPicPr>
+          <p:nvPr/>
+        </p:nvPicPr>
+        <p:blipFill>
+          <a:blip r:embed="rId3">
+            <a:extLst>
+              <a:ext uri="{28A0092B-C50C-407E-A947-70E740481C1C}">
+                <a14:useLocalDpi xmlns:a14="http://schemas.microsoft.com/office/drawing/2010/main" val="0"/>
+              </a:ext>
+            </a:extLst>
+          </a:blip>
+          <a:stretch>
+            <a:fillRect/>
+          </a:stretch>
+        </p:blipFill>
+        <p:spPr>
+          <a:xfrm>
+            <a:off x="17443450" y="9133750"/>
+            <a:ext cx="1295400" cy="1295400"/>
+          </a:xfrm>
+          <a:prstGeom prst="rect">
+            <a:avLst/>
+          </a:prstGeom>
+        </p:spPr>
+      </p:pic>
+    </p:spTree>
+    <p:extLst>
+      <p:ext uri="{BB962C8B-B14F-4D97-AF65-F5344CB8AC3E}">
+        <p14:creationId xmlns:p14="http://schemas.microsoft.com/office/powerpoint/2010/main" val="3179162519"/>
+      </p:ext>
+    </p:extLst>
+  </p:cSld>
+  <p:clrMapOvr>
+    <a:masterClrMapping/>
+  </p:clrMapOvr>
+</p:sld>
+</file>
+
+<file path=ppt/slides/slide31.xml><?xml version="1.0" encoding="utf-8"?>
+<p:sld xmlns:a="http://schemas.openxmlformats.org/drawingml/2006/main" xmlns:r="http://schemas.openxmlformats.org/officeDocument/2006/relationships" xmlns:p="http://schemas.openxmlformats.org/presentationml/2006/main">
+  <p:cSld>
+    <p:spTree>
+      <p:nvGrpSpPr>
+        <p:cNvPr id="1" name="">
+          <a:extLst>
+            <a:ext uri="{FF2B5EF4-FFF2-40B4-BE49-F238E27FC236}">
+              <a16:creationId xmlns:a16="http://schemas.microsoft.com/office/drawing/2014/main" id="{49862094-28D3-4E20-A010-2E7F743C69F2}"/>
+            </a:ext>
+          </a:extLst>
+        </p:cNvPr>
+        <p:cNvGrpSpPr/>
+        <p:nvPr/>
+      </p:nvGrpSpPr>
+      <p:grpSpPr>
+        <a:xfrm>
+          <a:off x="0" y="0"/>
+          <a:ext cx="0" cy="0"/>
+          <a:chOff x="0" y="0"/>
+          <a:chExt cx="0" cy="0"/>
+        </a:xfrm>
+      </p:grpSpPr>
+      <p:pic>
+        <p:nvPicPr>
+          <p:cNvPr id="5" name="object 7">
+            <a:extLst>
+              <a:ext uri="{FF2B5EF4-FFF2-40B4-BE49-F238E27FC236}">
+                <a16:creationId xmlns:a16="http://schemas.microsoft.com/office/drawing/2014/main" id="{0EFD58E9-F0A6-7CED-DE94-FC4D4B67560D}"/>
+              </a:ext>
+            </a:extLst>
+          </p:cNvPr>
+          <p:cNvPicPr/>
+          <p:nvPr/>
+        </p:nvPicPr>
+        <p:blipFill>
+          <a:blip r:embed="rId2" cstate="print"/>
+          <a:stretch>
+            <a:fillRect/>
+          </a:stretch>
+        </p:blipFill>
+        <p:spPr>
+          <a:xfrm>
+            <a:off x="0" y="0"/>
+            <a:ext cx="20104099" cy="1361215"/>
+          </a:xfrm>
+          <a:prstGeom prst="rect">
+            <a:avLst/>
+          </a:prstGeom>
+        </p:spPr>
+      </p:pic>
+      <p:sp>
+        <p:nvSpPr>
+          <p:cNvPr id="6" name="object 8">
+            <a:extLst>
+              <a:ext uri="{FF2B5EF4-FFF2-40B4-BE49-F238E27FC236}">
+                <a16:creationId xmlns:a16="http://schemas.microsoft.com/office/drawing/2014/main" id="{54BE828D-E825-D4DE-FF3F-3201B4BC403C}"/>
+              </a:ext>
+            </a:extLst>
+          </p:cNvPr>
+          <p:cNvSpPr txBox="1">
+            <a:spLocks noGrp="1"/>
+          </p:cNvSpPr>
+          <p:nvPr>
+            <p:ph type="title"/>
+          </p:nvPr>
+        </p:nvSpPr>
+        <p:spPr>
+          <a:xfrm>
+            <a:off x="858511" y="335457"/>
+            <a:ext cx="5764539" cy="671338"/>
+          </a:xfrm>
+          <a:prstGeom prst="rect">
+            <a:avLst/>
+          </a:prstGeom>
+        </p:spPr>
+        <p:txBody>
+          <a:bodyPr vert="horz" wrap="square" lIns="0" tIns="17145" rIns="0" bIns="0" rtlCol="0">
+            <a:spAutoFit/>
+          </a:bodyPr>
+          <a:lstStyle/>
+          <a:p>
+            <a:pPr algn="l" fontAlgn="base"/>
+            <a:r>
+              <a:rPr lang="en-US" b="1" i="0" dirty="0">
+                <a:effectLst/>
+                <a:latin typeface="-apple-system"/>
+              </a:rPr>
+              <a:t>DOM Document </a:t>
+            </a:r>
+            <a:r>
+              <a:rPr lang="en-US" i="0" dirty="0">
+                <a:effectLst/>
+                <a:latin typeface="-apple-system"/>
+              </a:rPr>
+              <a:t>Object</a:t>
+            </a:r>
+          </a:p>
+        </p:txBody>
+      </p:sp>
+      <p:pic>
+        <p:nvPicPr>
+          <p:cNvPr id="7" name="Picture 6" descr="A yellow and black sign with black letters&#10;&#10;Description automatically generated">
+            <a:extLst>
+              <a:ext uri="{FF2B5EF4-FFF2-40B4-BE49-F238E27FC236}">
+                <a16:creationId xmlns:a16="http://schemas.microsoft.com/office/drawing/2014/main" id="{6A14A070-3870-F923-7D33-9FEC4587CA39}"/>
+              </a:ext>
+            </a:extLst>
+          </p:cNvPr>
+          <p:cNvPicPr>
+            <a:picLocks noChangeAspect="1"/>
+          </p:cNvPicPr>
+          <p:nvPr/>
+        </p:nvPicPr>
+        <p:blipFill>
+          <a:blip r:embed="rId3">
+            <a:extLst>
+              <a:ext uri="{28A0092B-C50C-407E-A947-70E740481C1C}">
+                <a14:useLocalDpi xmlns:a14="http://schemas.microsoft.com/office/drawing/2010/main" val="0"/>
+              </a:ext>
+            </a:extLst>
+          </a:blip>
+          <a:stretch>
+            <a:fillRect/>
+          </a:stretch>
+        </p:blipFill>
+        <p:spPr>
+          <a:xfrm>
+            <a:off x="17443450" y="9133750"/>
+            <a:ext cx="1295400" cy="1295400"/>
+          </a:xfrm>
+          <a:prstGeom prst="rect">
+            <a:avLst/>
+          </a:prstGeom>
+        </p:spPr>
+      </p:pic>
+    </p:spTree>
+    <p:extLst>
+      <p:ext uri="{BB962C8B-B14F-4D97-AF65-F5344CB8AC3E}">
+        <p14:creationId xmlns:p14="http://schemas.microsoft.com/office/powerpoint/2010/main" val="3462834650"/>
+      </p:ext>
+    </p:extLst>
+  </p:cSld>
+  <p:clrMapOvr>
+    <a:masterClrMapping/>
+  </p:clrMapOvr>
+</p:sld>
+</file>
+
+<file path=ppt/slides/slide32.xml><?xml version="1.0" encoding="utf-8"?>
+<p:sld xmlns:a="http://schemas.openxmlformats.org/drawingml/2006/main" xmlns:r="http://schemas.openxmlformats.org/officeDocument/2006/relationships" xmlns:p="http://schemas.openxmlformats.org/presentationml/2006/main">
+  <p:cSld>
+    <p:spTree>
+      <p:nvGrpSpPr>
+        <p:cNvPr id="1" name="">
+          <a:extLst>
+            <a:ext uri="{FF2B5EF4-FFF2-40B4-BE49-F238E27FC236}">
+              <a16:creationId xmlns:a16="http://schemas.microsoft.com/office/drawing/2014/main" id="{E2806592-1C90-9155-DDEE-410D7A76C6E5}"/>
+            </a:ext>
+          </a:extLst>
+        </p:cNvPr>
+        <p:cNvGrpSpPr/>
+        <p:nvPr/>
+      </p:nvGrpSpPr>
+      <p:grpSpPr>
+        <a:xfrm>
+          <a:off x="0" y="0"/>
+          <a:ext cx="0" cy="0"/>
+          <a:chOff x="0" y="0"/>
+          <a:chExt cx="0" cy="0"/>
+        </a:xfrm>
+      </p:grpSpPr>
+      <p:pic>
+        <p:nvPicPr>
+          <p:cNvPr id="3" name="object 3">
+            <a:extLst>
+              <a:ext uri="{FF2B5EF4-FFF2-40B4-BE49-F238E27FC236}">
+                <a16:creationId xmlns:a16="http://schemas.microsoft.com/office/drawing/2014/main" id="{919F11F6-4D56-D294-D786-A5099EE4157A}"/>
+              </a:ext>
+            </a:extLst>
+          </p:cNvPr>
+          <p:cNvPicPr/>
+          <p:nvPr/>
+        </p:nvPicPr>
+        <p:blipFill>
+          <a:blip r:embed="rId2" cstate="print"/>
+          <a:stretch>
+            <a:fillRect/>
+          </a:stretch>
+        </p:blipFill>
+        <p:spPr>
+          <a:xfrm>
+            <a:off x="9505237" y="418835"/>
+            <a:ext cx="10180027" cy="10470885"/>
+          </a:xfrm>
+          <a:prstGeom prst="rect">
+            <a:avLst/>
+          </a:prstGeom>
+        </p:spPr>
+      </p:pic>
+      <p:pic>
+        <p:nvPicPr>
+          <p:cNvPr id="7" name="Picture 6" descr="A blue square with white letters&#10;&#10;Description automatically generated">
+            <a:extLst>
+              <a:ext uri="{FF2B5EF4-FFF2-40B4-BE49-F238E27FC236}">
+                <a16:creationId xmlns:a16="http://schemas.microsoft.com/office/drawing/2014/main" id="{91E7F1AE-2AD0-6F66-5E81-44C45B5E7764}"/>
+              </a:ext>
+            </a:extLst>
+          </p:cNvPr>
+          <p:cNvPicPr>
+            <a:picLocks noChangeAspect="1"/>
+          </p:cNvPicPr>
+          <p:nvPr/>
+        </p:nvPicPr>
+        <p:blipFill>
+          <a:blip r:embed="rId3">
+            <a:extLst>
+              <a:ext uri="{28A0092B-C50C-407E-A947-70E740481C1C}">
+                <a14:useLocalDpi xmlns:a14="http://schemas.microsoft.com/office/drawing/2010/main" val="0"/>
+              </a:ext>
+            </a:extLst>
+          </a:blip>
+          <a:stretch>
+            <a:fillRect/>
+          </a:stretch>
+        </p:blipFill>
+        <p:spPr>
+          <a:xfrm>
+            <a:off x="17443450" y="9176905"/>
+            <a:ext cx="1295400" cy="1295400"/>
+          </a:xfrm>
+          <a:prstGeom prst="rect">
+            <a:avLst/>
+          </a:prstGeom>
+        </p:spPr>
+      </p:pic>
+      <p:sp>
+        <p:nvSpPr>
+          <p:cNvPr id="4" name="object 4">
+            <a:extLst>
+              <a:ext uri="{FF2B5EF4-FFF2-40B4-BE49-F238E27FC236}">
+                <a16:creationId xmlns:a16="http://schemas.microsoft.com/office/drawing/2014/main" id="{5B36BAB7-35E9-7E91-9E31-B2059700B2AA}"/>
+              </a:ext>
+            </a:extLst>
+          </p:cNvPr>
+          <p:cNvSpPr txBox="1">
+            <a:spLocks noGrp="1"/>
+          </p:cNvSpPr>
+          <p:nvPr>
+            <p:ph type="title"/>
+          </p:nvPr>
+        </p:nvSpPr>
+        <p:spPr>
+          <a:xfrm>
+            <a:off x="11327635" y="2853306"/>
+            <a:ext cx="2282825" cy="654050"/>
+          </a:xfrm>
+          <a:prstGeom prst="rect">
+            <a:avLst/>
+          </a:prstGeom>
+        </p:spPr>
+        <p:txBody>
+          <a:bodyPr vert="horz" wrap="square" lIns="0" tIns="15240" rIns="0" bIns="0" rtlCol="0">
+            <a:spAutoFit/>
+          </a:bodyPr>
+          <a:lstStyle/>
+          <a:p>
+            <a:pPr marL="12700">
+              <a:lnSpc>
+                <a:spcPct val="100000"/>
+              </a:lnSpc>
+              <a:spcBef>
+                <a:spcPts val="120"/>
+              </a:spcBef>
+            </a:pPr>
+            <a:r>
+              <a:rPr sz="4100" spc="-420" dirty="0">
+                <a:solidFill>
+                  <a:srgbClr val="444444"/>
+                </a:solidFill>
+                <a:latin typeface="Arial Black"/>
+                <a:cs typeface="Arial Black"/>
+              </a:rPr>
+              <a:t>SECTION</a:t>
+            </a:r>
+            <a:endParaRPr sz="4100">
+              <a:latin typeface="Arial Black"/>
+              <a:cs typeface="Arial Black"/>
+            </a:endParaRPr>
+          </a:p>
+        </p:txBody>
+      </p:sp>
+      <p:sp>
+        <p:nvSpPr>
+          <p:cNvPr id="5" name="object 5">
+            <a:extLst>
+              <a:ext uri="{FF2B5EF4-FFF2-40B4-BE49-F238E27FC236}">
+                <a16:creationId xmlns:a16="http://schemas.microsoft.com/office/drawing/2014/main" id="{ADF29EA6-073C-1F77-DAFB-C1B46CECB957}"/>
+              </a:ext>
+            </a:extLst>
+          </p:cNvPr>
+          <p:cNvSpPr txBox="1"/>
+          <p:nvPr/>
+        </p:nvSpPr>
+        <p:spPr>
+          <a:xfrm>
+            <a:off x="11327635" y="3659662"/>
+            <a:ext cx="6649215" cy="545021"/>
+          </a:xfrm>
+          <a:prstGeom prst="rect">
+            <a:avLst/>
+          </a:prstGeom>
+        </p:spPr>
+        <p:txBody>
+          <a:bodyPr vert="horz" wrap="square" lIns="0" tIns="13970" rIns="0" bIns="0" rtlCol="0">
+            <a:spAutoFit/>
+          </a:bodyPr>
+          <a:lstStyle/>
+          <a:p>
+            <a:pPr marL="12700">
+              <a:lnSpc>
+                <a:spcPct val="100000"/>
+              </a:lnSpc>
+              <a:spcBef>
+                <a:spcPts val="110"/>
+              </a:spcBef>
+            </a:pPr>
+            <a:r>
+              <a:rPr lang="en-US" sz="3450" spc="-20" dirty="0">
+                <a:solidFill>
+                  <a:srgbClr val="444444"/>
+                </a:solidFill>
+                <a:latin typeface="Arial"/>
+                <a:cs typeface="Arial"/>
+              </a:rPr>
+              <a:t>TYPESCRIPT FUNDAMENTALS</a:t>
+            </a:r>
+            <a:endParaRPr lang="en-US" sz="3450" dirty="0">
+              <a:latin typeface="Arial"/>
+              <a:cs typeface="Arial"/>
+            </a:endParaRPr>
+          </a:p>
+        </p:txBody>
+      </p:sp>
+      <p:sp>
+        <p:nvSpPr>
+          <p:cNvPr id="6" name="object 6">
+            <a:extLst>
+              <a:ext uri="{FF2B5EF4-FFF2-40B4-BE49-F238E27FC236}">
+                <a16:creationId xmlns:a16="http://schemas.microsoft.com/office/drawing/2014/main" id="{89792909-CB81-9240-CB36-03CEBE0C8990}"/>
+              </a:ext>
+            </a:extLst>
+          </p:cNvPr>
+          <p:cNvSpPr txBox="1"/>
+          <p:nvPr/>
+        </p:nvSpPr>
+        <p:spPr>
+          <a:xfrm>
+            <a:off x="11327634" y="6170021"/>
+            <a:ext cx="7411216" cy="1570302"/>
+          </a:xfrm>
+          <a:prstGeom prst="rect">
+            <a:avLst/>
+          </a:prstGeom>
+        </p:spPr>
+        <p:txBody>
+          <a:bodyPr vert="horz" wrap="square" lIns="0" tIns="226695" rIns="0" bIns="0" rtlCol="0">
+            <a:spAutoFit/>
+          </a:bodyPr>
+          <a:lstStyle/>
+          <a:p>
+            <a:pPr marL="12700">
+              <a:lnSpc>
+                <a:spcPct val="100000"/>
+              </a:lnSpc>
+              <a:spcBef>
+                <a:spcPts val="1785"/>
+              </a:spcBef>
+            </a:pPr>
+            <a:r>
+              <a:rPr sz="4100" spc="-465" dirty="0">
+                <a:solidFill>
+                  <a:srgbClr val="444444"/>
+                </a:solidFill>
+                <a:latin typeface="Arial Black"/>
+                <a:cs typeface="Arial Black"/>
+              </a:rPr>
+              <a:t>LECTURE</a:t>
+            </a:r>
+            <a:endParaRPr sz="4100" dirty="0">
+              <a:latin typeface="Arial Black"/>
+              <a:cs typeface="Arial Black"/>
+            </a:endParaRPr>
+          </a:p>
+          <a:p>
+            <a:pPr marL="12700">
+              <a:lnSpc>
+                <a:spcPct val="100000"/>
+              </a:lnSpc>
+              <a:spcBef>
+                <a:spcPts val="1420"/>
+              </a:spcBef>
+            </a:pPr>
+            <a:r>
+              <a:rPr lang="en-US" sz="3450" dirty="0">
+                <a:solidFill>
+                  <a:srgbClr val="444444"/>
+                </a:solidFill>
+                <a:latin typeface="Arial"/>
+                <a:cs typeface="Arial"/>
+              </a:rPr>
+              <a:t>INTRODUCTION</a:t>
+            </a:r>
+          </a:p>
+        </p:txBody>
+      </p:sp>
+    </p:spTree>
+    <p:extLst>
+      <p:ext uri="{BB962C8B-B14F-4D97-AF65-F5344CB8AC3E}">
+        <p14:creationId xmlns:p14="http://schemas.microsoft.com/office/powerpoint/2010/main" val="656766087"/>
+      </p:ext>
+    </p:extLst>
+  </p:cSld>
+  <p:clrMapOvr>
+    <a:masterClrMapping/>
+  </p:clrMapOvr>
+</p:sld>
+</file>
+
+<file path=ppt/slides/slide33.xml><?xml version="1.0" encoding="utf-8"?>
+<p:sld xmlns:a="http://schemas.openxmlformats.org/drawingml/2006/main" xmlns:r="http://schemas.openxmlformats.org/officeDocument/2006/relationships" xmlns:p="http://schemas.openxmlformats.org/presentationml/2006/main">
+  <p:cSld>
+    <p:spTree>
+      <p:nvGrpSpPr>
+        <p:cNvPr id="1" name="">
+          <a:extLst>
+            <a:ext uri="{FF2B5EF4-FFF2-40B4-BE49-F238E27FC236}">
+              <a16:creationId xmlns:a16="http://schemas.microsoft.com/office/drawing/2014/main" id="{44A6CCDD-610D-FFB6-4384-3D1EE7D574F0}"/>
+            </a:ext>
+          </a:extLst>
+        </p:cNvPr>
+        <p:cNvGrpSpPr/>
+        <p:nvPr/>
+      </p:nvGrpSpPr>
+      <p:grpSpPr>
+        <a:xfrm>
+          <a:off x="0" y="0"/>
+          <a:ext cx="0" cy="0"/>
+          <a:chOff x="0" y="0"/>
+          <a:chExt cx="0" cy="0"/>
+        </a:xfrm>
+      </p:grpSpPr>
+      <p:sp>
+        <p:nvSpPr>
+          <p:cNvPr id="2" name="Title 1">
+            <a:extLst>
+              <a:ext uri="{FF2B5EF4-FFF2-40B4-BE49-F238E27FC236}">
+                <a16:creationId xmlns:a16="http://schemas.microsoft.com/office/drawing/2014/main" id="{E541349E-6BD5-FD68-9CE0-8B4AB02A8295}"/>
+              </a:ext>
+            </a:extLst>
+          </p:cNvPr>
+          <p:cNvSpPr>
+            <a:spLocks noGrp="1"/>
+          </p:cNvSpPr>
+          <p:nvPr>
+            <p:ph type="title"/>
+          </p:nvPr>
+        </p:nvSpPr>
+        <p:spPr/>
+        <p:txBody>
+          <a:bodyPr/>
+          <a:lstStyle/>
+          <a:p>
+            <a:endParaRPr lang="en-BR"/>
+          </a:p>
+        </p:txBody>
+      </p:sp>
+      <p:pic>
+        <p:nvPicPr>
+          <p:cNvPr id="5" name="object 7">
+            <a:extLst>
+              <a:ext uri="{FF2B5EF4-FFF2-40B4-BE49-F238E27FC236}">
+                <a16:creationId xmlns:a16="http://schemas.microsoft.com/office/drawing/2014/main" id="{246B626A-42D3-388D-9A93-5894E42FBD45}"/>
+              </a:ext>
+            </a:extLst>
+          </p:cNvPr>
+          <p:cNvPicPr/>
+          <p:nvPr/>
+        </p:nvPicPr>
+        <p:blipFill>
+          <a:blip r:embed="rId2" cstate="print"/>
+          <a:stretch>
+            <a:fillRect/>
+          </a:stretch>
+        </p:blipFill>
+        <p:spPr>
+          <a:xfrm>
+            <a:off x="0" y="0"/>
+            <a:ext cx="20104099" cy="1361215"/>
+          </a:xfrm>
+          <a:prstGeom prst="rect">
+            <a:avLst/>
+          </a:prstGeom>
+        </p:spPr>
+      </p:pic>
+      <p:pic>
+        <p:nvPicPr>
+          <p:cNvPr id="12" name="Picture 11" descr="A blue square with white letters&#10;&#10;Description automatically generated">
+            <a:extLst>
+              <a:ext uri="{FF2B5EF4-FFF2-40B4-BE49-F238E27FC236}">
+                <a16:creationId xmlns:a16="http://schemas.microsoft.com/office/drawing/2014/main" id="{713B3604-2088-C40B-1C02-B066841BB884}"/>
+              </a:ext>
+            </a:extLst>
+          </p:cNvPr>
+          <p:cNvPicPr>
+            <a:picLocks noChangeAspect="1"/>
+          </p:cNvPicPr>
+          <p:nvPr/>
+        </p:nvPicPr>
+        <p:blipFill>
+          <a:blip r:embed="rId3">
+            <a:extLst>
+              <a:ext uri="{28A0092B-C50C-407E-A947-70E740481C1C}">
+                <a14:useLocalDpi xmlns:a14="http://schemas.microsoft.com/office/drawing/2010/main" val="0"/>
+              </a:ext>
+            </a:extLst>
+          </a:blip>
+          <a:stretch>
+            <a:fillRect/>
+          </a:stretch>
+        </p:blipFill>
+        <p:spPr>
+          <a:xfrm>
+            <a:off x="17443450" y="9176905"/>
+            <a:ext cx="1295400" cy="1295400"/>
+          </a:xfrm>
+          <a:prstGeom prst="rect">
+            <a:avLst/>
+          </a:prstGeom>
+        </p:spPr>
+      </p:pic>
+      <p:sp>
+        <p:nvSpPr>
+          <p:cNvPr id="17" name="TextBox 16">
+            <a:extLst>
+              <a:ext uri="{FF2B5EF4-FFF2-40B4-BE49-F238E27FC236}">
+                <a16:creationId xmlns:a16="http://schemas.microsoft.com/office/drawing/2014/main" id="{5C7B874D-7351-4CC6-521E-681AC1952C11}"/>
+              </a:ext>
+            </a:extLst>
+          </p:cNvPr>
+          <p:cNvSpPr txBox="1"/>
+          <p:nvPr/>
+        </p:nvSpPr>
+        <p:spPr>
+          <a:xfrm>
+            <a:off x="-6139543" y="-2416629"/>
+            <a:ext cx="184731" cy="369332"/>
+          </a:xfrm>
+          <a:prstGeom prst="rect">
+            <a:avLst/>
+          </a:prstGeom>
+          <a:noFill/>
+        </p:spPr>
+        <p:txBody>
+          <a:bodyPr wrap="none" rtlCol="0">
+            <a:spAutoFit/>
+          </a:bodyPr>
+          <a:lstStyle/>
+          <a:p>
+            <a:endParaRPr lang="en-BR"/>
+          </a:p>
+        </p:txBody>
+      </p:sp>
+    </p:spTree>
+    <p:extLst>
+      <p:ext uri="{BB962C8B-B14F-4D97-AF65-F5344CB8AC3E}">
+        <p14:creationId xmlns:p14="http://schemas.microsoft.com/office/powerpoint/2010/main" val="1525930254"/>
+      </p:ext>
+    </p:extLst>
+  </p:cSld>
+  <p:clrMapOvr>
+    <a:masterClrMapping/>
+  </p:clrMapOvr>
+</p:sld>
+</file>
+
 <file path=ppt/slides/slide4.xml><?xml version="1.0" encoding="utf-8"?>
 <p:sld xmlns:a="http://schemas.openxmlformats.org/drawingml/2006/main" xmlns:r="http://schemas.openxmlformats.org/officeDocument/2006/relationships" xmlns:p="http://schemas.openxmlformats.org/presentationml/2006/main">
   <p:cSld>

--- a/Lecture_JS_TS.pptx
+++ b/Lecture_JS_TS.pptx
@@ -8630,7 +8630,7 @@
           <a:p>
             <a:fld id="{1D8BD707-D9CF-40AE-B4C6-C98DA3205C09}" type="datetimeFigureOut">
               <a:rPr lang="en-US"/>
-              <a:t>2/20/24</a:t>
+              <a:t>3/11/24</a:t>
             </a:fld>
             <a:endParaRPr lang="en-US"/>
           </a:p>
@@ -8807,7 +8807,7 @@
           <a:p>
             <a:fld id="{1D8BD707-D9CF-40AE-B4C6-C98DA3205C09}" type="datetimeFigureOut">
               <a:rPr lang="en-US"/>
-              <a:t>2/20/24</a:t>
+              <a:t>3/11/24</a:t>
             </a:fld>
             <a:endParaRPr lang="en-US"/>
           </a:p>
@@ -9025,7 +9025,7 @@
           <a:p>
             <a:fld id="{1D8BD707-D9CF-40AE-B4C6-C98DA3205C09}" type="datetimeFigureOut">
               <a:rPr lang="en-US"/>
-              <a:t>2/20/24</a:t>
+              <a:t>3/11/24</a:t>
             </a:fld>
             <a:endParaRPr lang="en-US"/>
           </a:p>
@@ -9253,7 +9253,7 @@
           <a:p>
             <a:fld id="{1D8BD707-D9CF-40AE-B4C6-C98DA3205C09}" type="datetimeFigureOut">
               <a:rPr lang="en-US"/>
-              <a:t>2/20/24</a:t>
+              <a:t>3/11/24</a:t>
             </a:fld>
             <a:endParaRPr lang="en-US"/>
           </a:p>
@@ -9372,7 +9372,7 @@
           <a:p>
             <a:fld id="{1D8BD707-D9CF-40AE-B4C6-C98DA3205C09}" type="datetimeFigureOut">
               <a:rPr lang="en-US"/>
-              <a:t>2/20/24</a:t>
+              <a:t>3/11/24</a:t>
             </a:fld>
             <a:endParaRPr lang="en-US"/>
           </a:p>
@@ -9647,7 +9647,7 @@
           <a:p>
             <a:fld id="{1D8BD707-D9CF-40AE-B4C6-C98DA3205C09}" type="datetimeFigureOut">
               <a:rPr lang="en-US"/>
-              <a:t>2/20/24</a:t>
+              <a:t>3/11/24</a:t>
             </a:fld>
             <a:endParaRPr lang="en-US"/>
           </a:p>
@@ -29855,7 +29855,7 @@
         <p:spPr>
           <a:xfrm>
             <a:off x="846718" y="2127122"/>
-            <a:ext cx="17892132" cy="8096768"/>
+            <a:ext cx="17892132" cy="710131"/>
           </a:xfrm>
           <a:prstGeom prst="rect">
             <a:avLst/>
@@ -29879,7 +29879,7 @@
               <a:buChar char="Ø"/>
             </a:pPr>
             <a:r>
-              <a:rPr lang="en-GB" sz="2400" b="1" dirty="0">
+              <a:rPr lang="en-GB" sz="2400" b="1">
                 <a:solidFill>
                   <a:schemeClr val="tx1">
                     <a:lumMod val="85000"/>
@@ -29890,442 +29890,8 @@
                 <a:ea typeface="Verdana" panose="020B0604030504040204" pitchFamily="34" charset="0"/>
                 <a:cs typeface="Verdana" panose="020B0604030504040204" pitchFamily="34" charset="0"/>
               </a:rPr>
-              <a:t>AJAX</a:t>
-            </a:r>
-            <a:r>
-              <a:rPr lang="en-GB" sz="2400" dirty="0">
-                <a:solidFill>
-                  <a:schemeClr val="tx1">
-                    <a:lumMod val="85000"/>
-                    <a:lumOff val="15000"/>
-                  </a:schemeClr>
-                </a:solidFill>
-                <a:latin typeface="Verdana" panose="020B0604030504040204" pitchFamily="34" charset="0"/>
-                <a:ea typeface="Verdana" panose="020B0604030504040204" pitchFamily="34" charset="0"/>
-                <a:cs typeface="Verdana" panose="020B0604030504040204" pitchFamily="34" charset="0"/>
-              </a:rPr>
-              <a:t> - </a:t>
-            </a:r>
-            <a:r>
-              <a:rPr lang="en-GB" sz="2400" b="1" dirty="0">
-                <a:solidFill>
-                  <a:schemeClr val="tx1">
-                    <a:lumMod val="85000"/>
-                    <a:lumOff val="15000"/>
-                  </a:schemeClr>
-                </a:solidFill>
-                <a:latin typeface="Verdana" panose="020B0604030504040204" pitchFamily="34" charset="0"/>
-                <a:ea typeface="Verdana" panose="020B0604030504040204" pitchFamily="34" charset="0"/>
-                <a:cs typeface="Verdana" panose="020B0604030504040204" pitchFamily="34" charset="0"/>
-              </a:rPr>
-              <a:t>A</a:t>
-            </a:r>
-            <a:r>
-              <a:rPr lang="en-GB" sz="2400" dirty="0">
-                <a:solidFill>
-                  <a:schemeClr val="tx1">
-                    <a:lumMod val="85000"/>
-                    <a:lumOff val="15000"/>
-                  </a:schemeClr>
-                </a:solidFill>
-                <a:latin typeface="Verdana" panose="020B0604030504040204" pitchFamily="34" charset="0"/>
-                <a:ea typeface="Verdana" panose="020B0604030504040204" pitchFamily="34" charset="0"/>
-                <a:cs typeface="Verdana" panose="020B0604030504040204" pitchFamily="34" charset="0"/>
-              </a:rPr>
-              <a:t>synchronous </a:t>
-            </a:r>
-            <a:r>
-              <a:rPr lang="en-GB" sz="2400" b="1" dirty="0">
-                <a:solidFill>
-                  <a:schemeClr val="tx1">
-                    <a:lumMod val="85000"/>
-                    <a:lumOff val="15000"/>
-                  </a:schemeClr>
-                </a:solidFill>
-                <a:latin typeface="Verdana" panose="020B0604030504040204" pitchFamily="34" charset="0"/>
-                <a:ea typeface="Verdana" panose="020B0604030504040204" pitchFamily="34" charset="0"/>
-                <a:cs typeface="Verdana" panose="020B0604030504040204" pitchFamily="34" charset="0"/>
-              </a:rPr>
-              <a:t>J</a:t>
-            </a:r>
-            <a:r>
-              <a:rPr lang="en-GB" sz="2400" dirty="0">
-                <a:solidFill>
-                  <a:schemeClr val="tx1">
-                    <a:lumMod val="85000"/>
-                    <a:lumOff val="15000"/>
-                  </a:schemeClr>
-                </a:solidFill>
-                <a:latin typeface="Verdana" panose="020B0604030504040204" pitchFamily="34" charset="0"/>
-                <a:ea typeface="Verdana" panose="020B0604030504040204" pitchFamily="34" charset="0"/>
-                <a:cs typeface="Verdana" panose="020B0604030504040204" pitchFamily="34" charset="0"/>
-              </a:rPr>
-              <a:t>avaScript </a:t>
-            </a:r>
-            <a:r>
-              <a:rPr lang="en-GB" sz="2400" b="1" dirty="0">
-                <a:solidFill>
-                  <a:schemeClr val="tx1">
-                    <a:lumMod val="85000"/>
-                    <a:lumOff val="15000"/>
-                  </a:schemeClr>
-                </a:solidFill>
-                <a:latin typeface="Verdana" panose="020B0604030504040204" pitchFamily="34" charset="0"/>
-                <a:ea typeface="Verdana" panose="020B0604030504040204" pitchFamily="34" charset="0"/>
-                <a:cs typeface="Verdana" panose="020B0604030504040204" pitchFamily="34" charset="0"/>
-              </a:rPr>
-              <a:t>A</a:t>
-            </a:r>
-            <a:r>
-              <a:rPr lang="en-GB" sz="2400" dirty="0">
-                <a:solidFill>
-                  <a:schemeClr val="tx1">
-                    <a:lumMod val="85000"/>
-                    <a:lumOff val="15000"/>
-                  </a:schemeClr>
-                </a:solidFill>
-                <a:latin typeface="Verdana" panose="020B0604030504040204" pitchFamily="34" charset="0"/>
-                <a:ea typeface="Verdana" panose="020B0604030504040204" pitchFamily="34" charset="0"/>
-                <a:cs typeface="Verdana" panose="020B0604030504040204" pitchFamily="34" charset="0"/>
-              </a:rPr>
-              <a:t>nd </a:t>
-            </a:r>
-            <a:r>
-              <a:rPr lang="en-GB" sz="2400" b="1" dirty="0">
-                <a:solidFill>
-                  <a:schemeClr val="tx1">
-                    <a:lumMod val="85000"/>
-                    <a:lumOff val="15000"/>
-                  </a:schemeClr>
-                </a:solidFill>
-                <a:latin typeface="Verdana" panose="020B0604030504040204" pitchFamily="34" charset="0"/>
-                <a:ea typeface="Verdana" panose="020B0604030504040204" pitchFamily="34" charset="0"/>
-                <a:cs typeface="Verdana" panose="020B0604030504040204" pitchFamily="34" charset="0"/>
-              </a:rPr>
-              <a:t>X</a:t>
-            </a:r>
-            <a:r>
-              <a:rPr lang="en-GB" sz="2400" dirty="0">
-                <a:solidFill>
-                  <a:schemeClr val="tx1">
-                    <a:lumMod val="85000"/>
-                    <a:lumOff val="15000"/>
-                  </a:schemeClr>
-                </a:solidFill>
-                <a:latin typeface="Verdana" panose="020B0604030504040204" pitchFamily="34" charset="0"/>
-                <a:ea typeface="Verdana" panose="020B0604030504040204" pitchFamily="34" charset="0"/>
-                <a:cs typeface="Verdana" panose="020B0604030504040204" pitchFamily="34" charset="0"/>
-              </a:rPr>
-              <a:t>ML.</a:t>
-            </a:r>
-          </a:p>
-          <a:p>
-            <a:pPr marL="457200" lvl="1" indent="-457200" algn="just">
-              <a:lnSpc>
-                <a:spcPct val="200000"/>
-              </a:lnSpc>
-              <a:buClr>
-                <a:srgbClr val="FFC000"/>
-              </a:buClr>
-              <a:buFont typeface="Wingdings" pitchFamily="2" charset="2"/>
-              <a:buChar char="Ø"/>
-            </a:pPr>
-            <a:r>
-              <a:rPr lang="en-GB" sz="2400" dirty="0">
-                <a:solidFill>
-                  <a:schemeClr val="tx1">
-                    <a:lumMod val="85000"/>
-                    <a:lumOff val="15000"/>
-                  </a:schemeClr>
-                </a:solidFill>
-                <a:latin typeface="Verdana" panose="020B0604030504040204" pitchFamily="34" charset="0"/>
-                <a:ea typeface="Verdana" panose="020B0604030504040204" pitchFamily="34" charset="0"/>
-                <a:cs typeface="Verdana" panose="020B0604030504040204" pitchFamily="34" charset="0"/>
-              </a:rPr>
-              <a:t>Asynchronous JavaScript and XML (AJAX) is a combination of web application development technologies that make web applications more </a:t>
-            </a:r>
-            <a:r>
-              <a:rPr lang="en-GB" sz="2400" b="1" dirty="0">
-                <a:solidFill>
-                  <a:schemeClr val="tx1">
-                    <a:lumMod val="85000"/>
-                    <a:lumOff val="15000"/>
-                  </a:schemeClr>
-                </a:solidFill>
-                <a:latin typeface="Verdana" panose="020B0604030504040204" pitchFamily="34" charset="0"/>
-                <a:ea typeface="Verdana" panose="020B0604030504040204" pitchFamily="34" charset="0"/>
-                <a:cs typeface="Verdana" panose="020B0604030504040204" pitchFamily="34" charset="0"/>
-              </a:rPr>
-              <a:t>responsive to user interaction</a:t>
-            </a:r>
-            <a:r>
-              <a:rPr lang="en-GB" sz="2400" dirty="0">
-                <a:solidFill>
-                  <a:schemeClr val="tx1">
-                    <a:lumMod val="85000"/>
-                    <a:lumOff val="15000"/>
-                  </a:schemeClr>
-                </a:solidFill>
-                <a:latin typeface="Verdana" panose="020B0604030504040204" pitchFamily="34" charset="0"/>
-                <a:ea typeface="Verdana" panose="020B0604030504040204" pitchFamily="34" charset="0"/>
-                <a:cs typeface="Verdana" panose="020B0604030504040204" pitchFamily="34" charset="0"/>
-              </a:rPr>
-              <a:t>. Whenever your users interact with a web application, such as when they click buttons or checkmark boxes, the browser </a:t>
-            </a:r>
-            <a:r>
-              <a:rPr lang="en-GB" sz="2400" b="1" dirty="0">
-                <a:solidFill>
-                  <a:schemeClr val="tx1">
-                    <a:lumMod val="85000"/>
-                    <a:lumOff val="15000"/>
-                  </a:schemeClr>
-                </a:solidFill>
-                <a:latin typeface="Verdana" panose="020B0604030504040204" pitchFamily="34" charset="0"/>
-                <a:ea typeface="Verdana" panose="020B0604030504040204" pitchFamily="34" charset="0"/>
-                <a:cs typeface="Verdana" panose="020B0604030504040204" pitchFamily="34" charset="0"/>
-              </a:rPr>
-              <a:t>exchanges data with the remote server</a:t>
-            </a:r>
-            <a:r>
-              <a:rPr lang="en-GB" sz="2400" dirty="0">
-                <a:solidFill>
-                  <a:schemeClr val="tx1">
-                    <a:lumMod val="85000"/>
-                    <a:lumOff val="15000"/>
-                  </a:schemeClr>
-                </a:solidFill>
-                <a:latin typeface="Verdana" panose="020B0604030504040204" pitchFamily="34" charset="0"/>
-                <a:ea typeface="Verdana" panose="020B0604030504040204" pitchFamily="34" charset="0"/>
-                <a:cs typeface="Verdana" panose="020B0604030504040204" pitchFamily="34" charset="0"/>
-              </a:rPr>
-              <a:t>. Data exchange can cause pages to reload and interrupt the user experience. With AJAX, web applications </a:t>
-            </a:r>
-            <a:r>
-              <a:rPr lang="en-GB" sz="2400" b="1" dirty="0">
-                <a:solidFill>
-                  <a:schemeClr val="tx1">
-                    <a:lumMod val="85000"/>
-                    <a:lumOff val="15000"/>
-                  </a:schemeClr>
-                </a:solidFill>
-                <a:latin typeface="Verdana" panose="020B0604030504040204" pitchFamily="34" charset="0"/>
-                <a:ea typeface="Verdana" panose="020B0604030504040204" pitchFamily="34" charset="0"/>
-                <a:cs typeface="Verdana" panose="020B0604030504040204" pitchFamily="34" charset="0"/>
-              </a:rPr>
-              <a:t>can send and receive data </a:t>
-            </a:r>
-            <a:r>
-              <a:rPr lang="en-GB" sz="2400" dirty="0">
-                <a:solidFill>
-                  <a:schemeClr val="tx1">
-                    <a:lumMod val="85000"/>
-                    <a:lumOff val="15000"/>
-                  </a:schemeClr>
-                </a:solidFill>
-                <a:latin typeface="Verdana" panose="020B0604030504040204" pitchFamily="34" charset="0"/>
-                <a:ea typeface="Verdana" panose="020B0604030504040204" pitchFamily="34" charset="0"/>
-                <a:cs typeface="Verdana" panose="020B0604030504040204" pitchFamily="34" charset="0"/>
-              </a:rPr>
-              <a:t>in the background so that only small portions of the page refresh as required.</a:t>
-            </a:r>
-          </a:p>
-          <a:p>
-            <a:pPr marL="457200" lvl="1" indent="-457200" algn="just">
-              <a:lnSpc>
-                <a:spcPct val="200000"/>
-              </a:lnSpc>
-              <a:buClr>
-                <a:srgbClr val="FFC000"/>
-              </a:buClr>
-              <a:buFont typeface="Wingdings" pitchFamily="2" charset="2"/>
-              <a:buChar char="Ø"/>
-            </a:pPr>
-            <a:r>
-              <a:rPr lang="en-GB" sz="2400" b="1" dirty="0">
-                <a:solidFill>
-                  <a:schemeClr val="tx1">
-                    <a:lumMod val="85000"/>
-                    <a:lumOff val="15000"/>
-                  </a:schemeClr>
-                </a:solidFill>
-                <a:latin typeface="Verdana" panose="020B0604030504040204" pitchFamily="34" charset="0"/>
-                <a:ea typeface="Verdana" panose="020B0604030504040204" pitchFamily="34" charset="0"/>
-                <a:cs typeface="Verdana" panose="020B0604030504040204" pitchFamily="34" charset="0"/>
-              </a:rPr>
-              <a:t>Async </a:t>
-            </a:r>
-            <a:r>
-              <a:rPr lang="en-GB" sz="2400" dirty="0">
-                <a:solidFill>
-                  <a:schemeClr val="tx1">
-                    <a:lumMod val="85000"/>
-                    <a:lumOff val="15000"/>
-                  </a:schemeClr>
-                </a:solidFill>
-                <a:latin typeface="Verdana" panose="020B0604030504040204" pitchFamily="34" charset="0"/>
-                <a:ea typeface="Verdana" panose="020B0604030504040204" pitchFamily="34" charset="0"/>
-                <a:cs typeface="Verdana" panose="020B0604030504040204" pitchFamily="34" charset="0"/>
-              </a:rPr>
-              <a:t>- </a:t>
-            </a:r>
-            <a:r>
-              <a:rPr lang="en-US" sz="2400" b="1" i="0" dirty="0">
-                <a:solidFill>
-                  <a:srgbClr val="001E2D"/>
-                </a:solidFill>
-                <a:effectLst/>
-                <a:latin typeface="Verdana" panose="020B0604030504040204" pitchFamily="34" charset="0"/>
-                <a:ea typeface="Verdana" panose="020B0604030504040204" pitchFamily="34" charset="0"/>
-                <a:cs typeface="Verdana" panose="020B0604030504040204" pitchFamily="34" charset="0"/>
-              </a:rPr>
-              <a:t>A</a:t>
-            </a:r>
-            <a:r>
-              <a:rPr lang="en-US" sz="2400" b="0" i="0" dirty="0">
-                <a:solidFill>
-                  <a:srgbClr val="001E2D"/>
-                </a:solidFill>
-                <a:effectLst/>
-                <a:latin typeface="Verdana" panose="020B0604030504040204" pitchFamily="34" charset="0"/>
-                <a:ea typeface="Verdana" panose="020B0604030504040204" pitchFamily="34" charset="0"/>
-                <a:cs typeface="Verdana" panose="020B0604030504040204" pitchFamily="34" charset="0"/>
-              </a:rPr>
-              <a:t>synchronous is a non-blocking architecture, so the execution of one task isn't dependent on another.</a:t>
-            </a:r>
-          </a:p>
-          <a:p>
-            <a:pPr marL="457200" lvl="1" indent="-457200" algn="just">
-              <a:lnSpc>
-                <a:spcPct val="200000"/>
-              </a:lnSpc>
-              <a:buClr>
-                <a:srgbClr val="FFC000"/>
-              </a:buClr>
-              <a:buFont typeface="Wingdings" pitchFamily="2" charset="2"/>
-              <a:buChar char="Ø"/>
-            </a:pPr>
-            <a:r>
-              <a:rPr lang="en-GB" sz="2400" b="1" dirty="0">
-                <a:solidFill>
-                  <a:schemeClr val="tx1">
-                    <a:lumMod val="85000"/>
-                    <a:lumOff val="15000"/>
-                  </a:schemeClr>
-                </a:solidFill>
-                <a:latin typeface="Verdana" panose="020B0604030504040204" pitchFamily="34" charset="0"/>
-                <a:ea typeface="Verdana" panose="020B0604030504040204" pitchFamily="34" charset="0"/>
-                <a:cs typeface="Verdana" panose="020B0604030504040204" pitchFamily="34" charset="0"/>
-              </a:rPr>
-              <a:t>XML</a:t>
-            </a:r>
-            <a:r>
-              <a:rPr lang="en-GB" sz="2400" dirty="0">
-                <a:solidFill>
-                  <a:schemeClr val="tx1">
-                    <a:lumMod val="85000"/>
-                    <a:lumOff val="15000"/>
-                  </a:schemeClr>
-                </a:solidFill>
-                <a:latin typeface="Verdana" panose="020B0604030504040204" pitchFamily="34" charset="0"/>
-                <a:ea typeface="Verdana" panose="020B0604030504040204" pitchFamily="34" charset="0"/>
-                <a:cs typeface="Verdana" panose="020B0604030504040204" pitchFamily="34" charset="0"/>
-              </a:rPr>
-              <a:t> stands for </a:t>
-            </a:r>
-            <a:r>
-              <a:rPr lang="en-GB" sz="2400" b="1" dirty="0">
-                <a:solidFill>
-                  <a:schemeClr val="tx1">
-                    <a:lumMod val="85000"/>
-                    <a:lumOff val="15000"/>
-                  </a:schemeClr>
-                </a:solidFill>
-                <a:latin typeface="Verdana" panose="020B0604030504040204" pitchFamily="34" charset="0"/>
-                <a:ea typeface="Verdana" panose="020B0604030504040204" pitchFamily="34" charset="0"/>
-                <a:cs typeface="Verdana" panose="020B0604030504040204" pitchFamily="34" charset="0"/>
-              </a:rPr>
-              <a:t>E</a:t>
-            </a:r>
-            <a:r>
-              <a:rPr lang="en-GB" sz="2400" dirty="0">
-                <a:solidFill>
-                  <a:schemeClr val="tx1">
-                    <a:lumMod val="85000"/>
-                    <a:lumOff val="15000"/>
-                  </a:schemeClr>
-                </a:solidFill>
-                <a:latin typeface="Verdana" panose="020B0604030504040204" pitchFamily="34" charset="0"/>
-                <a:ea typeface="Verdana" panose="020B0604030504040204" pitchFamily="34" charset="0"/>
-                <a:cs typeface="Verdana" panose="020B0604030504040204" pitchFamily="34" charset="0"/>
-              </a:rPr>
-              <a:t>xtensible </a:t>
-            </a:r>
-            <a:r>
-              <a:rPr lang="en-GB" sz="2400" b="1" dirty="0">
-                <a:solidFill>
-                  <a:schemeClr val="tx1">
-                    <a:lumMod val="85000"/>
-                    <a:lumOff val="15000"/>
-                  </a:schemeClr>
-                </a:solidFill>
-                <a:latin typeface="Verdana" panose="020B0604030504040204" pitchFamily="34" charset="0"/>
-                <a:ea typeface="Verdana" panose="020B0604030504040204" pitchFamily="34" charset="0"/>
-                <a:cs typeface="Verdana" panose="020B0604030504040204" pitchFamily="34" charset="0"/>
-              </a:rPr>
-              <a:t>M</a:t>
-            </a:r>
-            <a:r>
-              <a:rPr lang="en-GB" sz="2400" dirty="0">
-                <a:solidFill>
-                  <a:schemeClr val="tx1">
-                    <a:lumMod val="85000"/>
-                    <a:lumOff val="15000"/>
-                  </a:schemeClr>
-                </a:solidFill>
-                <a:latin typeface="Verdana" panose="020B0604030504040204" pitchFamily="34" charset="0"/>
-                <a:ea typeface="Verdana" panose="020B0604030504040204" pitchFamily="34" charset="0"/>
-                <a:cs typeface="Verdana" panose="020B0604030504040204" pitchFamily="34" charset="0"/>
-              </a:rPr>
-              <a:t>arkup </a:t>
-            </a:r>
-            <a:r>
-              <a:rPr lang="en-GB" sz="2400" b="1" dirty="0">
-                <a:solidFill>
-                  <a:schemeClr val="tx1">
-                    <a:lumMod val="85000"/>
-                    <a:lumOff val="15000"/>
-                  </a:schemeClr>
-                </a:solidFill>
-                <a:latin typeface="Verdana" panose="020B0604030504040204" pitchFamily="34" charset="0"/>
-                <a:ea typeface="Verdana" panose="020B0604030504040204" pitchFamily="34" charset="0"/>
-                <a:cs typeface="Verdana" panose="020B0604030504040204" pitchFamily="34" charset="0"/>
-              </a:rPr>
-              <a:t>L</a:t>
-            </a:r>
-            <a:r>
-              <a:rPr lang="en-GB" sz="2400" dirty="0">
-                <a:solidFill>
-                  <a:schemeClr val="tx1">
-                    <a:lumMod val="85000"/>
-                    <a:lumOff val="15000"/>
-                  </a:schemeClr>
-                </a:solidFill>
-                <a:latin typeface="Verdana" panose="020B0604030504040204" pitchFamily="34" charset="0"/>
-                <a:ea typeface="Verdana" panose="020B0604030504040204" pitchFamily="34" charset="0"/>
-                <a:cs typeface="Verdana" panose="020B0604030504040204" pitchFamily="34" charset="0"/>
-              </a:rPr>
-              <a:t>anguage. It's a markup language used to describe the structure and content of data in a document.</a:t>
-            </a:r>
-          </a:p>
-          <a:p>
-            <a:pPr lvl="1" algn="just">
-              <a:lnSpc>
-                <a:spcPct val="200000"/>
-              </a:lnSpc>
-              <a:buClr>
-                <a:srgbClr val="FFC000"/>
-              </a:buClr>
-            </a:pPr>
+              <a:t>OOPS</a:t>
+            </a:r>
             <a:endParaRPr lang="en-GB" sz="2400" dirty="0">
               <a:solidFill>
                 <a:schemeClr val="tx1">

--- a/Lecture_JS_TS.pptx
+++ b/Lecture_JS_TS.pptx
@@ -44,16 +44,22 @@
     <p:sldId id="712" r:id="rId38"/>
     <p:sldId id="699" r:id="rId39"/>
     <p:sldId id="700" r:id="rId40"/>
-    <p:sldId id="684" r:id="rId41"/>
-    <p:sldId id="691" r:id="rId42"/>
-    <p:sldId id="704" r:id="rId43"/>
-    <p:sldId id="705" r:id="rId44"/>
-    <p:sldId id="706" r:id="rId45"/>
-    <p:sldId id="701" r:id="rId46"/>
-    <p:sldId id="702" r:id="rId47"/>
-    <p:sldId id="703" r:id="rId48"/>
-    <p:sldId id="708" r:id="rId49"/>
-    <p:sldId id="710" r:id="rId50"/>
+    <p:sldId id="713" r:id="rId41"/>
+    <p:sldId id="714" r:id="rId42"/>
+    <p:sldId id="684" r:id="rId43"/>
+    <p:sldId id="691" r:id="rId44"/>
+    <p:sldId id="704" r:id="rId45"/>
+    <p:sldId id="705" r:id="rId46"/>
+    <p:sldId id="706" r:id="rId47"/>
+    <p:sldId id="701" r:id="rId48"/>
+    <p:sldId id="702" r:id="rId49"/>
+    <p:sldId id="703" r:id="rId50"/>
+    <p:sldId id="708" r:id="rId51"/>
+    <p:sldId id="710" r:id="rId52"/>
+    <p:sldId id="715" r:id="rId53"/>
+    <p:sldId id="716" r:id="rId54"/>
+    <p:sldId id="717" r:id="rId55"/>
+    <p:sldId id="718" r:id="rId56"/>
   </p:sldIdLst>
   <p:sldSz cx="20104100" cy="11309350"/>
   <p:notesSz cx="20104100" cy="11309350"/>
@@ -8630,7 +8636,7 @@
           <a:p>
             <a:fld id="{1D8BD707-D9CF-40AE-B4C6-C98DA3205C09}" type="datetimeFigureOut">
               <a:rPr lang="en-US"/>
-              <a:t>3/11/24</a:t>
+              <a:t>5/31/24</a:t>
             </a:fld>
             <a:endParaRPr lang="en-US"/>
           </a:p>
@@ -8807,7 +8813,7 @@
           <a:p>
             <a:fld id="{1D8BD707-D9CF-40AE-B4C6-C98DA3205C09}" type="datetimeFigureOut">
               <a:rPr lang="en-US"/>
-              <a:t>3/11/24</a:t>
+              <a:t>5/31/24</a:t>
             </a:fld>
             <a:endParaRPr lang="en-US"/>
           </a:p>
@@ -9025,7 +9031,7 @@
           <a:p>
             <a:fld id="{1D8BD707-D9CF-40AE-B4C6-C98DA3205C09}" type="datetimeFigureOut">
               <a:rPr lang="en-US"/>
-              <a:t>3/11/24</a:t>
+              <a:t>5/31/24</a:t>
             </a:fld>
             <a:endParaRPr lang="en-US"/>
           </a:p>
@@ -9253,7 +9259,7 @@
           <a:p>
             <a:fld id="{1D8BD707-D9CF-40AE-B4C6-C98DA3205C09}" type="datetimeFigureOut">
               <a:rPr lang="en-US"/>
-              <a:t>3/11/24</a:t>
+              <a:t>5/31/24</a:t>
             </a:fld>
             <a:endParaRPr lang="en-US"/>
           </a:p>
@@ -9372,7 +9378,7 @@
           <a:p>
             <a:fld id="{1D8BD707-D9CF-40AE-B4C6-C98DA3205C09}" type="datetimeFigureOut">
               <a:rPr lang="en-US"/>
-              <a:t>3/11/24</a:t>
+              <a:t>5/31/24</a:t>
             </a:fld>
             <a:endParaRPr lang="en-US"/>
           </a:p>
@@ -9647,7 +9653,7 @@
           <a:p>
             <a:fld id="{1D8BD707-D9CF-40AE-B4C6-C98DA3205C09}" type="datetimeFigureOut">
               <a:rPr lang="en-US"/>
-              <a:t>3/11/24</a:t>
+              <a:t>5/31/24</a:t>
             </a:fld>
             <a:endParaRPr lang="en-US"/>
           </a:p>
@@ -26211,6 +26217,929 @@
         <p:cNvPr id="1" name="">
           <a:extLst>
             <a:ext uri="{FF2B5EF4-FFF2-40B4-BE49-F238E27FC236}">
+              <a16:creationId xmlns:a16="http://schemas.microsoft.com/office/drawing/2014/main" id="{E5C90BD6-AC35-5E02-9555-612E20E3C65A}"/>
+            </a:ext>
+          </a:extLst>
+        </p:cNvPr>
+        <p:cNvGrpSpPr/>
+        <p:nvPr/>
+      </p:nvGrpSpPr>
+      <p:grpSpPr>
+        <a:xfrm>
+          <a:off x="0" y="0"/>
+          <a:ext cx="0" cy="0"/>
+          <a:chOff x="0" y="0"/>
+          <a:chExt cx="0" cy="0"/>
+        </a:xfrm>
+      </p:grpSpPr>
+      <p:pic>
+        <p:nvPicPr>
+          <p:cNvPr id="5" name="object 7">
+            <a:extLst>
+              <a:ext uri="{FF2B5EF4-FFF2-40B4-BE49-F238E27FC236}">
+                <a16:creationId xmlns:a16="http://schemas.microsoft.com/office/drawing/2014/main" id="{AC7EF1AB-689D-5F57-F1B6-901707A37CF2}"/>
+              </a:ext>
+            </a:extLst>
+          </p:cNvPr>
+          <p:cNvPicPr/>
+          <p:nvPr/>
+        </p:nvPicPr>
+        <p:blipFill>
+          <a:blip r:embed="rId2" cstate="print"/>
+          <a:stretch>
+            <a:fillRect/>
+          </a:stretch>
+        </p:blipFill>
+        <p:spPr>
+          <a:xfrm>
+            <a:off x="0" y="0"/>
+            <a:ext cx="20104099" cy="1361215"/>
+          </a:xfrm>
+          <a:prstGeom prst="rect">
+            <a:avLst/>
+          </a:prstGeom>
+        </p:spPr>
+      </p:pic>
+      <p:sp>
+        <p:nvSpPr>
+          <p:cNvPr id="6" name="object 8">
+            <a:extLst>
+              <a:ext uri="{FF2B5EF4-FFF2-40B4-BE49-F238E27FC236}">
+                <a16:creationId xmlns:a16="http://schemas.microsoft.com/office/drawing/2014/main" id="{28AEEBBA-DB5A-A8E2-4CF2-05F5424251AE}"/>
+              </a:ext>
+            </a:extLst>
+          </p:cNvPr>
+          <p:cNvSpPr txBox="1">
+            <a:spLocks noGrp="1"/>
+          </p:cNvSpPr>
+          <p:nvPr>
+            <p:ph type="title"/>
+          </p:nvPr>
+        </p:nvSpPr>
+        <p:spPr>
+          <a:xfrm>
+            <a:off x="858511" y="335457"/>
+            <a:ext cx="6831339" cy="671338"/>
+          </a:xfrm>
+          <a:prstGeom prst="rect">
+            <a:avLst/>
+          </a:prstGeom>
+        </p:spPr>
+        <p:txBody>
+          <a:bodyPr vert="horz" wrap="square" lIns="0" tIns="17145" rIns="0" bIns="0" rtlCol="0">
+            <a:spAutoFit/>
+          </a:bodyPr>
+          <a:lstStyle/>
+          <a:p>
+            <a:pPr algn="l" fontAlgn="base"/>
+            <a:r>
+              <a:rPr lang="en-US" b="1" dirty="0">
+                <a:latin typeface="-apple-system"/>
+              </a:rPr>
+              <a:t>jQuery Traversing </a:t>
+            </a:r>
+            <a:endParaRPr lang="en-US" i="0" dirty="0">
+              <a:effectLst/>
+              <a:latin typeface="-apple-system"/>
+            </a:endParaRPr>
+          </a:p>
+        </p:txBody>
+      </p:sp>
+      <p:sp>
+        <p:nvSpPr>
+          <p:cNvPr id="8" name="TextBox 7">
+            <a:extLst>
+              <a:ext uri="{FF2B5EF4-FFF2-40B4-BE49-F238E27FC236}">
+                <a16:creationId xmlns:a16="http://schemas.microsoft.com/office/drawing/2014/main" id="{A40FA1E1-0219-91A1-6BFE-8530FCF0BE73}"/>
+              </a:ext>
+            </a:extLst>
+          </p:cNvPr>
+          <p:cNvSpPr txBox="1"/>
+          <p:nvPr/>
+        </p:nvSpPr>
+        <p:spPr>
+          <a:xfrm>
+            <a:off x="858511" y="2225675"/>
+            <a:ext cx="17526001" cy="3816429"/>
+          </a:xfrm>
+          <a:prstGeom prst="rect">
+            <a:avLst/>
+          </a:prstGeom>
+          <a:noFill/>
+        </p:spPr>
+        <p:txBody>
+          <a:bodyPr wrap="square">
+            <a:spAutoFit/>
+          </a:bodyPr>
+          <a:lstStyle/>
+          <a:p>
+            <a:pPr lvl="1" algn="just">
+              <a:lnSpc>
+                <a:spcPct val="200000"/>
+              </a:lnSpc>
+              <a:buClr>
+                <a:srgbClr val="FFC000"/>
+              </a:buClr>
+            </a:pPr>
+            <a:r>
+              <a:rPr lang="en-GB" sz="2800" b="1" dirty="0">
+                <a:solidFill>
+                  <a:schemeClr val="tx1">
+                    <a:lumMod val="85000"/>
+                    <a:lumOff val="15000"/>
+                  </a:schemeClr>
+                </a:solidFill>
+                <a:latin typeface="Verdana" panose="020B0604030504040204" pitchFamily="34" charset="0"/>
+                <a:ea typeface="Verdana" panose="020B0604030504040204" pitchFamily="34" charset="0"/>
+                <a:cs typeface="Verdana" panose="020B0604030504040204" pitchFamily="34" charset="0"/>
+              </a:rPr>
+              <a:t>Ancestors</a:t>
+            </a:r>
+            <a:endParaRPr lang="en-GB" sz="2400" b="1" dirty="0">
+              <a:solidFill>
+                <a:schemeClr val="tx1">
+                  <a:lumMod val="85000"/>
+                  <a:lumOff val="15000"/>
+                </a:schemeClr>
+              </a:solidFill>
+              <a:latin typeface="Verdana" panose="020B0604030504040204" pitchFamily="34" charset="0"/>
+              <a:ea typeface="Verdana" panose="020B0604030504040204" pitchFamily="34" charset="0"/>
+              <a:cs typeface="Verdana" panose="020B0604030504040204" pitchFamily="34" charset="0"/>
+            </a:endParaRPr>
+          </a:p>
+          <a:p>
+            <a:pPr marL="457200" lvl="1" indent="-457200" algn="just">
+              <a:lnSpc>
+                <a:spcPct val="200000"/>
+              </a:lnSpc>
+              <a:buClr>
+                <a:srgbClr val="FFC000"/>
+              </a:buClr>
+              <a:buFont typeface="Wingdings" pitchFamily="2" charset="2"/>
+              <a:buChar char="Ø"/>
+            </a:pPr>
+            <a:r>
+              <a:rPr lang="en-GB" sz="2400" dirty="0">
+                <a:solidFill>
+                  <a:schemeClr val="tx1">
+                    <a:lumMod val="85000"/>
+                    <a:lumOff val="15000"/>
+                  </a:schemeClr>
+                </a:solidFill>
+                <a:latin typeface="Courier New" panose="02070309020205020404" pitchFamily="49" charset="0"/>
+                <a:ea typeface="Verdana" panose="020B0604030504040204" pitchFamily="34" charset="0"/>
+                <a:cs typeface="Courier New" panose="02070309020205020404" pitchFamily="49" charset="0"/>
+              </a:rPr>
+              <a:t>$(“selector”).parent();</a:t>
+            </a:r>
+          </a:p>
+          <a:p>
+            <a:pPr marL="457200" lvl="1" indent="-457200" algn="just">
+              <a:lnSpc>
+                <a:spcPct val="200000"/>
+              </a:lnSpc>
+              <a:buClr>
+                <a:srgbClr val="FFC000"/>
+              </a:buClr>
+              <a:buFont typeface="Wingdings" pitchFamily="2" charset="2"/>
+              <a:buChar char="Ø"/>
+            </a:pPr>
+            <a:r>
+              <a:rPr lang="en-GB" sz="2400" dirty="0">
+                <a:solidFill>
+                  <a:schemeClr val="tx1">
+                    <a:lumMod val="85000"/>
+                    <a:lumOff val="15000"/>
+                  </a:schemeClr>
+                </a:solidFill>
+                <a:latin typeface="Courier New" panose="02070309020205020404" pitchFamily="49" charset="0"/>
+                <a:ea typeface="Verdana" panose="020B0604030504040204" pitchFamily="34" charset="0"/>
+                <a:cs typeface="Courier New" panose="02070309020205020404" pitchFamily="49" charset="0"/>
+              </a:rPr>
+              <a:t>$(“selector”).parents();</a:t>
+            </a:r>
+          </a:p>
+          <a:p>
+            <a:pPr marL="457200" lvl="1" indent="-457200" algn="just">
+              <a:lnSpc>
+                <a:spcPct val="200000"/>
+              </a:lnSpc>
+              <a:buClr>
+                <a:srgbClr val="FFC000"/>
+              </a:buClr>
+              <a:buFont typeface="Wingdings" pitchFamily="2" charset="2"/>
+              <a:buChar char="Ø"/>
+            </a:pPr>
+            <a:r>
+              <a:rPr lang="en-GB" sz="2400" dirty="0">
+                <a:solidFill>
+                  <a:schemeClr val="tx1">
+                    <a:lumMod val="85000"/>
+                    <a:lumOff val="15000"/>
+                  </a:schemeClr>
+                </a:solidFill>
+                <a:latin typeface="Courier New" panose="02070309020205020404" pitchFamily="49" charset="0"/>
+                <a:ea typeface="Verdana" panose="020B0604030504040204" pitchFamily="34" charset="0"/>
+                <a:cs typeface="Courier New" panose="02070309020205020404" pitchFamily="49" charset="0"/>
+              </a:rPr>
+              <a:t>$(“selector”).</a:t>
+            </a:r>
+            <a:r>
+              <a:rPr lang="en-GB" sz="2400" dirty="0" err="1">
+                <a:solidFill>
+                  <a:schemeClr val="tx1">
+                    <a:lumMod val="85000"/>
+                    <a:lumOff val="15000"/>
+                  </a:schemeClr>
+                </a:solidFill>
+                <a:latin typeface="Courier New" panose="02070309020205020404" pitchFamily="49" charset="0"/>
+                <a:ea typeface="Verdana" panose="020B0604030504040204" pitchFamily="34" charset="0"/>
+                <a:cs typeface="Courier New" panose="02070309020205020404" pitchFamily="49" charset="0"/>
+              </a:rPr>
+              <a:t>parentsUntil</a:t>
+            </a:r>
+            <a:r>
+              <a:rPr lang="en-GB" sz="2400" dirty="0">
+                <a:solidFill>
+                  <a:schemeClr val="tx1">
+                    <a:lumMod val="85000"/>
+                    <a:lumOff val="15000"/>
+                  </a:schemeClr>
+                </a:solidFill>
+                <a:latin typeface="Courier New" panose="02070309020205020404" pitchFamily="49" charset="0"/>
+                <a:ea typeface="Verdana" panose="020B0604030504040204" pitchFamily="34" charset="0"/>
+                <a:cs typeface="Courier New" panose="02070309020205020404" pitchFamily="49" charset="0"/>
+              </a:rPr>
+              <a:t>("div");</a:t>
+            </a:r>
+          </a:p>
+          <a:p>
+            <a:pPr lvl="1" algn="just">
+              <a:lnSpc>
+                <a:spcPct val="200000"/>
+              </a:lnSpc>
+              <a:buClr>
+                <a:srgbClr val="FFC000"/>
+              </a:buClr>
+            </a:pPr>
+            <a:endParaRPr lang="en-GB" sz="2400" dirty="0">
+              <a:solidFill>
+                <a:schemeClr val="tx1">
+                  <a:lumMod val="85000"/>
+                  <a:lumOff val="15000"/>
+                </a:schemeClr>
+              </a:solidFill>
+              <a:latin typeface="Courier New" panose="02070309020205020404" pitchFamily="49" charset="0"/>
+              <a:ea typeface="Verdana" panose="020B0604030504040204" pitchFamily="34" charset="0"/>
+              <a:cs typeface="Courier New" panose="02070309020205020404" pitchFamily="49" charset="0"/>
+            </a:endParaRPr>
+          </a:p>
+        </p:txBody>
+      </p:sp>
+      <p:sp>
+        <p:nvSpPr>
+          <p:cNvPr id="3" name="TextBox 2">
+            <a:extLst>
+              <a:ext uri="{FF2B5EF4-FFF2-40B4-BE49-F238E27FC236}">
+                <a16:creationId xmlns:a16="http://schemas.microsoft.com/office/drawing/2014/main" id="{30339D74-7037-FB72-4694-9C2B503E2C83}"/>
+              </a:ext>
+            </a:extLst>
+          </p:cNvPr>
+          <p:cNvSpPr txBox="1"/>
+          <p:nvPr/>
+        </p:nvSpPr>
+        <p:spPr>
+          <a:xfrm>
+            <a:off x="858510" y="6492875"/>
+            <a:ext cx="17526001" cy="2339102"/>
+          </a:xfrm>
+          <a:prstGeom prst="rect">
+            <a:avLst/>
+          </a:prstGeom>
+          <a:noFill/>
+        </p:spPr>
+        <p:txBody>
+          <a:bodyPr wrap="square">
+            <a:spAutoFit/>
+          </a:bodyPr>
+          <a:lstStyle/>
+          <a:p>
+            <a:pPr lvl="1" algn="just">
+              <a:lnSpc>
+                <a:spcPct val="200000"/>
+              </a:lnSpc>
+              <a:buClr>
+                <a:srgbClr val="FFC000"/>
+              </a:buClr>
+            </a:pPr>
+            <a:r>
+              <a:rPr lang="en-GB" sz="2800" b="1" dirty="0">
+                <a:solidFill>
+                  <a:schemeClr val="tx1">
+                    <a:lumMod val="85000"/>
+                    <a:lumOff val="15000"/>
+                  </a:schemeClr>
+                </a:solidFill>
+                <a:latin typeface="Verdana" panose="020B0604030504040204" pitchFamily="34" charset="0"/>
+                <a:ea typeface="Verdana" panose="020B0604030504040204" pitchFamily="34" charset="0"/>
+                <a:cs typeface="Verdana" panose="020B0604030504040204" pitchFamily="34" charset="0"/>
+              </a:rPr>
+              <a:t>Descendants</a:t>
+            </a:r>
+            <a:endParaRPr lang="en-GB" sz="2400" b="1" dirty="0">
+              <a:solidFill>
+                <a:schemeClr val="tx1">
+                  <a:lumMod val="85000"/>
+                  <a:lumOff val="15000"/>
+                </a:schemeClr>
+              </a:solidFill>
+              <a:latin typeface="Verdana" panose="020B0604030504040204" pitchFamily="34" charset="0"/>
+              <a:ea typeface="Verdana" panose="020B0604030504040204" pitchFamily="34" charset="0"/>
+              <a:cs typeface="Verdana" panose="020B0604030504040204" pitchFamily="34" charset="0"/>
+            </a:endParaRPr>
+          </a:p>
+          <a:p>
+            <a:pPr marL="457200" lvl="1" indent="-457200" algn="just">
+              <a:lnSpc>
+                <a:spcPct val="200000"/>
+              </a:lnSpc>
+              <a:buClr>
+                <a:srgbClr val="FFC000"/>
+              </a:buClr>
+              <a:buFont typeface="Wingdings" pitchFamily="2" charset="2"/>
+              <a:buChar char="Ø"/>
+            </a:pPr>
+            <a:r>
+              <a:rPr lang="en-GB" sz="2400" dirty="0">
+                <a:solidFill>
+                  <a:schemeClr val="tx1">
+                    <a:lumMod val="85000"/>
+                    <a:lumOff val="15000"/>
+                  </a:schemeClr>
+                </a:solidFill>
+                <a:latin typeface="Courier New" panose="02070309020205020404" pitchFamily="49" charset="0"/>
+                <a:ea typeface="Verdana" panose="020B0604030504040204" pitchFamily="34" charset="0"/>
+                <a:cs typeface="Courier New" panose="02070309020205020404" pitchFamily="49" charset="0"/>
+              </a:rPr>
+              <a:t>$(“selector”).children();</a:t>
+            </a:r>
+          </a:p>
+          <a:p>
+            <a:pPr marL="457200" lvl="1" indent="-457200" algn="just">
+              <a:lnSpc>
+                <a:spcPct val="200000"/>
+              </a:lnSpc>
+              <a:buClr>
+                <a:srgbClr val="FFC000"/>
+              </a:buClr>
+              <a:buFont typeface="Wingdings" pitchFamily="2" charset="2"/>
+              <a:buChar char="Ø"/>
+            </a:pPr>
+            <a:r>
+              <a:rPr lang="en-GB" sz="2400" dirty="0">
+                <a:solidFill>
+                  <a:schemeClr val="tx1">
+                    <a:lumMod val="85000"/>
+                    <a:lumOff val="15000"/>
+                  </a:schemeClr>
+                </a:solidFill>
+                <a:latin typeface="Courier New" panose="02070309020205020404" pitchFamily="49" charset="0"/>
+                <a:ea typeface="Verdana" panose="020B0604030504040204" pitchFamily="34" charset="0"/>
+                <a:cs typeface="Courier New" panose="02070309020205020404" pitchFamily="49" charset="0"/>
+              </a:rPr>
+              <a:t>$(“selector”).find(“span”);</a:t>
+            </a:r>
+          </a:p>
+        </p:txBody>
+      </p:sp>
+    </p:spTree>
+    <p:extLst>
+      <p:ext uri="{BB962C8B-B14F-4D97-AF65-F5344CB8AC3E}">
+        <p14:creationId xmlns:p14="http://schemas.microsoft.com/office/powerpoint/2010/main" val="2328383537"/>
+      </p:ext>
+    </p:extLst>
+  </p:cSld>
+  <p:clrMapOvr>
+    <a:masterClrMapping/>
+  </p:clrMapOvr>
+</p:sld>
+</file>
+
+<file path=ppt/slides/slide41.xml><?xml version="1.0" encoding="utf-8"?>
+<p:sld xmlns:a="http://schemas.openxmlformats.org/drawingml/2006/main" xmlns:r="http://schemas.openxmlformats.org/officeDocument/2006/relationships" xmlns:p="http://schemas.openxmlformats.org/presentationml/2006/main">
+  <p:cSld>
+    <p:spTree>
+      <p:nvGrpSpPr>
+        <p:cNvPr id="1" name="">
+          <a:extLst>
+            <a:ext uri="{FF2B5EF4-FFF2-40B4-BE49-F238E27FC236}">
+              <a16:creationId xmlns:a16="http://schemas.microsoft.com/office/drawing/2014/main" id="{E5C90BD6-AC35-5E02-9555-612E20E3C65A}"/>
+            </a:ext>
+          </a:extLst>
+        </p:cNvPr>
+        <p:cNvGrpSpPr/>
+        <p:nvPr/>
+      </p:nvGrpSpPr>
+      <p:grpSpPr>
+        <a:xfrm>
+          <a:off x="0" y="0"/>
+          <a:ext cx="0" cy="0"/>
+          <a:chOff x="0" y="0"/>
+          <a:chExt cx="0" cy="0"/>
+        </a:xfrm>
+      </p:grpSpPr>
+      <p:pic>
+        <p:nvPicPr>
+          <p:cNvPr id="5" name="object 7">
+            <a:extLst>
+              <a:ext uri="{FF2B5EF4-FFF2-40B4-BE49-F238E27FC236}">
+                <a16:creationId xmlns:a16="http://schemas.microsoft.com/office/drawing/2014/main" id="{AC7EF1AB-689D-5F57-F1B6-901707A37CF2}"/>
+              </a:ext>
+            </a:extLst>
+          </p:cNvPr>
+          <p:cNvPicPr/>
+          <p:nvPr/>
+        </p:nvPicPr>
+        <p:blipFill>
+          <a:blip r:embed="rId2" cstate="print"/>
+          <a:stretch>
+            <a:fillRect/>
+          </a:stretch>
+        </p:blipFill>
+        <p:spPr>
+          <a:xfrm>
+            <a:off x="0" y="0"/>
+            <a:ext cx="20104099" cy="1361215"/>
+          </a:xfrm>
+          <a:prstGeom prst="rect">
+            <a:avLst/>
+          </a:prstGeom>
+        </p:spPr>
+      </p:pic>
+      <p:sp>
+        <p:nvSpPr>
+          <p:cNvPr id="6" name="object 8">
+            <a:extLst>
+              <a:ext uri="{FF2B5EF4-FFF2-40B4-BE49-F238E27FC236}">
+                <a16:creationId xmlns:a16="http://schemas.microsoft.com/office/drawing/2014/main" id="{28AEEBBA-DB5A-A8E2-4CF2-05F5424251AE}"/>
+              </a:ext>
+            </a:extLst>
+          </p:cNvPr>
+          <p:cNvSpPr txBox="1">
+            <a:spLocks noGrp="1"/>
+          </p:cNvSpPr>
+          <p:nvPr>
+            <p:ph type="title"/>
+          </p:nvPr>
+        </p:nvSpPr>
+        <p:spPr>
+          <a:xfrm>
+            <a:off x="858511" y="335457"/>
+            <a:ext cx="6831339" cy="671338"/>
+          </a:xfrm>
+          <a:prstGeom prst="rect">
+            <a:avLst/>
+          </a:prstGeom>
+        </p:spPr>
+        <p:txBody>
+          <a:bodyPr vert="horz" wrap="square" lIns="0" tIns="17145" rIns="0" bIns="0" rtlCol="0">
+            <a:spAutoFit/>
+          </a:bodyPr>
+          <a:lstStyle/>
+          <a:p>
+            <a:pPr algn="l" fontAlgn="base"/>
+            <a:r>
+              <a:rPr lang="en-US" b="1" dirty="0" err="1">
+                <a:latin typeface="-apple-system"/>
+              </a:rPr>
+              <a:t>JQuery</a:t>
+            </a:r>
+            <a:r>
+              <a:rPr lang="en-US" b="1" dirty="0">
+                <a:latin typeface="-apple-system"/>
+              </a:rPr>
+              <a:t> Traversing </a:t>
+            </a:r>
+            <a:endParaRPr lang="en-US" i="0" dirty="0">
+              <a:effectLst/>
+              <a:latin typeface="-apple-system"/>
+            </a:endParaRPr>
+          </a:p>
+        </p:txBody>
+      </p:sp>
+      <p:sp>
+        <p:nvSpPr>
+          <p:cNvPr id="8" name="TextBox 7">
+            <a:extLst>
+              <a:ext uri="{FF2B5EF4-FFF2-40B4-BE49-F238E27FC236}">
+                <a16:creationId xmlns:a16="http://schemas.microsoft.com/office/drawing/2014/main" id="{A40FA1E1-0219-91A1-6BFE-8530FCF0BE73}"/>
+              </a:ext>
+            </a:extLst>
+          </p:cNvPr>
+          <p:cNvSpPr txBox="1"/>
+          <p:nvPr/>
+        </p:nvSpPr>
+        <p:spPr>
+          <a:xfrm>
+            <a:off x="858511" y="2225675"/>
+            <a:ext cx="17526001" cy="3816429"/>
+          </a:xfrm>
+          <a:prstGeom prst="rect">
+            <a:avLst/>
+          </a:prstGeom>
+          <a:noFill/>
+        </p:spPr>
+        <p:txBody>
+          <a:bodyPr wrap="square">
+            <a:spAutoFit/>
+          </a:bodyPr>
+          <a:lstStyle/>
+          <a:p>
+            <a:pPr lvl="1" algn="just">
+              <a:lnSpc>
+                <a:spcPct val="200000"/>
+              </a:lnSpc>
+              <a:buClr>
+                <a:srgbClr val="FFC000"/>
+              </a:buClr>
+            </a:pPr>
+            <a:r>
+              <a:rPr lang="en-GB" sz="2800" b="1" dirty="0">
+                <a:solidFill>
+                  <a:schemeClr val="tx1">
+                    <a:lumMod val="85000"/>
+                    <a:lumOff val="15000"/>
+                  </a:schemeClr>
+                </a:solidFill>
+                <a:latin typeface="Verdana" panose="020B0604030504040204" pitchFamily="34" charset="0"/>
+                <a:ea typeface="Verdana" panose="020B0604030504040204" pitchFamily="34" charset="0"/>
+                <a:cs typeface="Verdana" panose="020B0604030504040204" pitchFamily="34" charset="0"/>
+              </a:rPr>
+              <a:t>Siblings</a:t>
+            </a:r>
+            <a:endParaRPr lang="en-GB" sz="2400" b="1" dirty="0">
+              <a:solidFill>
+                <a:schemeClr val="tx1">
+                  <a:lumMod val="85000"/>
+                  <a:lumOff val="15000"/>
+                </a:schemeClr>
+              </a:solidFill>
+              <a:latin typeface="Verdana" panose="020B0604030504040204" pitchFamily="34" charset="0"/>
+              <a:ea typeface="Verdana" panose="020B0604030504040204" pitchFamily="34" charset="0"/>
+              <a:cs typeface="Verdana" panose="020B0604030504040204" pitchFamily="34" charset="0"/>
+            </a:endParaRPr>
+          </a:p>
+          <a:p>
+            <a:pPr marL="457200" lvl="1" indent="-457200" algn="just">
+              <a:lnSpc>
+                <a:spcPct val="200000"/>
+              </a:lnSpc>
+              <a:buClr>
+                <a:srgbClr val="FFC000"/>
+              </a:buClr>
+              <a:buFont typeface="Wingdings" pitchFamily="2" charset="2"/>
+              <a:buChar char="Ø"/>
+            </a:pPr>
+            <a:r>
+              <a:rPr lang="en-GB" sz="2400" dirty="0">
+                <a:solidFill>
+                  <a:schemeClr val="tx1">
+                    <a:lumMod val="85000"/>
+                    <a:lumOff val="15000"/>
+                  </a:schemeClr>
+                </a:solidFill>
+                <a:latin typeface="Courier New" panose="02070309020205020404" pitchFamily="49" charset="0"/>
+                <a:ea typeface="Verdana" panose="020B0604030504040204" pitchFamily="34" charset="0"/>
+                <a:cs typeface="Courier New" panose="02070309020205020404" pitchFamily="49" charset="0"/>
+              </a:rPr>
+              <a:t>$(“selector”).siblings();</a:t>
+            </a:r>
+          </a:p>
+          <a:p>
+            <a:pPr marL="457200" lvl="1" indent="-457200" algn="just">
+              <a:lnSpc>
+                <a:spcPct val="200000"/>
+              </a:lnSpc>
+              <a:buClr>
+                <a:srgbClr val="FFC000"/>
+              </a:buClr>
+              <a:buFont typeface="Wingdings" pitchFamily="2" charset="2"/>
+              <a:buChar char="Ø"/>
+            </a:pPr>
+            <a:r>
+              <a:rPr lang="en-GB" sz="2400" dirty="0">
+                <a:solidFill>
+                  <a:schemeClr val="tx1">
+                    <a:lumMod val="85000"/>
+                    <a:lumOff val="15000"/>
+                  </a:schemeClr>
+                </a:solidFill>
+                <a:latin typeface="Courier New" panose="02070309020205020404" pitchFamily="49" charset="0"/>
+                <a:ea typeface="Verdana" panose="020B0604030504040204" pitchFamily="34" charset="0"/>
+                <a:cs typeface="Courier New" panose="02070309020205020404" pitchFamily="49" charset="0"/>
+              </a:rPr>
+              <a:t>$(“selector”).next();</a:t>
+            </a:r>
+          </a:p>
+          <a:p>
+            <a:pPr marL="457200" lvl="1" indent="-457200" algn="just">
+              <a:lnSpc>
+                <a:spcPct val="200000"/>
+              </a:lnSpc>
+              <a:buClr>
+                <a:srgbClr val="FFC000"/>
+              </a:buClr>
+              <a:buFont typeface="Wingdings" pitchFamily="2" charset="2"/>
+              <a:buChar char="Ø"/>
+            </a:pPr>
+            <a:r>
+              <a:rPr lang="en-GB" sz="2400" dirty="0">
+                <a:solidFill>
+                  <a:schemeClr val="tx1">
+                    <a:lumMod val="85000"/>
+                    <a:lumOff val="15000"/>
+                  </a:schemeClr>
+                </a:solidFill>
+                <a:latin typeface="Courier New" panose="02070309020205020404" pitchFamily="49" charset="0"/>
+                <a:ea typeface="Verdana" panose="020B0604030504040204" pitchFamily="34" charset="0"/>
+                <a:cs typeface="Courier New" panose="02070309020205020404" pitchFamily="49" charset="0"/>
+              </a:rPr>
+              <a:t>$(“selector”).</a:t>
+            </a:r>
+            <a:r>
+              <a:rPr lang="en-GB" sz="2400" dirty="0" err="1">
+                <a:solidFill>
+                  <a:schemeClr val="tx1">
+                    <a:lumMod val="85000"/>
+                    <a:lumOff val="15000"/>
+                  </a:schemeClr>
+                </a:solidFill>
+                <a:latin typeface="Courier New" panose="02070309020205020404" pitchFamily="49" charset="0"/>
+                <a:ea typeface="Verdana" panose="020B0604030504040204" pitchFamily="34" charset="0"/>
+                <a:cs typeface="Courier New" panose="02070309020205020404" pitchFamily="49" charset="0"/>
+              </a:rPr>
+              <a:t>nextAll</a:t>
+            </a:r>
+            <a:r>
+              <a:rPr lang="en-GB" sz="2400" dirty="0">
+                <a:solidFill>
+                  <a:schemeClr val="tx1">
+                    <a:lumMod val="85000"/>
+                    <a:lumOff val="15000"/>
+                  </a:schemeClr>
+                </a:solidFill>
+                <a:latin typeface="Courier New" panose="02070309020205020404" pitchFamily="49" charset="0"/>
+                <a:ea typeface="Verdana" panose="020B0604030504040204" pitchFamily="34" charset="0"/>
+                <a:cs typeface="Courier New" panose="02070309020205020404" pitchFamily="49" charset="0"/>
+              </a:rPr>
+              <a:t>();</a:t>
+            </a:r>
+          </a:p>
+          <a:p>
+            <a:pPr marL="457200" lvl="1" indent="-457200" algn="just">
+              <a:lnSpc>
+                <a:spcPct val="200000"/>
+              </a:lnSpc>
+              <a:buClr>
+                <a:srgbClr val="FFC000"/>
+              </a:buClr>
+              <a:buFont typeface="Wingdings" pitchFamily="2" charset="2"/>
+              <a:buChar char="Ø"/>
+            </a:pPr>
+            <a:r>
+              <a:rPr lang="en-GB" sz="2400" dirty="0">
+                <a:solidFill>
+                  <a:schemeClr val="tx1">
+                    <a:lumMod val="85000"/>
+                    <a:lumOff val="15000"/>
+                  </a:schemeClr>
+                </a:solidFill>
+                <a:latin typeface="Courier New" panose="02070309020205020404" pitchFamily="49" charset="0"/>
+                <a:ea typeface="Verdana" panose="020B0604030504040204" pitchFamily="34" charset="0"/>
+                <a:cs typeface="Courier New" panose="02070309020205020404" pitchFamily="49" charset="0"/>
+              </a:rPr>
+              <a:t>$(“selector”).</a:t>
+            </a:r>
+            <a:r>
+              <a:rPr lang="en-GB" sz="2400" dirty="0" err="1">
+                <a:solidFill>
+                  <a:schemeClr val="tx1">
+                    <a:lumMod val="85000"/>
+                    <a:lumOff val="15000"/>
+                  </a:schemeClr>
+                </a:solidFill>
+                <a:latin typeface="Courier New" panose="02070309020205020404" pitchFamily="49" charset="0"/>
+                <a:ea typeface="Verdana" panose="020B0604030504040204" pitchFamily="34" charset="0"/>
+                <a:cs typeface="Courier New" panose="02070309020205020404" pitchFamily="49" charset="0"/>
+              </a:rPr>
+              <a:t>nextUntill</a:t>
+            </a:r>
+            <a:r>
+              <a:rPr lang="en-GB" sz="2400" dirty="0">
+                <a:solidFill>
+                  <a:schemeClr val="tx1">
+                    <a:lumMod val="85000"/>
+                    <a:lumOff val="15000"/>
+                  </a:schemeClr>
+                </a:solidFill>
+                <a:latin typeface="Courier New" panose="02070309020205020404" pitchFamily="49" charset="0"/>
+                <a:ea typeface="Verdana" panose="020B0604030504040204" pitchFamily="34" charset="0"/>
+                <a:cs typeface="Courier New" panose="02070309020205020404" pitchFamily="49" charset="0"/>
+              </a:rPr>
+              <a:t>();</a:t>
+            </a:r>
+          </a:p>
+        </p:txBody>
+      </p:sp>
+      <p:sp>
+        <p:nvSpPr>
+          <p:cNvPr id="3" name="TextBox 2">
+            <a:extLst>
+              <a:ext uri="{FF2B5EF4-FFF2-40B4-BE49-F238E27FC236}">
+                <a16:creationId xmlns:a16="http://schemas.microsoft.com/office/drawing/2014/main" id="{30339D74-7037-FB72-4694-9C2B503E2C83}"/>
+              </a:ext>
+            </a:extLst>
+          </p:cNvPr>
+          <p:cNvSpPr txBox="1"/>
+          <p:nvPr/>
+        </p:nvSpPr>
+        <p:spPr>
+          <a:xfrm>
+            <a:off x="858510" y="6492875"/>
+            <a:ext cx="17526001" cy="3816429"/>
+          </a:xfrm>
+          <a:prstGeom prst="rect">
+            <a:avLst/>
+          </a:prstGeom>
+          <a:noFill/>
+        </p:spPr>
+        <p:txBody>
+          <a:bodyPr wrap="square">
+            <a:spAutoFit/>
+          </a:bodyPr>
+          <a:lstStyle/>
+          <a:p>
+            <a:pPr lvl="1" algn="just">
+              <a:lnSpc>
+                <a:spcPct val="200000"/>
+              </a:lnSpc>
+              <a:buClr>
+                <a:srgbClr val="FFC000"/>
+              </a:buClr>
+            </a:pPr>
+            <a:r>
+              <a:rPr lang="en-GB" sz="2800" b="1" dirty="0">
+                <a:solidFill>
+                  <a:schemeClr val="tx1">
+                    <a:lumMod val="85000"/>
+                    <a:lumOff val="15000"/>
+                  </a:schemeClr>
+                </a:solidFill>
+                <a:latin typeface="Verdana" panose="020B0604030504040204" pitchFamily="34" charset="0"/>
+                <a:ea typeface="Verdana" panose="020B0604030504040204" pitchFamily="34" charset="0"/>
+                <a:cs typeface="Verdana" panose="020B0604030504040204" pitchFamily="34" charset="0"/>
+              </a:rPr>
+              <a:t>Filtering</a:t>
+            </a:r>
+            <a:endParaRPr lang="en-GB" sz="2400" b="1" dirty="0">
+              <a:solidFill>
+                <a:schemeClr val="tx1">
+                  <a:lumMod val="85000"/>
+                  <a:lumOff val="15000"/>
+                </a:schemeClr>
+              </a:solidFill>
+              <a:latin typeface="Verdana" panose="020B0604030504040204" pitchFamily="34" charset="0"/>
+              <a:ea typeface="Verdana" panose="020B0604030504040204" pitchFamily="34" charset="0"/>
+              <a:cs typeface="Verdana" panose="020B0604030504040204" pitchFamily="34" charset="0"/>
+            </a:endParaRPr>
+          </a:p>
+          <a:p>
+            <a:pPr marL="457200" lvl="1" indent="-457200" algn="just">
+              <a:lnSpc>
+                <a:spcPct val="200000"/>
+              </a:lnSpc>
+              <a:buClr>
+                <a:srgbClr val="FFC000"/>
+              </a:buClr>
+              <a:buFont typeface="Wingdings" pitchFamily="2" charset="2"/>
+              <a:buChar char="Ø"/>
+            </a:pPr>
+            <a:r>
+              <a:rPr lang="en-GB" sz="2400" dirty="0">
+                <a:solidFill>
+                  <a:schemeClr val="tx1">
+                    <a:lumMod val="85000"/>
+                    <a:lumOff val="15000"/>
+                  </a:schemeClr>
+                </a:solidFill>
+                <a:latin typeface="Courier New" panose="02070309020205020404" pitchFamily="49" charset="0"/>
+                <a:ea typeface="Verdana" panose="020B0604030504040204" pitchFamily="34" charset="0"/>
+                <a:cs typeface="Courier New" panose="02070309020205020404" pitchFamily="49" charset="0"/>
+              </a:rPr>
+              <a:t>$(“selector”).first();</a:t>
+            </a:r>
+          </a:p>
+          <a:p>
+            <a:pPr marL="457200" lvl="1" indent="-457200" algn="just">
+              <a:lnSpc>
+                <a:spcPct val="200000"/>
+              </a:lnSpc>
+              <a:buClr>
+                <a:srgbClr val="FFC000"/>
+              </a:buClr>
+              <a:buFont typeface="Wingdings" pitchFamily="2" charset="2"/>
+              <a:buChar char="Ø"/>
+            </a:pPr>
+            <a:r>
+              <a:rPr lang="en-GB" sz="2400" dirty="0">
+                <a:solidFill>
+                  <a:schemeClr val="tx1">
+                    <a:lumMod val="85000"/>
+                    <a:lumOff val="15000"/>
+                  </a:schemeClr>
+                </a:solidFill>
+                <a:latin typeface="Courier New" panose="02070309020205020404" pitchFamily="49" charset="0"/>
+                <a:ea typeface="Verdana" panose="020B0604030504040204" pitchFamily="34" charset="0"/>
+                <a:cs typeface="Courier New" panose="02070309020205020404" pitchFamily="49" charset="0"/>
+              </a:rPr>
+              <a:t>$(“selector”).last();</a:t>
+            </a:r>
+          </a:p>
+          <a:p>
+            <a:pPr marL="457200" lvl="1" indent="-457200" algn="just">
+              <a:lnSpc>
+                <a:spcPct val="200000"/>
+              </a:lnSpc>
+              <a:buClr>
+                <a:srgbClr val="FFC000"/>
+              </a:buClr>
+              <a:buFont typeface="Wingdings" pitchFamily="2" charset="2"/>
+              <a:buChar char="Ø"/>
+            </a:pPr>
+            <a:r>
+              <a:rPr lang="en-GB" sz="2400" dirty="0">
+                <a:solidFill>
+                  <a:schemeClr val="tx1">
+                    <a:lumMod val="85000"/>
+                    <a:lumOff val="15000"/>
+                  </a:schemeClr>
+                </a:solidFill>
+                <a:latin typeface="Courier New" panose="02070309020205020404" pitchFamily="49" charset="0"/>
+                <a:ea typeface="Verdana" panose="020B0604030504040204" pitchFamily="34" charset="0"/>
+                <a:cs typeface="Courier New" panose="02070309020205020404" pitchFamily="49" charset="0"/>
+              </a:rPr>
+              <a:t>$(“selector”).filter();</a:t>
+            </a:r>
+          </a:p>
+          <a:p>
+            <a:pPr marL="457200" lvl="1" indent="-457200" algn="just">
+              <a:lnSpc>
+                <a:spcPct val="200000"/>
+              </a:lnSpc>
+              <a:buClr>
+                <a:srgbClr val="FFC000"/>
+              </a:buClr>
+              <a:buFont typeface="Wingdings" pitchFamily="2" charset="2"/>
+              <a:buChar char="Ø"/>
+            </a:pPr>
+            <a:r>
+              <a:rPr lang="en-GB" sz="2400" dirty="0">
+                <a:solidFill>
+                  <a:schemeClr val="tx1">
+                    <a:lumMod val="85000"/>
+                    <a:lumOff val="15000"/>
+                  </a:schemeClr>
+                </a:solidFill>
+                <a:latin typeface="Courier New" panose="02070309020205020404" pitchFamily="49" charset="0"/>
+                <a:ea typeface="Verdana" panose="020B0604030504040204" pitchFamily="34" charset="0"/>
+                <a:cs typeface="Courier New" panose="02070309020205020404" pitchFamily="49" charset="0"/>
+              </a:rPr>
+              <a:t>$(“selector”).not();</a:t>
+            </a:r>
+          </a:p>
+        </p:txBody>
+      </p:sp>
+    </p:spTree>
+    <p:extLst>
+      <p:ext uri="{BB962C8B-B14F-4D97-AF65-F5344CB8AC3E}">
+        <p14:creationId xmlns:p14="http://schemas.microsoft.com/office/powerpoint/2010/main" val="2481895643"/>
+      </p:ext>
+    </p:extLst>
+  </p:cSld>
+  <p:clrMapOvr>
+    <a:masterClrMapping/>
+  </p:clrMapOvr>
+</p:sld>
+</file>
+
+<file path=ppt/slides/slide42.xml><?xml version="1.0" encoding="utf-8"?>
+<p:sld xmlns:a="http://schemas.openxmlformats.org/drawingml/2006/main" xmlns:r="http://schemas.openxmlformats.org/officeDocument/2006/relationships" xmlns:p="http://schemas.openxmlformats.org/presentationml/2006/main">
+  <p:cSld>
+    <p:spTree>
+      <p:nvGrpSpPr>
+        <p:cNvPr id="1" name="">
+          <a:extLst>
+            <a:ext uri="{FF2B5EF4-FFF2-40B4-BE49-F238E27FC236}">
               <a16:creationId xmlns:a16="http://schemas.microsoft.com/office/drawing/2014/main" id="{E2806592-1C90-9155-DDEE-410D7A76C6E5}"/>
             </a:ext>
           </a:extLst>
@@ -26483,7 +27412,7 @@
 </p:sld>
 </file>
 
-<file path=ppt/slides/slide41.xml><?xml version="1.0" encoding="utf-8"?>
+<file path=ppt/slides/slide43.xml><?xml version="1.0" encoding="utf-8"?>
 <p:sld xmlns:a="http://schemas.openxmlformats.org/drawingml/2006/main" xmlns:r="http://schemas.openxmlformats.org/officeDocument/2006/relationships" xmlns:p="http://schemas.openxmlformats.org/presentationml/2006/main">
   <p:cSld>
     <p:spTree>
@@ -26991,7 +27920,7 @@
 </p:sld>
 </file>
 
-<file path=ppt/slides/slide42.xml><?xml version="1.0" encoding="utf-8"?>
+<file path=ppt/slides/slide44.xml><?xml version="1.0" encoding="utf-8"?>
 <p:sld xmlns:a="http://schemas.openxmlformats.org/drawingml/2006/main" xmlns:r="http://schemas.openxmlformats.org/officeDocument/2006/relationships" xmlns:p="http://schemas.openxmlformats.org/presentationml/2006/main">
   <p:cSld>
     <p:spTree>
@@ -27556,7 +28485,7 @@
 </p:sld>
 </file>
 
-<file path=ppt/slides/slide43.xml><?xml version="1.0" encoding="utf-8"?>
+<file path=ppt/slides/slide45.xml><?xml version="1.0" encoding="utf-8"?>
 <p:sld xmlns:a="http://schemas.openxmlformats.org/drawingml/2006/main" xmlns:r="http://schemas.openxmlformats.org/officeDocument/2006/relationships" xmlns:p="http://schemas.openxmlformats.org/presentationml/2006/main">
   <p:cSld>
     <p:spTree>
@@ -27981,7 +28910,7 @@
 </p:sld>
 </file>
 
-<file path=ppt/slides/slide44.xml><?xml version="1.0" encoding="utf-8"?>
+<file path=ppt/slides/slide46.xml><?xml version="1.0" encoding="utf-8"?>
 <p:sld xmlns:a="http://schemas.openxmlformats.org/drawingml/2006/main" xmlns:r="http://schemas.openxmlformats.org/officeDocument/2006/relationships" xmlns:p="http://schemas.openxmlformats.org/presentationml/2006/main">
   <p:cSld>
     <p:spTree>
@@ -28406,7 +29335,7 @@
 </p:sld>
 </file>
 
-<file path=ppt/slides/slide45.xml><?xml version="1.0" encoding="utf-8"?>
+<file path=ppt/slides/slide47.xml><?xml version="1.0" encoding="utf-8"?>
 <p:sld xmlns:a="http://schemas.openxmlformats.org/drawingml/2006/main" xmlns:r="http://schemas.openxmlformats.org/officeDocument/2006/relationships" xmlns:p="http://schemas.openxmlformats.org/presentationml/2006/main">
   <p:cSld>
     <p:spTree>
@@ -28650,7 +29579,7 @@
 </p:sld>
 </file>
 
-<file path=ppt/slides/slide46.xml><?xml version="1.0" encoding="utf-8"?>
+<file path=ppt/slides/slide48.xml><?xml version="1.0" encoding="utf-8"?>
 <p:sld xmlns:a="http://schemas.openxmlformats.org/drawingml/2006/main" xmlns:r="http://schemas.openxmlformats.org/officeDocument/2006/relationships" xmlns:p="http://schemas.openxmlformats.org/presentationml/2006/main">
   <p:cSld>
     <p:spTree>
@@ -29330,7 +30259,7 @@
 </p:sld>
 </file>
 
-<file path=ppt/slides/slide47.xml><?xml version="1.0" encoding="utf-8"?>
+<file path=ppt/slides/slide49.xml><?xml version="1.0" encoding="utf-8"?>
 <p:sld xmlns:a="http://schemas.openxmlformats.org/drawingml/2006/main" xmlns:r="http://schemas.openxmlformats.org/officeDocument/2006/relationships" xmlns:p="http://schemas.openxmlformats.org/presentationml/2006/main">
   <p:cSld>
     <p:spTree>
@@ -29479,490 +30408,6 @@
     <p:extLst>
       <p:ext uri="{BB962C8B-B14F-4D97-AF65-F5344CB8AC3E}">
         <p14:creationId xmlns:p14="http://schemas.microsoft.com/office/powerpoint/2010/main" val="2617032036"/>
-      </p:ext>
-    </p:extLst>
-  </p:cSld>
-  <p:clrMapOvr>
-    <a:masterClrMapping/>
-  </p:clrMapOvr>
-</p:sld>
-</file>
-
-<file path=ppt/slides/slide48.xml><?xml version="1.0" encoding="utf-8"?>
-<p:sld xmlns:a="http://schemas.openxmlformats.org/drawingml/2006/main" xmlns:r="http://schemas.openxmlformats.org/officeDocument/2006/relationships" xmlns:p="http://schemas.openxmlformats.org/presentationml/2006/main">
-  <p:cSld>
-    <p:spTree>
-      <p:nvGrpSpPr>
-        <p:cNvPr id="1" name="">
-          <a:extLst>
-            <a:ext uri="{FF2B5EF4-FFF2-40B4-BE49-F238E27FC236}">
-              <a16:creationId xmlns:a16="http://schemas.microsoft.com/office/drawing/2014/main" id="{EC6CB8B1-38DA-D274-C18E-1815F5231C46}"/>
-            </a:ext>
-          </a:extLst>
-        </p:cNvPr>
-        <p:cNvGrpSpPr/>
-        <p:nvPr/>
-      </p:nvGrpSpPr>
-      <p:grpSpPr>
-        <a:xfrm>
-          <a:off x="0" y="0"/>
-          <a:ext cx="0" cy="0"/>
-          <a:chOff x="0" y="0"/>
-          <a:chExt cx="0" cy="0"/>
-        </a:xfrm>
-      </p:grpSpPr>
-      <p:pic>
-        <p:nvPicPr>
-          <p:cNvPr id="3" name="object 3">
-            <a:extLst>
-              <a:ext uri="{FF2B5EF4-FFF2-40B4-BE49-F238E27FC236}">
-                <a16:creationId xmlns:a16="http://schemas.microsoft.com/office/drawing/2014/main" id="{4BB4300F-DA38-4F48-C915-A16E9351727A}"/>
-              </a:ext>
-            </a:extLst>
-          </p:cNvPr>
-          <p:cNvPicPr/>
-          <p:nvPr/>
-        </p:nvPicPr>
-        <p:blipFill>
-          <a:blip r:embed="rId2" cstate="print"/>
-          <a:stretch>
-            <a:fillRect/>
-          </a:stretch>
-        </p:blipFill>
-        <p:spPr>
-          <a:xfrm>
-            <a:off x="9505237" y="418835"/>
-            <a:ext cx="10180027" cy="10470885"/>
-          </a:xfrm>
-          <a:prstGeom prst="rect">
-            <a:avLst/>
-          </a:prstGeom>
-        </p:spPr>
-      </p:pic>
-      <p:sp>
-        <p:nvSpPr>
-          <p:cNvPr id="4" name="object 4">
-            <a:extLst>
-              <a:ext uri="{FF2B5EF4-FFF2-40B4-BE49-F238E27FC236}">
-                <a16:creationId xmlns:a16="http://schemas.microsoft.com/office/drawing/2014/main" id="{F042A885-39F3-94A9-079A-C01D4C8C73D1}"/>
-              </a:ext>
-            </a:extLst>
-          </p:cNvPr>
-          <p:cNvSpPr txBox="1">
-            <a:spLocks noGrp="1"/>
-          </p:cNvSpPr>
-          <p:nvPr>
-            <p:ph type="title"/>
-          </p:nvPr>
-        </p:nvSpPr>
-        <p:spPr>
-          <a:xfrm>
-            <a:off x="11327635" y="2853306"/>
-            <a:ext cx="2282825" cy="654050"/>
-          </a:xfrm>
-          <a:prstGeom prst="rect">
-            <a:avLst/>
-          </a:prstGeom>
-        </p:spPr>
-        <p:txBody>
-          <a:bodyPr vert="horz" wrap="square" lIns="0" tIns="15240" rIns="0" bIns="0" rtlCol="0">
-            <a:spAutoFit/>
-          </a:bodyPr>
-          <a:lstStyle/>
-          <a:p>
-            <a:pPr marL="12700">
-              <a:lnSpc>
-                <a:spcPct val="100000"/>
-              </a:lnSpc>
-              <a:spcBef>
-                <a:spcPts val="120"/>
-              </a:spcBef>
-            </a:pPr>
-            <a:r>
-              <a:rPr sz="4100" spc="-420" dirty="0">
-                <a:solidFill>
-                  <a:srgbClr val="444444"/>
-                </a:solidFill>
-                <a:latin typeface="Arial Black"/>
-                <a:cs typeface="Arial Black"/>
-              </a:rPr>
-              <a:t>SECTION</a:t>
-            </a:r>
-            <a:endParaRPr sz="4100" dirty="0">
-              <a:latin typeface="Arial Black"/>
-              <a:cs typeface="Arial Black"/>
-            </a:endParaRPr>
-          </a:p>
-        </p:txBody>
-      </p:sp>
-      <p:sp>
-        <p:nvSpPr>
-          <p:cNvPr id="5" name="object 5">
-            <a:extLst>
-              <a:ext uri="{FF2B5EF4-FFF2-40B4-BE49-F238E27FC236}">
-                <a16:creationId xmlns:a16="http://schemas.microsoft.com/office/drawing/2014/main" id="{0D87B2E3-CC7B-F5B9-7ECF-42F9D716F7B4}"/>
-              </a:ext>
-            </a:extLst>
-          </p:cNvPr>
-          <p:cNvSpPr txBox="1"/>
-          <p:nvPr/>
-        </p:nvSpPr>
-        <p:spPr>
-          <a:xfrm>
-            <a:off x="11327635" y="3659662"/>
-            <a:ext cx="6649215" cy="545021"/>
-          </a:xfrm>
-          <a:prstGeom prst="rect">
-            <a:avLst/>
-          </a:prstGeom>
-        </p:spPr>
-        <p:txBody>
-          <a:bodyPr vert="horz" wrap="square" lIns="0" tIns="13970" rIns="0" bIns="0" rtlCol="0">
-            <a:spAutoFit/>
-          </a:bodyPr>
-          <a:lstStyle/>
-          <a:p>
-            <a:pPr marL="12700">
-              <a:lnSpc>
-                <a:spcPct val="100000"/>
-              </a:lnSpc>
-              <a:spcBef>
-                <a:spcPts val="110"/>
-              </a:spcBef>
-            </a:pPr>
-            <a:r>
-              <a:rPr lang="en-US" sz="3450" spc="-20" dirty="0">
-                <a:solidFill>
-                  <a:srgbClr val="444444"/>
-                </a:solidFill>
-                <a:latin typeface="Arial"/>
-                <a:cs typeface="Arial"/>
-              </a:rPr>
-              <a:t>JS FUNDAMENTALS</a:t>
-            </a:r>
-            <a:endParaRPr lang="en-US" sz="3450" dirty="0">
-              <a:latin typeface="Arial"/>
-              <a:cs typeface="Arial"/>
-            </a:endParaRPr>
-          </a:p>
-        </p:txBody>
-      </p:sp>
-      <p:sp>
-        <p:nvSpPr>
-          <p:cNvPr id="6" name="object 6">
-            <a:extLst>
-              <a:ext uri="{FF2B5EF4-FFF2-40B4-BE49-F238E27FC236}">
-                <a16:creationId xmlns:a16="http://schemas.microsoft.com/office/drawing/2014/main" id="{244D9DE0-CCBE-8160-0303-721F28748E9F}"/>
-              </a:ext>
-            </a:extLst>
-          </p:cNvPr>
-          <p:cNvSpPr txBox="1"/>
-          <p:nvPr/>
-        </p:nvSpPr>
-        <p:spPr>
-          <a:xfrm>
-            <a:off x="11327634" y="6170021"/>
-            <a:ext cx="7411216" cy="1570302"/>
-          </a:xfrm>
-          <a:prstGeom prst="rect">
-            <a:avLst/>
-          </a:prstGeom>
-        </p:spPr>
-        <p:txBody>
-          <a:bodyPr vert="horz" wrap="square" lIns="0" tIns="226695" rIns="0" bIns="0" rtlCol="0">
-            <a:spAutoFit/>
-          </a:bodyPr>
-          <a:lstStyle/>
-          <a:p>
-            <a:pPr marL="12700">
-              <a:lnSpc>
-                <a:spcPct val="100000"/>
-              </a:lnSpc>
-              <a:spcBef>
-                <a:spcPts val="1785"/>
-              </a:spcBef>
-            </a:pPr>
-            <a:r>
-              <a:rPr sz="4100" spc="-465" dirty="0">
-                <a:solidFill>
-                  <a:srgbClr val="444444"/>
-                </a:solidFill>
-                <a:latin typeface="Arial Black"/>
-                <a:cs typeface="Arial Black"/>
-              </a:rPr>
-              <a:t>LECTURE</a:t>
-            </a:r>
-            <a:endParaRPr sz="4100" dirty="0">
-              <a:latin typeface="Arial Black"/>
-              <a:cs typeface="Arial Black"/>
-            </a:endParaRPr>
-          </a:p>
-          <a:p>
-            <a:pPr marL="12700">
-              <a:lnSpc>
-                <a:spcPct val="100000"/>
-              </a:lnSpc>
-              <a:spcBef>
-                <a:spcPts val="1420"/>
-              </a:spcBef>
-            </a:pPr>
-            <a:r>
-              <a:rPr lang="en-US" sz="3450" dirty="0">
-                <a:solidFill>
-                  <a:srgbClr val="444444"/>
-                </a:solidFill>
-                <a:latin typeface="Arial"/>
-                <a:cs typeface="Arial"/>
-              </a:rPr>
-              <a:t>OOPS..</a:t>
-            </a:r>
-          </a:p>
-        </p:txBody>
-      </p:sp>
-    </p:spTree>
-    <p:extLst>
-      <p:ext uri="{BB962C8B-B14F-4D97-AF65-F5344CB8AC3E}">
-        <p14:creationId xmlns:p14="http://schemas.microsoft.com/office/powerpoint/2010/main" val="547647185"/>
-      </p:ext>
-    </p:extLst>
-  </p:cSld>
-  <p:clrMapOvr>
-    <a:masterClrMapping/>
-  </p:clrMapOvr>
-</p:sld>
-</file>
-
-<file path=ppt/slides/slide49.xml><?xml version="1.0" encoding="utf-8"?>
-<p:sld xmlns:a="http://schemas.openxmlformats.org/drawingml/2006/main" xmlns:r="http://schemas.openxmlformats.org/officeDocument/2006/relationships" xmlns:p="http://schemas.openxmlformats.org/presentationml/2006/main">
-  <p:cSld>
-    <p:spTree>
-      <p:nvGrpSpPr>
-        <p:cNvPr id="1" name="">
-          <a:extLst>
-            <a:ext uri="{FF2B5EF4-FFF2-40B4-BE49-F238E27FC236}">
-              <a16:creationId xmlns:a16="http://schemas.microsoft.com/office/drawing/2014/main" id="{3D68ADDD-9B2D-7EC1-1F5A-F547AAACDD0A}"/>
-            </a:ext>
-          </a:extLst>
-        </p:cNvPr>
-        <p:cNvGrpSpPr/>
-        <p:nvPr/>
-      </p:nvGrpSpPr>
-      <p:grpSpPr>
-        <a:xfrm>
-          <a:off x="0" y="0"/>
-          <a:ext cx="0" cy="0"/>
-          <a:chOff x="0" y="0"/>
-          <a:chExt cx="0" cy="0"/>
-        </a:xfrm>
-      </p:grpSpPr>
-      <p:sp>
-        <p:nvSpPr>
-          <p:cNvPr id="2" name="Title 1">
-            <a:extLst>
-              <a:ext uri="{FF2B5EF4-FFF2-40B4-BE49-F238E27FC236}">
-                <a16:creationId xmlns:a16="http://schemas.microsoft.com/office/drawing/2014/main" id="{C4FEB9F6-B1CC-48A7-50C6-35F46FC1290F}"/>
-              </a:ext>
-            </a:extLst>
-          </p:cNvPr>
-          <p:cNvSpPr>
-            <a:spLocks noGrp="1"/>
-          </p:cNvSpPr>
-          <p:nvPr>
-            <p:ph type="title"/>
-          </p:nvPr>
-        </p:nvSpPr>
-        <p:spPr/>
-        <p:txBody>
-          <a:bodyPr/>
-          <a:lstStyle/>
-          <a:p>
-            <a:endParaRPr lang="en-BR"/>
-          </a:p>
-        </p:txBody>
-      </p:sp>
-      <p:pic>
-        <p:nvPicPr>
-          <p:cNvPr id="5" name="object 7">
-            <a:extLst>
-              <a:ext uri="{FF2B5EF4-FFF2-40B4-BE49-F238E27FC236}">
-                <a16:creationId xmlns:a16="http://schemas.microsoft.com/office/drawing/2014/main" id="{0B88EAC4-2B91-9899-A55B-CEC783FB564A}"/>
-              </a:ext>
-            </a:extLst>
-          </p:cNvPr>
-          <p:cNvPicPr/>
-          <p:nvPr/>
-        </p:nvPicPr>
-        <p:blipFill>
-          <a:blip r:embed="rId2" cstate="print"/>
-          <a:stretch>
-            <a:fillRect/>
-          </a:stretch>
-        </p:blipFill>
-        <p:spPr>
-          <a:xfrm>
-            <a:off x="0" y="0"/>
-            <a:ext cx="20104099" cy="1361215"/>
-          </a:xfrm>
-          <a:prstGeom prst="rect">
-            <a:avLst/>
-          </a:prstGeom>
-        </p:spPr>
-      </p:pic>
-      <p:sp>
-        <p:nvSpPr>
-          <p:cNvPr id="17" name="TextBox 16">
-            <a:extLst>
-              <a:ext uri="{FF2B5EF4-FFF2-40B4-BE49-F238E27FC236}">
-                <a16:creationId xmlns:a16="http://schemas.microsoft.com/office/drawing/2014/main" id="{014EC99B-9FBD-BBE5-51E7-7A7D02985425}"/>
-              </a:ext>
-            </a:extLst>
-          </p:cNvPr>
-          <p:cNvSpPr txBox="1"/>
-          <p:nvPr/>
-        </p:nvSpPr>
-        <p:spPr>
-          <a:xfrm>
-            <a:off x="-6139543" y="-2416629"/>
-            <a:ext cx="184731" cy="369332"/>
-          </a:xfrm>
-          <a:prstGeom prst="rect">
-            <a:avLst/>
-          </a:prstGeom>
-          <a:noFill/>
-        </p:spPr>
-        <p:txBody>
-          <a:bodyPr wrap="none" rtlCol="0">
-            <a:spAutoFit/>
-          </a:bodyPr>
-          <a:lstStyle/>
-          <a:p>
-            <a:endParaRPr lang="en-BR"/>
-          </a:p>
-        </p:txBody>
-      </p:sp>
-      <p:sp>
-        <p:nvSpPr>
-          <p:cNvPr id="3" name="TextBox 2">
-            <a:extLst>
-              <a:ext uri="{FF2B5EF4-FFF2-40B4-BE49-F238E27FC236}">
-                <a16:creationId xmlns:a16="http://schemas.microsoft.com/office/drawing/2014/main" id="{F4718D65-98B3-CA1F-F6E6-FD6A0600BED9}"/>
-              </a:ext>
-            </a:extLst>
-          </p:cNvPr>
-          <p:cNvSpPr txBox="1"/>
-          <p:nvPr/>
-        </p:nvSpPr>
-        <p:spPr>
-          <a:xfrm>
-            <a:off x="846718" y="2127122"/>
-            <a:ext cx="17892132" cy="710131"/>
-          </a:xfrm>
-          <a:prstGeom prst="rect">
-            <a:avLst/>
-          </a:prstGeom>
-          <a:noFill/>
-        </p:spPr>
-        <p:txBody>
-          <a:bodyPr wrap="square">
-            <a:spAutoFit/>
-          </a:bodyPr>
-          <a:lstStyle/>
-          <a:p>
-            <a:pPr marL="457200" lvl="1" indent="-457200" algn="just">
-              <a:lnSpc>
-                <a:spcPct val="200000"/>
-              </a:lnSpc>
-              <a:buClr>
-                <a:srgbClr val="FFC000"/>
-              </a:buClr>
-              <a:buFont typeface="Wingdings" pitchFamily="2" charset="2"/>
-              <a:buChar char="Ø"/>
-            </a:pPr>
-            <a:r>
-              <a:rPr lang="en-GB" sz="2400" b="1">
-                <a:solidFill>
-                  <a:schemeClr val="tx1">
-                    <a:lumMod val="85000"/>
-                    <a:lumOff val="15000"/>
-                  </a:schemeClr>
-                </a:solidFill>
-                <a:latin typeface="Verdana" panose="020B0604030504040204" pitchFamily="34" charset="0"/>
-                <a:ea typeface="Verdana" panose="020B0604030504040204" pitchFamily="34" charset="0"/>
-                <a:cs typeface="Verdana" panose="020B0604030504040204" pitchFamily="34" charset="0"/>
-              </a:rPr>
-              <a:t>OOPS</a:t>
-            </a:r>
-            <a:endParaRPr lang="en-GB" sz="2400" dirty="0">
-              <a:solidFill>
-                <a:schemeClr val="tx1">
-                  <a:lumMod val="85000"/>
-                  <a:lumOff val="15000"/>
-                </a:schemeClr>
-              </a:solidFill>
-              <a:latin typeface="Verdana" panose="020B0604030504040204" pitchFamily="34" charset="0"/>
-              <a:ea typeface="Verdana" panose="020B0604030504040204" pitchFamily="34" charset="0"/>
-              <a:cs typeface="Verdana" panose="020B0604030504040204" pitchFamily="34" charset="0"/>
-            </a:endParaRPr>
-          </a:p>
-        </p:txBody>
-      </p:sp>
-      <p:sp>
-        <p:nvSpPr>
-          <p:cNvPr id="4" name="object 8">
-            <a:extLst>
-              <a:ext uri="{FF2B5EF4-FFF2-40B4-BE49-F238E27FC236}">
-                <a16:creationId xmlns:a16="http://schemas.microsoft.com/office/drawing/2014/main" id="{38C00077-739B-6086-1917-4FAD23E54FE0}"/>
-              </a:ext>
-            </a:extLst>
-          </p:cNvPr>
-          <p:cNvSpPr txBox="1">
-            <a:spLocks/>
-          </p:cNvSpPr>
-          <p:nvPr/>
-        </p:nvSpPr>
-        <p:spPr>
-          <a:xfrm>
-            <a:off x="858511" y="335457"/>
-            <a:ext cx="7364739" cy="671338"/>
-          </a:xfrm>
-          <a:prstGeom prst="rect">
-            <a:avLst/>
-          </a:prstGeom>
-        </p:spPr>
-        <p:txBody>
-          <a:bodyPr vert="horz" wrap="square" lIns="0" tIns="17145" rIns="0" bIns="0" rtlCol="0">
-            <a:spAutoFit/>
-          </a:bodyPr>
-          <a:lstStyle>
-            <a:lvl1pPr>
-              <a:defRPr sz="4250" b="0" i="0">
-                <a:solidFill>
-                  <a:srgbClr val="3E3E3E"/>
-                </a:solidFill>
-                <a:latin typeface="Arial"/>
-                <a:ea typeface="+mj-ea"/>
-                <a:cs typeface="Arial"/>
-              </a:defRPr>
-            </a:lvl1pPr>
-          </a:lstStyle>
-          <a:p>
-            <a:pPr algn="l" fontAlgn="base"/>
-            <a:r>
-              <a:rPr lang="en-US" b="1" dirty="0">
-                <a:latin typeface="-apple-system"/>
-              </a:rPr>
-              <a:t>Object-Oriented Programming?</a:t>
-            </a:r>
-            <a:endParaRPr lang="en-US" dirty="0">
-              <a:latin typeface="-apple-system"/>
-            </a:endParaRPr>
-          </a:p>
-        </p:txBody>
-      </p:sp>
-    </p:spTree>
-    <p:extLst>
-      <p:ext uri="{BB962C8B-B14F-4D97-AF65-F5344CB8AC3E}">
-        <p14:creationId xmlns:p14="http://schemas.microsoft.com/office/powerpoint/2010/main" val="2954365407"/>
       </p:ext>
     </p:extLst>
   </p:cSld>
@@ -30243,6 +30688,1826 @@
     <p:extLst>
       <p:ext uri="{BB962C8B-B14F-4D97-AF65-F5344CB8AC3E}">
         <p14:creationId xmlns:p14="http://schemas.microsoft.com/office/powerpoint/2010/main" val="1086351150"/>
+      </p:ext>
+    </p:extLst>
+  </p:cSld>
+  <p:clrMapOvr>
+    <a:masterClrMapping/>
+  </p:clrMapOvr>
+</p:sld>
+</file>
+
+<file path=ppt/slides/slide50.xml><?xml version="1.0" encoding="utf-8"?>
+<p:sld xmlns:a="http://schemas.openxmlformats.org/drawingml/2006/main" xmlns:r="http://schemas.openxmlformats.org/officeDocument/2006/relationships" xmlns:p="http://schemas.openxmlformats.org/presentationml/2006/main">
+  <p:cSld>
+    <p:spTree>
+      <p:nvGrpSpPr>
+        <p:cNvPr id="1" name="">
+          <a:extLst>
+            <a:ext uri="{FF2B5EF4-FFF2-40B4-BE49-F238E27FC236}">
+              <a16:creationId xmlns:a16="http://schemas.microsoft.com/office/drawing/2014/main" id="{EC6CB8B1-38DA-D274-C18E-1815F5231C46}"/>
+            </a:ext>
+          </a:extLst>
+        </p:cNvPr>
+        <p:cNvGrpSpPr/>
+        <p:nvPr/>
+      </p:nvGrpSpPr>
+      <p:grpSpPr>
+        <a:xfrm>
+          <a:off x="0" y="0"/>
+          <a:ext cx="0" cy="0"/>
+          <a:chOff x="0" y="0"/>
+          <a:chExt cx="0" cy="0"/>
+        </a:xfrm>
+      </p:grpSpPr>
+      <p:pic>
+        <p:nvPicPr>
+          <p:cNvPr id="3" name="object 3">
+            <a:extLst>
+              <a:ext uri="{FF2B5EF4-FFF2-40B4-BE49-F238E27FC236}">
+                <a16:creationId xmlns:a16="http://schemas.microsoft.com/office/drawing/2014/main" id="{4BB4300F-DA38-4F48-C915-A16E9351727A}"/>
+              </a:ext>
+            </a:extLst>
+          </p:cNvPr>
+          <p:cNvPicPr/>
+          <p:nvPr/>
+        </p:nvPicPr>
+        <p:blipFill>
+          <a:blip r:embed="rId2" cstate="print"/>
+          <a:stretch>
+            <a:fillRect/>
+          </a:stretch>
+        </p:blipFill>
+        <p:spPr>
+          <a:xfrm>
+            <a:off x="9505237" y="418835"/>
+            <a:ext cx="10180027" cy="10470885"/>
+          </a:xfrm>
+          <a:prstGeom prst="rect">
+            <a:avLst/>
+          </a:prstGeom>
+        </p:spPr>
+      </p:pic>
+      <p:sp>
+        <p:nvSpPr>
+          <p:cNvPr id="4" name="object 4">
+            <a:extLst>
+              <a:ext uri="{FF2B5EF4-FFF2-40B4-BE49-F238E27FC236}">
+                <a16:creationId xmlns:a16="http://schemas.microsoft.com/office/drawing/2014/main" id="{F042A885-39F3-94A9-079A-C01D4C8C73D1}"/>
+              </a:ext>
+            </a:extLst>
+          </p:cNvPr>
+          <p:cNvSpPr txBox="1">
+            <a:spLocks noGrp="1"/>
+          </p:cNvSpPr>
+          <p:nvPr>
+            <p:ph type="title"/>
+          </p:nvPr>
+        </p:nvSpPr>
+        <p:spPr>
+          <a:xfrm>
+            <a:off x="11327635" y="2853306"/>
+            <a:ext cx="2282825" cy="654050"/>
+          </a:xfrm>
+          <a:prstGeom prst="rect">
+            <a:avLst/>
+          </a:prstGeom>
+        </p:spPr>
+        <p:txBody>
+          <a:bodyPr vert="horz" wrap="square" lIns="0" tIns="15240" rIns="0" bIns="0" rtlCol="0">
+            <a:spAutoFit/>
+          </a:bodyPr>
+          <a:lstStyle/>
+          <a:p>
+            <a:pPr marL="12700">
+              <a:lnSpc>
+                <a:spcPct val="100000"/>
+              </a:lnSpc>
+              <a:spcBef>
+                <a:spcPts val="120"/>
+              </a:spcBef>
+            </a:pPr>
+            <a:r>
+              <a:rPr sz="4100" spc="-420" dirty="0">
+                <a:solidFill>
+                  <a:srgbClr val="444444"/>
+                </a:solidFill>
+                <a:latin typeface="Arial Black"/>
+                <a:cs typeface="Arial Black"/>
+              </a:rPr>
+              <a:t>SECTION</a:t>
+            </a:r>
+            <a:endParaRPr sz="4100" dirty="0">
+              <a:latin typeface="Arial Black"/>
+              <a:cs typeface="Arial Black"/>
+            </a:endParaRPr>
+          </a:p>
+        </p:txBody>
+      </p:sp>
+      <p:sp>
+        <p:nvSpPr>
+          <p:cNvPr id="5" name="object 5">
+            <a:extLst>
+              <a:ext uri="{FF2B5EF4-FFF2-40B4-BE49-F238E27FC236}">
+                <a16:creationId xmlns:a16="http://schemas.microsoft.com/office/drawing/2014/main" id="{0D87B2E3-CC7B-F5B9-7ECF-42F9D716F7B4}"/>
+              </a:ext>
+            </a:extLst>
+          </p:cNvPr>
+          <p:cNvSpPr txBox="1"/>
+          <p:nvPr/>
+        </p:nvSpPr>
+        <p:spPr>
+          <a:xfrm>
+            <a:off x="11327635" y="3659662"/>
+            <a:ext cx="6649215" cy="545021"/>
+          </a:xfrm>
+          <a:prstGeom prst="rect">
+            <a:avLst/>
+          </a:prstGeom>
+        </p:spPr>
+        <p:txBody>
+          <a:bodyPr vert="horz" wrap="square" lIns="0" tIns="13970" rIns="0" bIns="0" rtlCol="0">
+            <a:spAutoFit/>
+          </a:bodyPr>
+          <a:lstStyle/>
+          <a:p>
+            <a:pPr marL="12700">
+              <a:lnSpc>
+                <a:spcPct val="100000"/>
+              </a:lnSpc>
+              <a:spcBef>
+                <a:spcPts val="110"/>
+              </a:spcBef>
+            </a:pPr>
+            <a:r>
+              <a:rPr lang="en-US" sz="3450" spc="-20" dirty="0">
+                <a:solidFill>
+                  <a:srgbClr val="444444"/>
+                </a:solidFill>
+                <a:latin typeface="Arial"/>
+                <a:cs typeface="Arial"/>
+              </a:rPr>
+              <a:t>JS FUNDAMENTALS</a:t>
+            </a:r>
+            <a:endParaRPr lang="en-US" sz="3450" dirty="0">
+              <a:latin typeface="Arial"/>
+              <a:cs typeface="Arial"/>
+            </a:endParaRPr>
+          </a:p>
+        </p:txBody>
+      </p:sp>
+      <p:sp>
+        <p:nvSpPr>
+          <p:cNvPr id="6" name="object 6">
+            <a:extLst>
+              <a:ext uri="{FF2B5EF4-FFF2-40B4-BE49-F238E27FC236}">
+                <a16:creationId xmlns:a16="http://schemas.microsoft.com/office/drawing/2014/main" id="{244D9DE0-CCBE-8160-0303-721F28748E9F}"/>
+              </a:ext>
+            </a:extLst>
+          </p:cNvPr>
+          <p:cNvSpPr txBox="1"/>
+          <p:nvPr/>
+        </p:nvSpPr>
+        <p:spPr>
+          <a:xfrm>
+            <a:off x="11327634" y="6170021"/>
+            <a:ext cx="7411216" cy="1570302"/>
+          </a:xfrm>
+          <a:prstGeom prst="rect">
+            <a:avLst/>
+          </a:prstGeom>
+        </p:spPr>
+        <p:txBody>
+          <a:bodyPr vert="horz" wrap="square" lIns="0" tIns="226695" rIns="0" bIns="0" rtlCol="0">
+            <a:spAutoFit/>
+          </a:bodyPr>
+          <a:lstStyle/>
+          <a:p>
+            <a:pPr marL="12700">
+              <a:lnSpc>
+                <a:spcPct val="100000"/>
+              </a:lnSpc>
+              <a:spcBef>
+                <a:spcPts val="1785"/>
+              </a:spcBef>
+            </a:pPr>
+            <a:r>
+              <a:rPr sz="4100" spc="-465" dirty="0">
+                <a:solidFill>
+                  <a:srgbClr val="444444"/>
+                </a:solidFill>
+                <a:latin typeface="Arial Black"/>
+                <a:cs typeface="Arial Black"/>
+              </a:rPr>
+              <a:t>LECTURE</a:t>
+            </a:r>
+            <a:endParaRPr sz="4100" dirty="0">
+              <a:latin typeface="Arial Black"/>
+              <a:cs typeface="Arial Black"/>
+            </a:endParaRPr>
+          </a:p>
+          <a:p>
+            <a:pPr marL="12700">
+              <a:lnSpc>
+                <a:spcPct val="100000"/>
+              </a:lnSpc>
+              <a:spcBef>
+                <a:spcPts val="1420"/>
+              </a:spcBef>
+            </a:pPr>
+            <a:r>
+              <a:rPr lang="en-US" sz="3450" dirty="0">
+                <a:solidFill>
+                  <a:srgbClr val="444444"/>
+                </a:solidFill>
+                <a:latin typeface="Arial"/>
+                <a:cs typeface="Arial"/>
+              </a:rPr>
+              <a:t>OOPS..</a:t>
+            </a:r>
+          </a:p>
+        </p:txBody>
+      </p:sp>
+    </p:spTree>
+    <p:extLst>
+      <p:ext uri="{BB962C8B-B14F-4D97-AF65-F5344CB8AC3E}">
+        <p14:creationId xmlns:p14="http://schemas.microsoft.com/office/powerpoint/2010/main" val="547647185"/>
+      </p:ext>
+    </p:extLst>
+  </p:cSld>
+  <p:clrMapOvr>
+    <a:masterClrMapping/>
+  </p:clrMapOvr>
+</p:sld>
+</file>
+
+<file path=ppt/slides/slide51.xml><?xml version="1.0" encoding="utf-8"?>
+<p:sld xmlns:a="http://schemas.openxmlformats.org/drawingml/2006/main" xmlns:r="http://schemas.openxmlformats.org/officeDocument/2006/relationships" xmlns:p="http://schemas.openxmlformats.org/presentationml/2006/main">
+  <p:cSld>
+    <p:spTree>
+      <p:nvGrpSpPr>
+        <p:cNvPr id="1" name="">
+          <a:extLst>
+            <a:ext uri="{FF2B5EF4-FFF2-40B4-BE49-F238E27FC236}">
+              <a16:creationId xmlns:a16="http://schemas.microsoft.com/office/drawing/2014/main" id="{3D68ADDD-9B2D-7EC1-1F5A-F547AAACDD0A}"/>
+            </a:ext>
+          </a:extLst>
+        </p:cNvPr>
+        <p:cNvGrpSpPr/>
+        <p:nvPr/>
+      </p:nvGrpSpPr>
+      <p:grpSpPr>
+        <a:xfrm>
+          <a:off x="0" y="0"/>
+          <a:ext cx="0" cy="0"/>
+          <a:chOff x="0" y="0"/>
+          <a:chExt cx="0" cy="0"/>
+        </a:xfrm>
+      </p:grpSpPr>
+      <p:sp>
+        <p:nvSpPr>
+          <p:cNvPr id="2" name="Title 1">
+            <a:extLst>
+              <a:ext uri="{FF2B5EF4-FFF2-40B4-BE49-F238E27FC236}">
+                <a16:creationId xmlns:a16="http://schemas.microsoft.com/office/drawing/2014/main" id="{C4FEB9F6-B1CC-48A7-50C6-35F46FC1290F}"/>
+              </a:ext>
+            </a:extLst>
+          </p:cNvPr>
+          <p:cNvSpPr>
+            <a:spLocks noGrp="1"/>
+          </p:cNvSpPr>
+          <p:nvPr>
+            <p:ph type="title"/>
+          </p:nvPr>
+        </p:nvSpPr>
+        <p:spPr/>
+        <p:txBody>
+          <a:bodyPr/>
+          <a:lstStyle/>
+          <a:p>
+            <a:endParaRPr lang="en-BR"/>
+          </a:p>
+        </p:txBody>
+      </p:sp>
+      <p:pic>
+        <p:nvPicPr>
+          <p:cNvPr id="5" name="object 7">
+            <a:extLst>
+              <a:ext uri="{FF2B5EF4-FFF2-40B4-BE49-F238E27FC236}">
+                <a16:creationId xmlns:a16="http://schemas.microsoft.com/office/drawing/2014/main" id="{0B88EAC4-2B91-9899-A55B-CEC783FB564A}"/>
+              </a:ext>
+            </a:extLst>
+          </p:cNvPr>
+          <p:cNvPicPr/>
+          <p:nvPr/>
+        </p:nvPicPr>
+        <p:blipFill>
+          <a:blip r:embed="rId2" cstate="print"/>
+          <a:stretch>
+            <a:fillRect/>
+          </a:stretch>
+        </p:blipFill>
+        <p:spPr>
+          <a:xfrm>
+            <a:off x="0" y="0"/>
+            <a:ext cx="20104099" cy="1361215"/>
+          </a:xfrm>
+          <a:prstGeom prst="rect">
+            <a:avLst/>
+          </a:prstGeom>
+        </p:spPr>
+      </p:pic>
+      <p:sp>
+        <p:nvSpPr>
+          <p:cNvPr id="17" name="TextBox 16">
+            <a:extLst>
+              <a:ext uri="{FF2B5EF4-FFF2-40B4-BE49-F238E27FC236}">
+                <a16:creationId xmlns:a16="http://schemas.microsoft.com/office/drawing/2014/main" id="{014EC99B-9FBD-BBE5-51E7-7A7D02985425}"/>
+              </a:ext>
+            </a:extLst>
+          </p:cNvPr>
+          <p:cNvSpPr txBox="1"/>
+          <p:nvPr/>
+        </p:nvSpPr>
+        <p:spPr>
+          <a:xfrm>
+            <a:off x="-6139543" y="-2416629"/>
+            <a:ext cx="184731" cy="369332"/>
+          </a:xfrm>
+          <a:prstGeom prst="rect">
+            <a:avLst/>
+          </a:prstGeom>
+          <a:noFill/>
+        </p:spPr>
+        <p:txBody>
+          <a:bodyPr wrap="none" rtlCol="0">
+            <a:spAutoFit/>
+          </a:bodyPr>
+          <a:lstStyle/>
+          <a:p>
+            <a:endParaRPr lang="en-BR"/>
+          </a:p>
+        </p:txBody>
+      </p:sp>
+      <p:sp>
+        <p:nvSpPr>
+          <p:cNvPr id="3" name="TextBox 2">
+            <a:extLst>
+              <a:ext uri="{FF2B5EF4-FFF2-40B4-BE49-F238E27FC236}">
+                <a16:creationId xmlns:a16="http://schemas.microsoft.com/office/drawing/2014/main" id="{F4718D65-98B3-CA1F-F6E6-FD6A0600BED9}"/>
+              </a:ext>
+            </a:extLst>
+          </p:cNvPr>
+          <p:cNvSpPr txBox="1"/>
+          <p:nvPr/>
+        </p:nvSpPr>
+        <p:spPr>
+          <a:xfrm>
+            <a:off x="1105983" y="4560946"/>
+            <a:ext cx="17892132" cy="2187458"/>
+          </a:xfrm>
+          <a:prstGeom prst="rect">
+            <a:avLst/>
+          </a:prstGeom>
+          <a:noFill/>
+        </p:spPr>
+        <p:txBody>
+          <a:bodyPr wrap="square">
+            <a:spAutoFit/>
+          </a:bodyPr>
+          <a:lstStyle/>
+          <a:p>
+            <a:pPr marL="457200" lvl="1" indent="-457200" algn="just">
+              <a:lnSpc>
+                <a:spcPct val="200000"/>
+              </a:lnSpc>
+              <a:buClr>
+                <a:srgbClr val="FFC000"/>
+              </a:buClr>
+              <a:buFont typeface="Wingdings" pitchFamily="2" charset="2"/>
+              <a:buChar char="Ø"/>
+            </a:pPr>
+            <a:r>
+              <a:rPr lang="en-GB" sz="2400" b="1" dirty="0">
+                <a:solidFill>
+                  <a:schemeClr val="tx1">
+                    <a:lumMod val="85000"/>
+                    <a:lumOff val="15000"/>
+                  </a:schemeClr>
+                </a:solidFill>
+                <a:latin typeface="Verdana" panose="020B0604030504040204" pitchFamily="34" charset="0"/>
+                <a:ea typeface="Verdana" panose="020B0604030504040204" pitchFamily="34" charset="0"/>
+                <a:cs typeface="Verdana" panose="020B0604030504040204" pitchFamily="34" charset="0"/>
+              </a:rPr>
+              <a:t>OOPS - </a:t>
+            </a:r>
+            <a:r>
+              <a:rPr lang="en-GB" sz="2400" dirty="0">
+                <a:solidFill>
+                  <a:schemeClr val="tx1">
+                    <a:lumMod val="85000"/>
+                    <a:lumOff val="15000"/>
+                  </a:schemeClr>
+                </a:solidFill>
+                <a:latin typeface="Verdana" panose="020B0604030504040204" pitchFamily="34" charset="0"/>
+                <a:ea typeface="Verdana" panose="020B0604030504040204" pitchFamily="34" charset="0"/>
+                <a:cs typeface="Verdana" panose="020B0604030504040204" pitchFamily="34" charset="0"/>
+              </a:rPr>
+              <a:t>Object-Oriented Programming (OOP) is a programming paradigm in computer science that relies on the concept of classes and objects. It is used to structure a software program into simple, reusable pieces of code blueprints (usually called classes), which are used to create individual instances of objects</a:t>
+            </a:r>
+          </a:p>
+        </p:txBody>
+      </p:sp>
+      <p:sp>
+        <p:nvSpPr>
+          <p:cNvPr id="4" name="object 8">
+            <a:extLst>
+              <a:ext uri="{FF2B5EF4-FFF2-40B4-BE49-F238E27FC236}">
+                <a16:creationId xmlns:a16="http://schemas.microsoft.com/office/drawing/2014/main" id="{38C00077-739B-6086-1917-4FAD23E54FE0}"/>
+              </a:ext>
+            </a:extLst>
+          </p:cNvPr>
+          <p:cNvSpPr txBox="1">
+            <a:spLocks/>
+          </p:cNvSpPr>
+          <p:nvPr/>
+        </p:nvSpPr>
+        <p:spPr>
+          <a:xfrm>
+            <a:off x="858511" y="335457"/>
+            <a:ext cx="7364739" cy="671338"/>
+          </a:xfrm>
+          <a:prstGeom prst="rect">
+            <a:avLst/>
+          </a:prstGeom>
+        </p:spPr>
+        <p:txBody>
+          <a:bodyPr vert="horz" wrap="square" lIns="0" tIns="17145" rIns="0" bIns="0" rtlCol="0">
+            <a:spAutoFit/>
+          </a:bodyPr>
+          <a:lstStyle>
+            <a:lvl1pPr>
+              <a:defRPr sz="4250" b="0" i="0">
+                <a:solidFill>
+                  <a:srgbClr val="3E3E3E"/>
+                </a:solidFill>
+                <a:latin typeface="Arial"/>
+                <a:ea typeface="+mj-ea"/>
+                <a:cs typeface="Arial"/>
+              </a:defRPr>
+            </a:lvl1pPr>
+          </a:lstStyle>
+          <a:p>
+            <a:pPr algn="l" fontAlgn="base"/>
+            <a:r>
+              <a:rPr lang="en-US" b="1" dirty="0">
+                <a:latin typeface="-apple-system"/>
+              </a:rPr>
+              <a:t>Object-Oriented Programming</a:t>
+            </a:r>
+            <a:endParaRPr lang="en-US" dirty="0">
+              <a:latin typeface="-apple-system"/>
+            </a:endParaRPr>
+          </a:p>
+        </p:txBody>
+      </p:sp>
+    </p:spTree>
+    <p:extLst>
+      <p:ext uri="{BB962C8B-B14F-4D97-AF65-F5344CB8AC3E}">
+        <p14:creationId xmlns:p14="http://schemas.microsoft.com/office/powerpoint/2010/main" val="2954365407"/>
+      </p:ext>
+    </p:extLst>
+  </p:cSld>
+  <p:clrMapOvr>
+    <a:masterClrMapping/>
+  </p:clrMapOvr>
+</p:sld>
+</file>
+
+<file path=ppt/slides/slide52.xml><?xml version="1.0" encoding="utf-8"?>
+<p:sld xmlns:a="http://schemas.openxmlformats.org/drawingml/2006/main" xmlns:r="http://schemas.openxmlformats.org/officeDocument/2006/relationships" xmlns:p="http://schemas.openxmlformats.org/presentationml/2006/main">
+  <p:cSld>
+    <p:spTree>
+      <p:nvGrpSpPr>
+        <p:cNvPr id="1" name="">
+          <a:extLst>
+            <a:ext uri="{FF2B5EF4-FFF2-40B4-BE49-F238E27FC236}">
+              <a16:creationId xmlns:a16="http://schemas.microsoft.com/office/drawing/2014/main" id="{3D68ADDD-9B2D-7EC1-1F5A-F547AAACDD0A}"/>
+            </a:ext>
+          </a:extLst>
+        </p:cNvPr>
+        <p:cNvGrpSpPr/>
+        <p:nvPr/>
+      </p:nvGrpSpPr>
+      <p:grpSpPr>
+        <a:xfrm>
+          <a:off x="0" y="0"/>
+          <a:ext cx="0" cy="0"/>
+          <a:chOff x="0" y="0"/>
+          <a:chExt cx="0" cy="0"/>
+        </a:xfrm>
+      </p:grpSpPr>
+      <p:sp>
+        <p:nvSpPr>
+          <p:cNvPr id="2" name="Title 1">
+            <a:extLst>
+              <a:ext uri="{FF2B5EF4-FFF2-40B4-BE49-F238E27FC236}">
+                <a16:creationId xmlns:a16="http://schemas.microsoft.com/office/drawing/2014/main" id="{C4FEB9F6-B1CC-48A7-50C6-35F46FC1290F}"/>
+              </a:ext>
+            </a:extLst>
+          </p:cNvPr>
+          <p:cNvSpPr>
+            <a:spLocks noGrp="1"/>
+          </p:cNvSpPr>
+          <p:nvPr>
+            <p:ph type="title"/>
+          </p:nvPr>
+        </p:nvSpPr>
+        <p:spPr/>
+        <p:txBody>
+          <a:bodyPr/>
+          <a:lstStyle/>
+          <a:p>
+            <a:endParaRPr lang="en-BR"/>
+          </a:p>
+        </p:txBody>
+      </p:sp>
+      <p:pic>
+        <p:nvPicPr>
+          <p:cNvPr id="5" name="object 7">
+            <a:extLst>
+              <a:ext uri="{FF2B5EF4-FFF2-40B4-BE49-F238E27FC236}">
+                <a16:creationId xmlns:a16="http://schemas.microsoft.com/office/drawing/2014/main" id="{0B88EAC4-2B91-9899-A55B-CEC783FB564A}"/>
+              </a:ext>
+            </a:extLst>
+          </p:cNvPr>
+          <p:cNvPicPr/>
+          <p:nvPr/>
+        </p:nvPicPr>
+        <p:blipFill>
+          <a:blip r:embed="rId2" cstate="print"/>
+          <a:stretch>
+            <a:fillRect/>
+          </a:stretch>
+        </p:blipFill>
+        <p:spPr>
+          <a:xfrm>
+            <a:off x="0" y="0"/>
+            <a:ext cx="20104099" cy="1361215"/>
+          </a:xfrm>
+          <a:prstGeom prst="rect">
+            <a:avLst/>
+          </a:prstGeom>
+        </p:spPr>
+      </p:pic>
+      <p:sp>
+        <p:nvSpPr>
+          <p:cNvPr id="17" name="TextBox 16">
+            <a:extLst>
+              <a:ext uri="{FF2B5EF4-FFF2-40B4-BE49-F238E27FC236}">
+                <a16:creationId xmlns:a16="http://schemas.microsoft.com/office/drawing/2014/main" id="{014EC99B-9FBD-BBE5-51E7-7A7D02985425}"/>
+              </a:ext>
+            </a:extLst>
+          </p:cNvPr>
+          <p:cNvSpPr txBox="1"/>
+          <p:nvPr/>
+        </p:nvSpPr>
+        <p:spPr>
+          <a:xfrm>
+            <a:off x="-6139543" y="-2416629"/>
+            <a:ext cx="184731" cy="369332"/>
+          </a:xfrm>
+          <a:prstGeom prst="rect">
+            <a:avLst/>
+          </a:prstGeom>
+          <a:noFill/>
+        </p:spPr>
+        <p:txBody>
+          <a:bodyPr wrap="none" rtlCol="0">
+            <a:spAutoFit/>
+          </a:bodyPr>
+          <a:lstStyle/>
+          <a:p>
+            <a:endParaRPr lang="en-BR"/>
+          </a:p>
+        </p:txBody>
+      </p:sp>
+      <p:sp>
+        <p:nvSpPr>
+          <p:cNvPr id="3" name="TextBox 2">
+            <a:extLst>
+              <a:ext uri="{FF2B5EF4-FFF2-40B4-BE49-F238E27FC236}">
+                <a16:creationId xmlns:a16="http://schemas.microsoft.com/office/drawing/2014/main" id="{F4718D65-98B3-CA1F-F6E6-FD6A0600BED9}"/>
+              </a:ext>
+            </a:extLst>
+          </p:cNvPr>
+          <p:cNvSpPr txBox="1"/>
+          <p:nvPr/>
+        </p:nvSpPr>
+        <p:spPr>
+          <a:xfrm>
+            <a:off x="846718" y="2127122"/>
+            <a:ext cx="9814932" cy="8096768"/>
+          </a:xfrm>
+          <a:prstGeom prst="rect">
+            <a:avLst/>
+          </a:prstGeom>
+          <a:noFill/>
+        </p:spPr>
+        <p:txBody>
+          <a:bodyPr wrap="square">
+            <a:spAutoFit/>
+          </a:bodyPr>
+          <a:lstStyle/>
+          <a:p>
+            <a:pPr marL="457200" lvl="1" indent="-457200" algn="just">
+              <a:lnSpc>
+                <a:spcPct val="200000"/>
+              </a:lnSpc>
+              <a:buClr>
+                <a:srgbClr val="FFC000"/>
+              </a:buClr>
+              <a:buFont typeface="Wingdings" pitchFamily="2" charset="2"/>
+              <a:buChar char="Ø"/>
+            </a:pPr>
+            <a:r>
+              <a:rPr lang="en-GB" sz="2400" dirty="0">
+                <a:solidFill>
+                  <a:schemeClr val="tx1">
+                    <a:lumMod val="85000"/>
+                    <a:lumOff val="15000"/>
+                  </a:schemeClr>
+                </a:solidFill>
+                <a:latin typeface="Verdana" panose="020B0604030504040204" pitchFamily="34" charset="0"/>
+                <a:ea typeface="Verdana" panose="020B0604030504040204" pitchFamily="34" charset="0"/>
+                <a:cs typeface="Verdana" panose="020B0604030504040204" pitchFamily="34" charset="0"/>
+              </a:rPr>
+              <a:t>A class is a blueprint used to create an instance of an object. It is made up of variables (called instance variables) and methods. Every object instantiated from a class will have all the properties of the class that instantiated it.</a:t>
+            </a:r>
+            <a:endParaRPr lang="en-GB" sz="2400" b="1" dirty="0">
+              <a:solidFill>
+                <a:schemeClr val="tx1">
+                  <a:lumMod val="85000"/>
+                  <a:lumOff val="15000"/>
+                </a:schemeClr>
+              </a:solidFill>
+              <a:latin typeface="Verdana" panose="020B0604030504040204" pitchFamily="34" charset="0"/>
+              <a:ea typeface="Verdana" panose="020B0604030504040204" pitchFamily="34" charset="0"/>
+              <a:cs typeface="Verdana" panose="020B0604030504040204" pitchFamily="34" charset="0"/>
+            </a:endParaRPr>
+          </a:p>
+          <a:p>
+            <a:pPr marL="457200" lvl="4" indent="-457200" algn="just">
+              <a:lnSpc>
+                <a:spcPct val="200000"/>
+              </a:lnSpc>
+              <a:buClr>
+                <a:srgbClr val="FFC000"/>
+              </a:buClr>
+              <a:buFont typeface="Wingdings" pitchFamily="2" charset="2"/>
+              <a:buChar char="Ø"/>
+            </a:pPr>
+            <a:r>
+              <a:rPr lang="en-GB" sz="2400" dirty="0">
+                <a:solidFill>
+                  <a:schemeClr val="tx1">
+                    <a:lumMod val="85000"/>
+                    <a:lumOff val="15000"/>
+                  </a:schemeClr>
+                </a:solidFill>
+                <a:latin typeface="Verdana" panose="020B0604030504040204" pitchFamily="34" charset="0"/>
+                <a:ea typeface="Verdana" panose="020B0604030504040204" pitchFamily="34" charset="0"/>
+                <a:cs typeface="Verdana" panose="020B0604030504040204" pitchFamily="34" charset="0"/>
+              </a:rPr>
+              <a:t>Constructor Function - A constructor function is a class function responsible for initializing a class’s instance variables. Constructors in TypeScript are defined using the constructor keyword. The constructor function takes all class’s instance variables as parameters, initializes them, and assigns their values in its body.</a:t>
+            </a:r>
+          </a:p>
+        </p:txBody>
+      </p:sp>
+      <p:sp>
+        <p:nvSpPr>
+          <p:cNvPr id="4" name="object 8">
+            <a:extLst>
+              <a:ext uri="{FF2B5EF4-FFF2-40B4-BE49-F238E27FC236}">
+                <a16:creationId xmlns:a16="http://schemas.microsoft.com/office/drawing/2014/main" id="{38C00077-739B-6086-1917-4FAD23E54FE0}"/>
+              </a:ext>
+            </a:extLst>
+          </p:cNvPr>
+          <p:cNvSpPr txBox="1">
+            <a:spLocks/>
+          </p:cNvSpPr>
+          <p:nvPr/>
+        </p:nvSpPr>
+        <p:spPr>
+          <a:xfrm>
+            <a:off x="858511" y="335457"/>
+            <a:ext cx="7364739" cy="671338"/>
+          </a:xfrm>
+          <a:prstGeom prst="rect">
+            <a:avLst/>
+          </a:prstGeom>
+        </p:spPr>
+        <p:txBody>
+          <a:bodyPr vert="horz" wrap="square" lIns="0" tIns="17145" rIns="0" bIns="0" rtlCol="0">
+            <a:spAutoFit/>
+          </a:bodyPr>
+          <a:lstStyle>
+            <a:lvl1pPr>
+              <a:defRPr sz="4250" b="0" i="0">
+                <a:solidFill>
+                  <a:srgbClr val="3E3E3E"/>
+                </a:solidFill>
+                <a:latin typeface="Arial"/>
+                <a:ea typeface="+mj-ea"/>
+                <a:cs typeface="Arial"/>
+              </a:defRPr>
+            </a:lvl1pPr>
+          </a:lstStyle>
+          <a:p>
+            <a:pPr algn="l" fontAlgn="base"/>
+            <a:r>
+              <a:rPr lang="en-US" b="1" dirty="0">
+                <a:latin typeface="-apple-system"/>
+              </a:rPr>
+              <a:t>CLASS</a:t>
+            </a:r>
+            <a:endParaRPr lang="en-US" dirty="0">
+              <a:latin typeface="-apple-system"/>
+            </a:endParaRPr>
+          </a:p>
+        </p:txBody>
+      </p:sp>
+      <p:pic>
+        <p:nvPicPr>
+          <p:cNvPr id="6" name="Picture 5">
+            <a:extLst>
+              <a:ext uri="{FF2B5EF4-FFF2-40B4-BE49-F238E27FC236}">
+                <a16:creationId xmlns:a16="http://schemas.microsoft.com/office/drawing/2014/main" id="{A84B54C9-DFBA-07E1-A9F8-EC55E31F5A3F}"/>
+              </a:ext>
+            </a:extLst>
+          </p:cNvPr>
+          <p:cNvPicPr>
+            <a:picLocks noChangeAspect="1"/>
+          </p:cNvPicPr>
+          <p:nvPr/>
+        </p:nvPicPr>
+        <p:blipFill>
+          <a:blip r:embed="rId3"/>
+          <a:stretch>
+            <a:fillRect/>
+          </a:stretch>
+        </p:blipFill>
+        <p:spPr>
+          <a:xfrm>
+            <a:off x="11347450" y="1643226"/>
+            <a:ext cx="8321167" cy="9297556"/>
+          </a:xfrm>
+          <a:prstGeom prst="rect">
+            <a:avLst/>
+          </a:prstGeom>
+        </p:spPr>
+      </p:pic>
+    </p:spTree>
+    <p:extLst>
+      <p:ext uri="{BB962C8B-B14F-4D97-AF65-F5344CB8AC3E}">
+        <p14:creationId xmlns:p14="http://schemas.microsoft.com/office/powerpoint/2010/main" val="2661460527"/>
+      </p:ext>
+    </p:extLst>
+  </p:cSld>
+  <p:clrMapOvr>
+    <a:masterClrMapping/>
+  </p:clrMapOvr>
+</p:sld>
+</file>
+
+<file path=ppt/slides/slide53.xml><?xml version="1.0" encoding="utf-8"?>
+<p:sld xmlns:a="http://schemas.openxmlformats.org/drawingml/2006/main" xmlns:r="http://schemas.openxmlformats.org/officeDocument/2006/relationships" xmlns:p="http://schemas.openxmlformats.org/presentationml/2006/main">
+  <p:cSld>
+    <p:spTree>
+      <p:nvGrpSpPr>
+        <p:cNvPr id="1" name="">
+          <a:extLst>
+            <a:ext uri="{FF2B5EF4-FFF2-40B4-BE49-F238E27FC236}">
+              <a16:creationId xmlns:a16="http://schemas.microsoft.com/office/drawing/2014/main" id="{3D68ADDD-9B2D-7EC1-1F5A-F547AAACDD0A}"/>
+            </a:ext>
+          </a:extLst>
+        </p:cNvPr>
+        <p:cNvGrpSpPr/>
+        <p:nvPr/>
+      </p:nvGrpSpPr>
+      <p:grpSpPr>
+        <a:xfrm>
+          <a:off x="0" y="0"/>
+          <a:ext cx="0" cy="0"/>
+          <a:chOff x="0" y="0"/>
+          <a:chExt cx="0" cy="0"/>
+        </a:xfrm>
+      </p:grpSpPr>
+      <p:sp>
+        <p:nvSpPr>
+          <p:cNvPr id="2" name="Title 1">
+            <a:extLst>
+              <a:ext uri="{FF2B5EF4-FFF2-40B4-BE49-F238E27FC236}">
+                <a16:creationId xmlns:a16="http://schemas.microsoft.com/office/drawing/2014/main" id="{C4FEB9F6-B1CC-48A7-50C6-35F46FC1290F}"/>
+              </a:ext>
+            </a:extLst>
+          </p:cNvPr>
+          <p:cNvSpPr>
+            <a:spLocks noGrp="1"/>
+          </p:cNvSpPr>
+          <p:nvPr>
+            <p:ph type="title"/>
+          </p:nvPr>
+        </p:nvSpPr>
+        <p:spPr/>
+        <p:txBody>
+          <a:bodyPr/>
+          <a:lstStyle/>
+          <a:p>
+            <a:endParaRPr lang="en-BR"/>
+          </a:p>
+        </p:txBody>
+      </p:sp>
+      <p:pic>
+        <p:nvPicPr>
+          <p:cNvPr id="5" name="object 7">
+            <a:extLst>
+              <a:ext uri="{FF2B5EF4-FFF2-40B4-BE49-F238E27FC236}">
+                <a16:creationId xmlns:a16="http://schemas.microsoft.com/office/drawing/2014/main" id="{0B88EAC4-2B91-9899-A55B-CEC783FB564A}"/>
+              </a:ext>
+            </a:extLst>
+          </p:cNvPr>
+          <p:cNvPicPr/>
+          <p:nvPr/>
+        </p:nvPicPr>
+        <p:blipFill>
+          <a:blip r:embed="rId2" cstate="print"/>
+          <a:stretch>
+            <a:fillRect/>
+          </a:stretch>
+        </p:blipFill>
+        <p:spPr>
+          <a:xfrm>
+            <a:off x="0" y="0"/>
+            <a:ext cx="20104099" cy="1361215"/>
+          </a:xfrm>
+          <a:prstGeom prst="rect">
+            <a:avLst/>
+          </a:prstGeom>
+        </p:spPr>
+      </p:pic>
+      <p:sp>
+        <p:nvSpPr>
+          <p:cNvPr id="17" name="TextBox 16">
+            <a:extLst>
+              <a:ext uri="{FF2B5EF4-FFF2-40B4-BE49-F238E27FC236}">
+                <a16:creationId xmlns:a16="http://schemas.microsoft.com/office/drawing/2014/main" id="{014EC99B-9FBD-BBE5-51E7-7A7D02985425}"/>
+              </a:ext>
+            </a:extLst>
+          </p:cNvPr>
+          <p:cNvSpPr txBox="1"/>
+          <p:nvPr/>
+        </p:nvSpPr>
+        <p:spPr>
+          <a:xfrm>
+            <a:off x="-6139543" y="-2416629"/>
+            <a:ext cx="184731" cy="369332"/>
+          </a:xfrm>
+          <a:prstGeom prst="rect">
+            <a:avLst/>
+          </a:prstGeom>
+          <a:noFill/>
+        </p:spPr>
+        <p:txBody>
+          <a:bodyPr wrap="none" rtlCol="0">
+            <a:spAutoFit/>
+          </a:bodyPr>
+          <a:lstStyle/>
+          <a:p>
+            <a:endParaRPr lang="en-BR"/>
+          </a:p>
+        </p:txBody>
+      </p:sp>
+      <p:sp>
+        <p:nvSpPr>
+          <p:cNvPr id="3" name="TextBox 2">
+            <a:extLst>
+              <a:ext uri="{FF2B5EF4-FFF2-40B4-BE49-F238E27FC236}">
+                <a16:creationId xmlns:a16="http://schemas.microsoft.com/office/drawing/2014/main" id="{F4718D65-98B3-CA1F-F6E6-FD6A0600BED9}"/>
+              </a:ext>
+            </a:extLst>
+          </p:cNvPr>
+          <p:cNvSpPr txBox="1"/>
+          <p:nvPr/>
+        </p:nvSpPr>
+        <p:spPr>
+          <a:xfrm>
+            <a:off x="668916" y="1911506"/>
+            <a:ext cx="18679533" cy="2187458"/>
+          </a:xfrm>
+          <a:prstGeom prst="rect">
+            <a:avLst/>
+          </a:prstGeom>
+          <a:noFill/>
+        </p:spPr>
+        <p:txBody>
+          <a:bodyPr wrap="square">
+            <a:spAutoFit/>
+          </a:bodyPr>
+          <a:lstStyle/>
+          <a:p>
+            <a:pPr marL="457200" lvl="1" indent="-457200" algn="just">
+              <a:lnSpc>
+                <a:spcPct val="200000"/>
+              </a:lnSpc>
+              <a:buClr>
+                <a:srgbClr val="FFC000"/>
+              </a:buClr>
+              <a:buFont typeface="Wingdings" pitchFamily="2" charset="2"/>
+              <a:buChar char="Ø"/>
+            </a:pPr>
+            <a:r>
+              <a:rPr lang="en-GB" sz="2400" dirty="0">
+                <a:solidFill>
+                  <a:schemeClr val="tx1">
+                    <a:lumMod val="85000"/>
+                    <a:lumOff val="15000"/>
+                  </a:schemeClr>
+                </a:solidFill>
+                <a:latin typeface="Verdana" panose="020B0604030504040204" pitchFamily="34" charset="0"/>
+                <a:ea typeface="Verdana" panose="020B0604030504040204" pitchFamily="34" charset="0"/>
+                <a:cs typeface="Verdana" panose="020B0604030504040204" pitchFamily="34" charset="0"/>
+              </a:rPr>
+              <a:t>Inheritance in object-oriented programming refers to a mechanism where a class (subclass) inherits properties from an existing class (superclass). The subclass can also extend functionality by adding new properties or methods. For example, consider the class below as the super class:</a:t>
+            </a:r>
+          </a:p>
+        </p:txBody>
+      </p:sp>
+      <p:sp>
+        <p:nvSpPr>
+          <p:cNvPr id="4" name="object 8">
+            <a:extLst>
+              <a:ext uri="{FF2B5EF4-FFF2-40B4-BE49-F238E27FC236}">
+                <a16:creationId xmlns:a16="http://schemas.microsoft.com/office/drawing/2014/main" id="{38C00077-739B-6086-1917-4FAD23E54FE0}"/>
+              </a:ext>
+            </a:extLst>
+          </p:cNvPr>
+          <p:cNvSpPr txBox="1">
+            <a:spLocks/>
+          </p:cNvSpPr>
+          <p:nvPr/>
+        </p:nvSpPr>
+        <p:spPr>
+          <a:xfrm>
+            <a:off x="858511" y="335457"/>
+            <a:ext cx="7364739" cy="671338"/>
+          </a:xfrm>
+          <a:prstGeom prst="rect">
+            <a:avLst/>
+          </a:prstGeom>
+        </p:spPr>
+        <p:txBody>
+          <a:bodyPr vert="horz" wrap="square" lIns="0" tIns="17145" rIns="0" bIns="0" rtlCol="0">
+            <a:spAutoFit/>
+          </a:bodyPr>
+          <a:lstStyle>
+            <a:lvl1pPr>
+              <a:defRPr sz="4250" b="0" i="0">
+                <a:solidFill>
+                  <a:srgbClr val="3E3E3E"/>
+                </a:solidFill>
+                <a:latin typeface="Arial"/>
+                <a:ea typeface="+mj-ea"/>
+                <a:cs typeface="Arial"/>
+              </a:defRPr>
+            </a:lvl1pPr>
+          </a:lstStyle>
+          <a:p>
+            <a:pPr algn="l" fontAlgn="base"/>
+            <a:r>
+              <a:rPr lang="en-US" dirty="0">
+                <a:latin typeface="-apple-system"/>
+              </a:rPr>
+              <a:t>INHERITANCE</a:t>
+            </a:r>
+          </a:p>
+        </p:txBody>
+      </p:sp>
+      <p:pic>
+        <p:nvPicPr>
+          <p:cNvPr id="7" name="Picture 6">
+            <a:extLst>
+              <a:ext uri="{FF2B5EF4-FFF2-40B4-BE49-F238E27FC236}">
+                <a16:creationId xmlns:a16="http://schemas.microsoft.com/office/drawing/2014/main" id="{B877C90E-8955-D5D7-9985-5FAB5A054C4A}"/>
+              </a:ext>
+            </a:extLst>
+          </p:cNvPr>
+          <p:cNvPicPr>
+            <a:picLocks noChangeAspect="1"/>
+          </p:cNvPicPr>
+          <p:nvPr/>
+        </p:nvPicPr>
+        <p:blipFill>
+          <a:blip r:embed="rId3"/>
+          <a:stretch>
+            <a:fillRect/>
+          </a:stretch>
+        </p:blipFill>
+        <p:spPr>
+          <a:xfrm>
+            <a:off x="4870450" y="4435475"/>
+            <a:ext cx="9740610" cy="6400800"/>
+          </a:xfrm>
+          <a:prstGeom prst="rect">
+            <a:avLst/>
+          </a:prstGeom>
+        </p:spPr>
+      </p:pic>
+    </p:spTree>
+    <p:extLst>
+      <p:ext uri="{BB962C8B-B14F-4D97-AF65-F5344CB8AC3E}">
+        <p14:creationId xmlns:p14="http://schemas.microsoft.com/office/powerpoint/2010/main" val="4215522380"/>
+      </p:ext>
+    </p:extLst>
+  </p:cSld>
+  <p:clrMapOvr>
+    <a:masterClrMapping/>
+  </p:clrMapOvr>
+</p:sld>
+</file>
+
+<file path=ppt/slides/slide54.xml><?xml version="1.0" encoding="utf-8"?>
+<p:sld xmlns:a="http://schemas.openxmlformats.org/drawingml/2006/main" xmlns:r="http://schemas.openxmlformats.org/officeDocument/2006/relationships" xmlns:p="http://schemas.openxmlformats.org/presentationml/2006/main">
+  <p:cSld>
+    <p:spTree>
+      <p:nvGrpSpPr>
+        <p:cNvPr id="1" name="">
+          <a:extLst>
+            <a:ext uri="{FF2B5EF4-FFF2-40B4-BE49-F238E27FC236}">
+              <a16:creationId xmlns:a16="http://schemas.microsoft.com/office/drawing/2014/main" id="{3D68ADDD-9B2D-7EC1-1F5A-F547AAACDD0A}"/>
+            </a:ext>
+          </a:extLst>
+        </p:cNvPr>
+        <p:cNvGrpSpPr/>
+        <p:nvPr/>
+      </p:nvGrpSpPr>
+      <p:grpSpPr>
+        <a:xfrm>
+          <a:off x="0" y="0"/>
+          <a:ext cx="0" cy="0"/>
+          <a:chOff x="0" y="0"/>
+          <a:chExt cx="0" cy="0"/>
+        </a:xfrm>
+      </p:grpSpPr>
+      <p:sp>
+        <p:nvSpPr>
+          <p:cNvPr id="2" name="Title 1">
+            <a:extLst>
+              <a:ext uri="{FF2B5EF4-FFF2-40B4-BE49-F238E27FC236}">
+                <a16:creationId xmlns:a16="http://schemas.microsoft.com/office/drawing/2014/main" id="{C4FEB9F6-B1CC-48A7-50C6-35F46FC1290F}"/>
+              </a:ext>
+            </a:extLst>
+          </p:cNvPr>
+          <p:cNvSpPr>
+            <a:spLocks noGrp="1"/>
+          </p:cNvSpPr>
+          <p:nvPr>
+            <p:ph type="title"/>
+          </p:nvPr>
+        </p:nvSpPr>
+        <p:spPr/>
+        <p:txBody>
+          <a:bodyPr/>
+          <a:lstStyle/>
+          <a:p>
+            <a:endParaRPr lang="en-BR"/>
+          </a:p>
+        </p:txBody>
+      </p:sp>
+      <p:pic>
+        <p:nvPicPr>
+          <p:cNvPr id="5" name="object 7">
+            <a:extLst>
+              <a:ext uri="{FF2B5EF4-FFF2-40B4-BE49-F238E27FC236}">
+                <a16:creationId xmlns:a16="http://schemas.microsoft.com/office/drawing/2014/main" id="{0B88EAC4-2B91-9899-A55B-CEC783FB564A}"/>
+              </a:ext>
+            </a:extLst>
+          </p:cNvPr>
+          <p:cNvPicPr/>
+          <p:nvPr/>
+        </p:nvPicPr>
+        <p:blipFill>
+          <a:blip r:embed="rId2" cstate="print"/>
+          <a:stretch>
+            <a:fillRect/>
+          </a:stretch>
+        </p:blipFill>
+        <p:spPr>
+          <a:xfrm>
+            <a:off x="0" y="0"/>
+            <a:ext cx="20104099" cy="1361215"/>
+          </a:xfrm>
+          <a:prstGeom prst="rect">
+            <a:avLst/>
+          </a:prstGeom>
+        </p:spPr>
+      </p:pic>
+      <p:sp>
+        <p:nvSpPr>
+          <p:cNvPr id="17" name="TextBox 16">
+            <a:extLst>
+              <a:ext uri="{FF2B5EF4-FFF2-40B4-BE49-F238E27FC236}">
+                <a16:creationId xmlns:a16="http://schemas.microsoft.com/office/drawing/2014/main" id="{014EC99B-9FBD-BBE5-51E7-7A7D02985425}"/>
+              </a:ext>
+            </a:extLst>
+          </p:cNvPr>
+          <p:cNvSpPr txBox="1"/>
+          <p:nvPr/>
+        </p:nvSpPr>
+        <p:spPr>
+          <a:xfrm>
+            <a:off x="-6139543" y="-2416629"/>
+            <a:ext cx="184731" cy="369332"/>
+          </a:xfrm>
+          <a:prstGeom prst="rect">
+            <a:avLst/>
+          </a:prstGeom>
+          <a:noFill/>
+        </p:spPr>
+        <p:txBody>
+          <a:bodyPr wrap="none" rtlCol="0">
+            <a:spAutoFit/>
+          </a:bodyPr>
+          <a:lstStyle/>
+          <a:p>
+            <a:endParaRPr lang="en-BR"/>
+          </a:p>
+        </p:txBody>
+      </p:sp>
+      <p:sp>
+        <p:nvSpPr>
+          <p:cNvPr id="4" name="object 8">
+            <a:extLst>
+              <a:ext uri="{FF2B5EF4-FFF2-40B4-BE49-F238E27FC236}">
+                <a16:creationId xmlns:a16="http://schemas.microsoft.com/office/drawing/2014/main" id="{38C00077-739B-6086-1917-4FAD23E54FE0}"/>
+              </a:ext>
+            </a:extLst>
+          </p:cNvPr>
+          <p:cNvSpPr txBox="1">
+            <a:spLocks/>
+          </p:cNvSpPr>
+          <p:nvPr/>
+        </p:nvSpPr>
+        <p:spPr>
+          <a:xfrm>
+            <a:off x="858511" y="335457"/>
+            <a:ext cx="7364739" cy="671338"/>
+          </a:xfrm>
+          <a:prstGeom prst="rect">
+            <a:avLst/>
+          </a:prstGeom>
+        </p:spPr>
+        <p:txBody>
+          <a:bodyPr vert="horz" wrap="square" lIns="0" tIns="17145" rIns="0" bIns="0" rtlCol="0">
+            <a:spAutoFit/>
+          </a:bodyPr>
+          <a:lstStyle>
+            <a:lvl1pPr>
+              <a:defRPr sz="4250" b="0" i="0">
+                <a:solidFill>
+                  <a:srgbClr val="3E3E3E"/>
+                </a:solidFill>
+                <a:latin typeface="Arial"/>
+                <a:ea typeface="+mj-ea"/>
+                <a:cs typeface="Arial"/>
+              </a:defRPr>
+            </a:lvl1pPr>
+          </a:lstStyle>
+          <a:p>
+            <a:pPr algn="l" fontAlgn="base"/>
+            <a:r>
+              <a:rPr lang="en-US" dirty="0">
+                <a:latin typeface="-apple-system"/>
+              </a:rPr>
+              <a:t>INHERITANCE</a:t>
+            </a:r>
+          </a:p>
+        </p:txBody>
+      </p:sp>
+      <p:pic>
+        <p:nvPicPr>
+          <p:cNvPr id="9" name="Picture 8">
+            <a:extLst>
+              <a:ext uri="{FF2B5EF4-FFF2-40B4-BE49-F238E27FC236}">
+                <a16:creationId xmlns:a16="http://schemas.microsoft.com/office/drawing/2014/main" id="{FEF6434A-26A2-0F2B-690B-B60B68C04BFA}"/>
+              </a:ext>
+            </a:extLst>
+          </p:cNvPr>
+          <p:cNvPicPr>
+            <a:picLocks noChangeAspect="1"/>
+          </p:cNvPicPr>
+          <p:nvPr/>
+        </p:nvPicPr>
+        <p:blipFill>
+          <a:blip r:embed="rId3"/>
+          <a:stretch>
+            <a:fillRect/>
+          </a:stretch>
+        </p:blipFill>
+        <p:spPr>
+          <a:xfrm>
+            <a:off x="5327650" y="4511675"/>
+            <a:ext cx="8621890" cy="5943600"/>
+          </a:xfrm>
+          <a:prstGeom prst="rect">
+            <a:avLst/>
+          </a:prstGeom>
+        </p:spPr>
+      </p:pic>
+      <p:sp>
+        <p:nvSpPr>
+          <p:cNvPr id="10" name="TextBox 9">
+            <a:extLst>
+              <a:ext uri="{FF2B5EF4-FFF2-40B4-BE49-F238E27FC236}">
+                <a16:creationId xmlns:a16="http://schemas.microsoft.com/office/drawing/2014/main" id="{EF11D5B4-B318-864E-49FF-CF4FECC1FEF5}"/>
+              </a:ext>
+            </a:extLst>
+          </p:cNvPr>
+          <p:cNvSpPr txBox="1"/>
+          <p:nvPr/>
+        </p:nvSpPr>
+        <p:spPr>
+          <a:xfrm>
+            <a:off x="668916" y="1911506"/>
+            <a:ext cx="18679533" cy="2187458"/>
+          </a:xfrm>
+          <a:prstGeom prst="rect">
+            <a:avLst/>
+          </a:prstGeom>
+          <a:noFill/>
+        </p:spPr>
+        <p:txBody>
+          <a:bodyPr wrap="square">
+            <a:spAutoFit/>
+          </a:bodyPr>
+          <a:lstStyle/>
+          <a:p>
+            <a:pPr marL="457200" lvl="1" indent="-457200" algn="just">
+              <a:lnSpc>
+                <a:spcPct val="200000"/>
+              </a:lnSpc>
+              <a:buClr>
+                <a:srgbClr val="FFC000"/>
+              </a:buClr>
+              <a:buFont typeface="Wingdings" pitchFamily="2" charset="2"/>
+              <a:buChar char="Ø"/>
+            </a:pPr>
+            <a:r>
+              <a:rPr lang="en-GB" sz="2400" dirty="0">
+                <a:solidFill>
+                  <a:schemeClr val="tx1">
+                    <a:lumMod val="85000"/>
+                    <a:lumOff val="15000"/>
+                  </a:schemeClr>
+                </a:solidFill>
+                <a:latin typeface="Verdana" panose="020B0604030504040204" pitchFamily="34" charset="0"/>
+                <a:ea typeface="Verdana" panose="020B0604030504040204" pitchFamily="34" charset="0"/>
+                <a:cs typeface="Verdana" panose="020B0604030504040204" pitchFamily="34" charset="0"/>
+              </a:rPr>
+              <a:t>Note that if the superclass has properties defined in its constructor, the subclass has to initialize these properties in its constructor using the super keyword. The super keyword is used to reference a superclass’ properties in a subclass.</a:t>
+            </a:r>
+          </a:p>
+        </p:txBody>
+      </p:sp>
+    </p:spTree>
+    <p:extLst>
+      <p:ext uri="{BB962C8B-B14F-4D97-AF65-F5344CB8AC3E}">
+        <p14:creationId xmlns:p14="http://schemas.microsoft.com/office/powerpoint/2010/main" val="2618593457"/>
+      </p:ext>
+    </p:extLst>
+  </p:cSld>
+  <p:clrMapOvr>
+    <a:masterClrMapping/>
+  </p:clrMapOvr>
+</p:sld>
+</file>
+
+<file path=ppt/slides/slide55.xml><?xml version="1.0" encoding="utf-8"?>
+<p:sld xmlns:a="http://schemas.openxmlformats.org/drawingml/2006/main" xmlns:r="http://schemas.openxmlformats.org/officeDocument/2006/relationships" xmlns:p="http://schemas.openxmlformats.org/presentationml/2006/main">
+  <p:cSld>
+    <p:spTree>
+      <p:nvGrpSpPr>
+        <p:cNvPr id="1" name="">
+          <a:extLst>
+            <a:ext uri="{FF2B5EF4-FFF2-40B4-BE49-F238E27FC236}">
+              <a16:creationId xmlns:a16="http://schemas.microsoft.com/office/drawing/2014/main" id="{3D68ADDD-9B2D-7EC1-1F5A-F547AAACDD0A}"/>
+            </a:ext>
+          </a:extLst>
+        </p:cNvPr>
+        <p:cNvGrpSpPr/>
+        <p:nvPr/>
+      </p:nvGrpSpPr>
+      <p:grpSpPr>
+        <a:xfrm>
+          <a:off x="0" y="0"/>
+          <a:ext cx="0" cy="0"/>
+          <a:chOff x="0" y="0"/>
+          <a:chExt cx="0" cy="0"/>
+        </a:xfrm>
+      </p:grpSpPr>
+      <p:sp>
+        <p:nvSpPr>
+          <p:cNvPr id="2" name="Title 1">
+            <a:extLst>
+              <a:ext uri="{FF2B5EF4-FFF2-40B4-BE49-F238E27FC236}">
+                <a16:creationId xmlns:a16="http://schemas.microsoft.com/office/drawing/2014/main" id="{C4FEB9F6-B1CC-48A7-50C6-35F46FC1290F}"/>
+              </a:ext>
+            </a:extLst>
+          </p:cNvPr>
+          <p:cNvSpPr>
+            <a:spLocks noGrp="1"/>
+          </p:cNvSpPr>
+          <p:nvPr>
+            <p:ph type="title"/>
+          </p:nvPr>
+        </p:nvSpPr>
+        <p:spPr/>
+        <p:txBody>
+          <a:bodyPr/>
+          <a:lstStyle/>
+          <a:p>
+            <a:endParaRPr lang="en-BR"/>
+          </a:p>
+        </p:txBody>
+      </p:sp>
+      <p:pic>
+        <p:nvPicPr>
+          <p:cNvPr id="5" name="object 7">
+            <a:extLst>
+              <a:ext uri="{FF2B5EF4-FFF2-40B4-BE49-F238E27FC236}">
+                <a16:creationId xmlns:a16="http://schemas.microsoft.com/office/drawing/2014/main" id="{0B88EAC4-2B91-9899-A55B-CEC783FB564A}"/>
+              </a:ext>
+            </a:extLst>
+          </p:cNvPr>
+          <p:cNvPicPr/>
+          <p:nvPr/>
+        </p:nvPicPr>
+        <p:blipFill>
+          <a:blip r:embed="rId2" cstate="print"/>
+          <a:stretch>
+            <a:fillRect/>
+          </a:stretch>
+        </p:blipFill>
+        <p:spPr>
+          <a:xfrm>
+            <a:off x="0" y="0"/>
+            <a:ext cx="20104099" cy="1361215"/>
+          </a:xfrm>
+          <a:prstGeom prst="rect">
+            <a:avLst/>
+          </a:prstGeom>
+        </p:spPr>
+      </p:pic>
+      <p:sp>
+        <p:nvSpPr>
+          <p:cNvPr id="17" name="TextBox 16">
+            <a:extLst>
+              <a:ext uri="{FF2B5EF4-FFF2-40B4-BE49-F238E27FC236}">
+                <a16:creationId xmlns:a16="http://schemas.microsoft.com/office/drawing/2014/main" id="{014EC99B-9FBD-BBE5-51E7-7A7D02985425}"/>
+              </a:ext>
+            </a:extLst>
+          </p:cNvPr>
+          <p:cNvSpPr txBox="1"/>
+          <p:nvPr/>
+        </p:nvSpPr>
+        <p:spPr>
+          <a:xfrm>
+            <a:off x="-6139543" y="-2416629"/>
+            <a:ext cx="184731" cy="369332"/>
+          </a:xfrm>
+          <a:prstGeom prst="rect">
+            <a:avLst/>
+          </a:prstGeom>
+          <a:noFill/>
+        </p:spPr>
+        <p:txBody>
+          <a:bodyPr wrap="none" rtlCol="0">
+            <a:spAutoFit/>
+          </a:bodyPr>
+          <a:lstStyle/>
+          <a:p>
+            <a:endParaRPr lang="en-BR"/>
+          </a:p>
+        </p:txBody>
+      </p:sp>
+      <p:sp>
+        <p:nvSpPr>
+          <p:cNvPr id="4" name="object 8">
+            <a:extLst>
+              <a:ext uri="{FF2B5EF4-FFF2-40B4-BE49-F238E27FC236}">
+                <a16:creationId xmlns:a16="http://schemas.microsoft.com/office/drawing/2014/main" id="{38C00077-739B-6086-1917-4FAD23E54FE0}"/>
+              </a:ext>
+            </a:extLst>
+          </p:cNvPr>
+          <p:cNvSpPr txBox="1">
+            <a:spLocks/>
+          </p:cNvSpPr>
+          <p:nvPr/>
+        </p:nvSpPr>
+        <p:spPr>
+          <a:xfrm>
+            <a:off x="858511" y="335457"/>
+            <a:ext cx="7364739" cy="671338"/>
+          </a:xfrm>
+          <a:prstGeom prst="rect">
+            <a:avLst/>
+          </a:prstGeom>
+        </p:spPr>
+        <p:txBody>
+          <a:bodyPr vert="horz" wrap="square" lIns="0" tIns="17145" rIns="0" bIns="0" rtlCol="0">
+            <a:spAutoFit/>
+          </a:bodyPr>
+          <a:lstStyle>
+            <a:lvl1pPr>
+              <a:defRPr sz="4250" b="0" i="0">
+                <a:solidFill>
+                  <a:srgbClr val="3E3E3E"/>
+                </a:solidFill>
+                <a:latin typeface="Arial"/>
+                <a:ea typeface="+mj-ea"/>
+                <a:cs typeface="Arial"/>
+              </a:defRPr>
+            </a:lvl1pPr>
+          </a:lstStyle>
+          <a:p>
+            <a:pPr algn="l" fontAlgn="base"/>
+            <a:r>
+              <a:rPr lang="en-US" dirty="0">
+                <a:latin typeface="-apple-system"/>
+              </a:rPr>
+              <a:t>ACCESS MODIFIERS</a:t>
+            </a:r>
+          </a:p>
+        </p:txBody>
+      </p:sp>
+      <p:sp>
+        <p:nvSpPr>
+          <p:cNvPr id="10" name="TextBox 9">
+            <a:extLst>
+              <a:ext uri="{FF2B5EF4-FFF2-40B4-BE49-F238E27FC236}">
+                <a16:creationId xmlns:a16="http://schemas.microsoft.com/office/drawing/2014/main" id="{EF11D5B4-B318-864E-49FF-CF4FECC1FEF5}"/>
+              </a:ext>
+            </a:extLst>
+          </p:cNvPr>
+          <p:cNvSpPr txBox="1"/>
+          <p:nvPr/>
+        </p:nvSpPr>
+        <p:spPr>
+          <a:xfrm>
+            <a:off x="603250" y="2606675"/>
+            <a:ext cx="10287000" cy="7993791"/>
+          </a:xfrm>
+          <a:prstGeom prst="rect">
+            <a:avLst/>
+          </a:prstGeom>
+          <a:noFill/>
+        </p:spPr>
+        <p:txBody>
+          <a:bodyPr wrap="square">
+            <a:spAutoFit/>
+          </a:bodyPr>
+          <a:lstStyle/>
+          <a:p>
+            <a:pPr marL="457200" lvl="1" indent="-457200" algn="just">
+              <a:lnSpc>
+                <a:spcPct val="200000"/>
+              </a:lnSpc>
+              <a:buClr>
+                <a:srgbClr val="FFC000"/>
+              </a:buClr>
+              <a:buFont typeface="Wingdings" pitchFamily="2" charset="2"/>
+              <a:buChar char="Ø"/>
+            </a:pPr>
+            <a:r>
+              <a:rPr lang="en-GB" sz="2000" b="1" dirty="0">
+                <a:solidFill>
+                  <a:schemeClr val="tx1">
+                    <a:lumMod val="85000"/>
+                    <a:lumOff val="15000"/>
+                  </a:schemeClr>
+                </a:solidFill>
+                <a:latin typeface="Verdana" panose="020B0604030504040204" pitchFamily="34" charset="0"/>
+                <a:ea typeface="Verdana" panose="020B0604030504040204" pitchFamily="34" charset="0"/>
+                <a:cs typeface="Verdana" panose="020B0604030504040204" pitchFamily="34" charset="0"/>
+              </a:rPr>
+              <a:t>public: </a:t>
+            </a:r>
+            <a:r>
+              <a:rPr lang="en-GB" sz="2000" dirty="0">
+                <a:solidFill>
+                  <a:schemeClr val="tx1">
+                    <a:lumMod val="85000"/>
+                    <a:lumOff val="15000"/>
+                  </a:schemeClr>
+                </a:solidFill>
+                <a:latin typeface="Verdana" panose="020B0604030504040204" pitchFamily="34" charset="0"/>
+                <a:ea typeface="Verdana" panose="020B0604030504040204" pitchFamily="34" charset="0"/>
+                <a:cs typeface="Verdana" panose="020B0604030504040204" pitchFamily="34" charset="0"/>
+              </a:rPr>
+              <a:t>This is the default visibility of every class property. A public property is accessible outside the class. </a:t>
+            </a:r>
+          </a:p>
+          <a:p>
+            <a:pPr marL="457200" lvl="1" indent="-457200" algn="just">
+              <a:lnSpc>
+                <a:spcPct val="200000"/>
+              </a:lnSpc>
+              <a:buClr>
+                <a:srgbClr val="FFC000"/>
+              </a:buClr>
+              <a:buFont typeface="Wingdings" pitchFamily="2" charset="2"/>
+              <a:buChar char="Ø"/>
+            </a:pPr>
+            <a:r>
+              <a:rPr lang="en-GB" sz="2000" b="1" dirty="0">
+                <a:solidFill>
+                  <a:schemeClr val="tx1">
+                    <a:lumMod val="85000"/>
+                    <a:lumOff val="15000"/>
+                  </a:schemeClr>
+                </a:solidFill>
+                <a:latin typeface="Verdana" panose="020B0604030504040204" pitchFamily="34" charset="0"/>
+                <a:ea typeface="Verdana" panose="020B0604030504040204" pitchFamily="34" charset="0"/>
+                <a:cs typeface="Verdana" panose="020B0604030504040204" pitchFamily="34" charset="0"/>
+              </a:rPr>
+              <a:t>private: </a:t>
+            </a:r>
+            <a:r>
+              <a:rPr lang="en-GB" sz="2000" dirty="0">
+                <a:solidFill>
+                  <a:schemeClr val="tx1">
+                    <a:lumMod val="85000"/>
+                    <a:lumOff val="15000"/>
+                  </a:schemeClr>
+                </a:solidFill>
+                <a:latin typeface="Verdana" panose="020B0604030504040204" pitchFamily="34" charset="0"/>
+                <a:ea typeface="Verdana" panose="020B0604030504040204" pitchFamily="34" charset="0"/>
+                <a:cs typeface="Verdana" panose="020B0604030504040204" pitchFamily="34" charset="0"/>
+              </a:rPr>
+              <a:t>A property prefixed with the private keyword can’t be accessed anywhere outside the class and cannot be inherited by a subclass. </a:t>
+            </a:r>
+          </a:p>
+          <a:p>
+            <a:pPr marL="457200" lvl="1" indent="-457200" algn="just">
+              <a:lnSpc>
+                <a:spcPct val="200000"/>
+              </a:lnSpc>
+              <a:buClr>
+                <a:srgbClr val="FFC000"/>
+              </a:buClr>
+              <a:buFont typeface="Wingdings" pitchFamily="2" charset="2"/>
+              <a:buChar char="Ø"/>
+            </a:pPr>
+            <a:r>
+              <a:rPr lang="en-GB" sz="2000" b="1" dirty="0">
+                <a:solidFill>
+                  <a:schemeClr val="tx1">
+                    <a:lumMod val="85000"/>
+                    <a:lumOff val="15000"/>
+                  </a:schemeClr>
+                </a:solidFill>
+                <a:latin typeface="Verdana" panose="020B0604030504040204" pitchFamily="34" charset="0"/>
+                <a:ea typeface="Verdana" panose="020B0604030504040204" pitchFamily="34" charset="0"/>
+                <a:cs typeface="Verdana" panose="020B0604030504040204" pitchFamily="34" charset="0"/>
+              </a:rPr>
+              <a:t>protected: </a:t>
+            </a:r>
+            <a:r>
+              <a:rPr lang="en-GB" sz="2000" dirty="0">
+                <a:solidFill>
+                  <a:schemeClr val="tx1">
+                    <a:lumMod val="85000"/>
+                    <a:lumOff val="15000"/>
+                  </a:schemeClr>
+                </a:solidFill>
+                <a:latin typeface="Verdana" panose="020B0604030504040204" pitchFamily="34" charset="0"/>
+                <a:ea typeface="Verdana" panose="020B0604030504040204" pitchFamily="34" charset="0"/>
+                <a:cs typeface="Verdana" panose="020B0604030504040204" pitchFamily="34" charset="0"/>
+              </a:rPr>
+              <a:t>The protected access modifier is very similar to the private access modifier with one key difference. Properties marked with the protected keyword are visible and can be inherited by a subclass.</a:t>
+            </a:r>
+          </a:p>
+          <a:p>
+            <a:pPr marL="457200" lvl="1" indent="-457200" algn="just">
+              <a:lnSpc>
+                <a:spcPct val="200000"/>
+              </a:lnSpc>
+              <a:buClr>
+                <a:srgbClr val="FFC000"/>
+              </a:buClr>
+              <a:buFont typeface="Wingdings" pitchFamily="2" charset="2"/>
+              <a:buChar char="Ø"/>
+            </a:pPr>
+            <a:r>
+              <a:rPr lang="en-GB" sz="2000" b="1" dirty="0">
+                <a:solidFill>
+                  <a:schemeClr val="tx1">
+                    <a:lumMod val="85000"/>
+                    <a:lumOff val="15000"/>
+                  </a:schemeClr>
+                </a:solidFill>
+                <a:latin typeface="Verdana" panose="020B0604030504040204" pitchFamily="34" charset="0"/>
+                <a:ea typeface="Verdana" panose="020B0604030504040204" pitchFamily="34" charset="0"/>
+                <a:cs typeface="Verdana" panose="020B0604030504040204" pitchFamily="34" charset="0"/>
+              </a:rPr>
+              <a:t>static: </a:t>
+            </a:r>
+            <a:r>
+              <a:rPr lang="en-GB" sz="2000" dirty="0">
+                <a:solidFill>
+                  <a:schemeClr val="tx1">
+                    <a:lumMod val="85000"/>
+                    <a:lumOff val="15000"/>
+                  </a:schemeClr>
+                </a:solidFill>
+                <a:latin typeface="Verdana" panose="020B0604030504040204" pitchFamily="34" charset="0"/>
+                <a:ea typeface="Verdana" panose="020B0604030504040204" pitchFamily="34" charset="0"/>
+                <a:cs typeface="Verdana" panose="020B0604030504040204" pitchFamily="34" charset="0"/>
+              </a:rPr>
+              <a:t>Properties or methods prefixed with static can only be accessed directly on the class and not on an object instantiated from the class. They also can’t be inherited.</a:t>
+            </a:r>
+          </a:p>
+          <a:p>
+            <a:pPr marL="457200" lvl="1" indent="-457200" algn="just">
+              <a:lnSpc>
+                <a:spcPct val="200000"/>
+              </a:lnSpc>
+              <a:buClr>
+                <a:srgbClr val="FFC000"/>
+              </a:buClr>
+              <a:buFont typeface="Wingdings" pitchFamily="2" charset="2"/>
+              <a:buChar char="Ø"/>
+            </a:pPr>
+            <a:r>
+              <a:rPr lang="en-GB" sz="2000" b="1" dirty="0" err="1">
+                <a:solidFill>
+                  <a:schemeClr val="tx1">
+                    <a:lumMod val="85000"/>
+                    <a:lumOff val="15000"/>
+                  </a:schemeClr>
+                </a:solidFill>
+                <a:latin typeface="Verdana" panose="020B0604030504040204" pitchFamily="34" charset="0"/>
+                <a:ea typeface="Verdana" panose="020B0604030504040204" pitchFamily="34" charset="0"/>
+                <a:cs typeface="Verdana" panose="020B0604030504040204" pitchFamily="34" charset="0"/>
+              </a:rPr>
+              <a:t>readonly</a:t>
+            </a:r>
+            <a:r>
+              <a:rPr lang="en-GB" sz="2000" b="1" dirty="0">
+                <a:solidFill>
+                  <a:schemeClr val="tx1">
+                    <a:lumMod val="85000"/>
+                    <a:lumOff val="15000"/>
+                  </a:schemeClr>
+                </a:solidFill>
+                <a:latin typeface="Verdana" panose="020B0604030504040204" pitchFamily="34" charset="0"/>
+                <a:ea typeface="Verdana" panose="020B0604030504040204" pitchFamily="34" charset="0"/>
+                <a:cs typeface="Verdana" panose="020B0604030504040204" pitchFamily="34" charset="0"/>
+              </a:rPr>
+              <a:t>:</a:t>
+            </a:r>
+            <a:r>
+              <a:rPr lang="en-GB" sz="2000" dirty="0">
+                <a:solidFill>
+                  <a:schemeClr val="tx1">
+                    <a:lumMod val="85000"/>
+                    <a:lumOff val="15000"/>
+                  </a:schemeClr>
+                </a:solidFill>
+                <a:latin typeface="Verdana" panose="020B0604030504040204" pitchFamily="34" charset="0"/>
+                <a:ea typeface="Verdana" panose="020B0604030504040204" pitchFamily="34" charset="0"/>
+                <a:cs typeface="Verdana" panose="020B0604030504040204" pitchFamily="34" charset="0"/>
+              </a:rPr>
+              <a:t> Properties prefixed with </a:t>
+            </a:r>
+            <a:r>
+              <a:rPr lang="en-GB" sz="2000" dirty="0" err="1">
+                <a:solidFill>
+                  <a:schemeClr val="tx1">
+                    <a:lumMod val="85000"/>
+                    <a:lumOff val="15000"/>
+                  </a:schemeClr>
+                </a:solidFill>
+                <a:latin typeface="Verdana" panose="020B0604030504040204" pitchFamily="34" charset="0"/>
+                <a:ea typeface="Verdana" panose="020B0604030504040204" pitchFamily="34" charset="0"/>
+                <a:cs typeface="Verdana" panose="020B0604030504040204" pitchFamily="34" charset="0"/>
+              </a:rPr>
+              <a:t>readonly</a:t>
+            </a:r>
+            <a:r>
+              <a:rPr lang="en-GB" sz="2000" dirty="0">
+                <a:solidFill>
+                  <a:schemeClr val="tx1">
+                    <a:lumMod val="85000"/>
+                    <a:lumOff val="15000"/>
+                  </a:schemeClr>
+                </a:solidFill>
+                <a:latin typeface="Verdana" panose="020B0604030504040204" pitchFamily="34" charset="0"/>
+                <a:ea typeface="Verdana" panose="020B0604030504040204" pitchFamily="34" charset="0"/>
+                <a:cs typeface="Verdana" panose="020B0604030504040204" pitchFamily="34" charset="0"/>
+              </a:rPr>
+              <a:t> can’t be modified; their values can only be read. Since read-only properties cannot be modified, they must be set at the class declaration or inside a constructor function.</a:t>
+            </a:r>
+          </a:p>
+        </p:txBody>
+      </p:sp>
+      <p:sp>
+        <p:nvSpPr>
+          <p:cNvPr id="3" name="TextBox 2">
+            <a:extLst>
+              <a:ext uri="{FF2B5EF4-FFF2-40B4-BE49-F238E27FC236}">
+                <a16:creationId xmlns:a16="http://schemas.microsoft.com/office/drawing/2014/main" id="{6D4A3BA4-66D9-6F47-1441-F31745F4DBB1}"/>
+              </a:ext>
+            </a:extLst>
+          </p:cNvPr>
+          <p:cNvSpPr txBox="1"/>
+          <p:nvPr/>
+        </p:nvSpPr>
+        <p:spPr>
+          <a:xfrm>
+            <a:off x="2279650" y="1425207"/>
+            <a:ext cx="18251360" cy="710131"/>
+          </a:xfrm>
+          <a:prstGeom prst="rect">
+            <a:avLst/>
+          </a:prstGeom>
+          <a:noFill/>
+        </p:spPr>
+        <p:txBody>
+          <a:bodyPr wrap="square">
+            <a:spAutoFit/>
+          </a:bodyPr>
+          <a:lstStyle/>
+          <a:p>
+            <a:pPr lvl="1" algn="just">
+              <a:lnSpc>
+                <a:spcPct val="200000"/>
+              </a:lnSpc>
+              <a:buClr>
+                <a:srgbClr val="FFC000"/>
+              </a:buClr>
+            </a:pPr>
+            <a:r>
+              <a:rPr lang="en-GB" sz="2400" dirty="0">
+                <a:solidFill>
+                  <a:schemeClr val="tx1">
+                    <a:lumMod val="85000"/>
+                    <a:lumOff val="15000"/>
+                  </a:schemeClr>
+                </a:solidFill>
+                <a:latin typeface="Verdana" panose="020B0604030504040204" pitchFamily="34" charset="0"/>
+                <a:ea typeface="Verdana" panose="020B0604030504040204" pitchFamily="34" charset="0"/>
+                <a:cs typeface="Verdana" panose="020B0604030504040204" pitchFamily="34" charset="0"/>
+              </a:rPr>
+              <a:t>An access modifier is a keyword that changes the accessibility of a property or method in a class.</a:t>
+            </a:r>
+          </a:p>
+        </p:txBody>
+      </p:sp>
+      <p:pic>
+        <p:nvPicPr>
+          <p:cNvPr id="7" name="Picture 6">
+            <a:extLst>
+              <a:ext uri="{FF2B5EF4-FFF2-40B4-BE49-F238E27FC236}">
+                <a16:creationId xmlns:a16="http://schemas.microsoft.com/office/drawing/2014/main" id="{4B4AC158-0FFD-EA3D-3990-F25E209358B7}"/>
+              </a:ext>
+            </a:extLst>
+          </p:cNvPr>
+          <p:cNvPicPr>
+            <a:picLocks noChangeAspect="1"/>
+          </p:cNvPicPr>
+          <p:nvPr/>
+        </p:nvPicPr>
+        <p:blipFill>
+          <a:blip r:embed="rId3"/>
+          <a:stretch>
+            <a:fillRect/>
+          </a:stretch>
+        </p:blipFill>
+        <p:spPr>
+          <a:xfrm>
+            <a:off x="11652250" y="4130675"/>
+            <a:ext cx="6959600" cy="4114800"/>
+          </a:xfrm>
+          <a:prstGeom prst="rect">
+            <a:avLst/>
+          </a:prstGeom>
+        </p:spPr>
+      </p:pic>
+    </p:spTree>
+    <p:extLst>
+      <p:ext uri="{BB962C8B-B14F-4D97-AF65-F5344CB8AC3E}">
+        <p14:creationId xmlns:p14="http://schemas.microsoft.com/office/powerpoint/2010/main" val="2817344732"/>
       </p:ext>
     </p:extLst>
   </p:cSld>
